--- a/Scene Text Recognition with Permuted Autoregressive Sequence Models.pptx
+++ b/Scene Text Recognition with Permuted Autoregressive Sequence Models.pptx
@@ -6,7 +6,7 @@
     <p:sldMasterId id="2147483671" r:id="rId2"/>
   </p:sldMasterIdLst>
   <p:notesMasterIdLst>
-    <p:notesMasterId r:id="rId37"/>
+    <p:notesMasterId r:id="rId39"/>
   </p:notesMasterIdLst>
   <p:sldIdLst>
     <p:sldId id="256" r:id="rId3"/>
@@ -22,27 +22,29 @@
     <p:sldId id="306" r:id="rId13"/>
     <p:sldId id="307" r:id="rId14"/>
     <p:sldId id="309" r:id="rId15"/>
-    <p:sldId id="311" r:id="rId16"/>
-    <p:sldId id="312" r:id="rId17"/>
-    <p:sldId id="313" r:id="rId18"/>
-    <p:sldId id="314" r:id="rId19"/>
-    <p:sldId id="315" r:id="rId20"/>
-    <p:sldId id="316" r:id="rId21"/>
-    <p:sldId id="317" r:id="rId22"/>
-    <p:sldId id="318" r:id="rId23"/>
-    <p:sldId id="319" r:id="rId24"/>
-    <p:sldId id="320" r:id="rId25"/>
-    <p:sldId id="321" r:id="rId26"/>
-    <p:sldId id="322" r:id="rId27"/>
-    <p:sldId id="323" r:id="rId28"/>
-    <p:sldId id="324" r:id="rId29"/>
-    <p:sldId id="325" r:id="rId30"/>
-    <p:sldId id="292" r:id="rId31"/>
-    <p:sldId id="295" r:id="rId32"/>
-    <p:sldId id="298" r:id="rId33"/>
-    <p:sldId id="299" r:id="rId34"/>
-    <p:sldId id="281" r:id="rId35"/>
-    <p:sldId id="282" r:id="rId36"/>
+    <p:sldId id="313" r:id="rId16"/>
+    <p:sldId id="311" r:id="rId17"/>
+    <p:sldId id="340" r:id="rId18"/>
+    <p:sldId id="312" r:id="rId19"/>
+    <p:sldId id="314" r:id="rId20"/>
+    <p:sldId id="315" r:id="rId21"/>
+    <p:sldId id="316" r:id="rId22"/>
+    <p:sldId id="317" r:id="rId23"/>
+    <p:sldId id="318" r:id="rId24"/>
+    <p:sldId id="319" r:id="rId25"/>
+    <p:sldId id="320" r:id="rId26"/>
+    <p:sldId id="321" r:id="rId27"/>
+    <p:sldId id="322" r:id="rId28"/>
+    <p:sldId id="323" r:id="rId29"/>
+    <p:sldId id="324" r:id="rId30"/>
+    <p:sldId id="325" r:id="rId31"/>
+    <p:sldId id="292" r:id="rId32"/>
+    <p:sldId id="295" r:id="rId33"/>
+    <p:sldId id="298" r:id="rId34"/>
+    <p:sldId id="299" r:id="rId35"/>
+    <p:sldId id="339" r:id="rId36"/>
+    <p:sldId id="281" r:id="rId37"/>
+    <p:sldId id="282" r:id="rId38"/>
   </p:sldIdLst>
   <p:sldSz cx="9144000" cy="5143500" type="screen16x9"/>
   <p:notesSz cx="6858000" cy="9144000"/>
@@ -1257,6 +1259,93 @@
               <a:latin typeface="Arial" panose="020B0604020202020204" pitchFamily="34" charset="0"/>
             </a:endParaRPr>
           </a:p>
+          <a:p>
+            <a:pPr marL="0" marR="0" lvl="0" indent="0" algn="l" rtl="0">
+              <a:lnSpc>
+                <a:spcPct val="100000"/>
+              </a:lnSpc>
+              <a:spcBef>
+                <a:spcPts val="0"/>
+              </a:spcBef>
+              <a:spcAft>
+                <a:spcPts val="0"/>
+              </a:spcAft>
+              <a:buClr>
+                <a:schemeClr val="dk1"/>
+              </a:buClr>
+              <a:buSzPts val="1200"/>
+              <a:buFont typeface="Calibri"/>
+              <a:buNone/>
+            </a:pPr>
+            <a:r>
+              <a:rPr lang="en-US" altLang="zh-TW" b="0" i="0" dirty="0">
+                <a:effectLst/>
+                <a:latin typeface="Arial" panose="020B0604020202020204" pitchFamily="34" charset="0"/>
+              </a:rPr>
+              <a:t>Mask language model</a:t>
+            </a:r>
+          </a:p>
+          <a:p>
+            <a:pPr marL="0" marR="0" lvl="0" indent="0" algn="l" rtl="0">
+              <a:lnSpc>
+                <a:spcPct val="100000"/>
+              </a:lnSpc>
+              <a:spcBef>
+                <a:spcPts val="0"/>
+              </a:spcBef>
+              <a:spcAft>
+                <a:spcPts val="0"/>
+              </a:spcAft>
+              <a:buClr>
+                <a:schemeClr val="dk1"/>
+              </a:buClr>
+              <a:buSzPts val="1200"/>
+              <a:buFont typeface="Calibri"/>
+              <a:buNone/>
+            </a:pPr>
+            <a:r>
+              <a:rPr lang="en-US" altLang="zh-TW" sz="1100" dirty="0">
+                <a:solidFill>
+                  <a:schemeClr val="tx1"/>
+                </a:solidFill>
+                <a:latin typeface="Microsoft JhengHei"/>
+                <a:ea typeface="Microsoft JhengHei"/>
+                <a:cs typeface="Microsoft JhengHei"/>
+                <a:sym typeface="Microsoft JhengHei"/>
+              </a:rPr>
+              <a:t>Stochastic</a:t>
+            </a:r>
+            <a:r>
+              <a:rPr lang="en-US" altLang="zh-TW" sz="1100" b="0" i="0" dirty="0">
+                <a:solidFill>
+                  <a:schemeClr val="tx1"/>
+                </a:solidFill>
+                <a:effectLst/>
+                <a:latin typeface="Arial" panose="020B0604020202020204" pitchFamily="34" charset="0"/>
+                <a:ea typeface="Microsoft JhengHei"/>
+                <a:cs typeface="Microsoft JhengHei"/>
+                <a:sym typeface="Microsoft JhengHei"/>
+              </a:rPr>
+              <a:t> </a:t>
+            </a:r>
+            <a:r>
+              <a:rPr lang="zh-TW" altLang="en-US" sz="1100" b="0" i="0" dirty="0">
+                <a:solidFill>
+                  <a:schemeClr val="tx1"/>
+                </a:solidFill>
+                <a:effectLst/>
+                <a:latin typeface="Arial" panose="020B0604020202020204" pitchFamily="34" charset="0"/>
+                <a:ea typeface="Microsoft JhengHei"/>
+                <a:cs typeface="Microsoft JhengHei"/>
+                <a:sym typeface="Microsoft JhengHei"/>
+              </a:rPr>
+              <a:t>隨機</a:t>
+            </a:r>
+            <a:endParaRPr lang="en-US" altLang="zh-TW" b="0" i="0" dirty="0">
+              <a:effectLst/>
+              <a:latin typeface="Arial" panose="020B0604020202020204" pitchFamily="34" charset="0"/>
+            </a:endParaRPr>
+          </a:p>
         </p:txBody>
       </p:sp>
       <p:sp>
@@ -1999,7 +2088,7 @@
     </p:spTree>
     <p:extLst>
       <p:ext uri="{BB962C8B-B14F-4D97-AF65-F5344CB8AC3E}">
-        <p14:creationId xmlns:p14="http://schemas.microsoft.com/office/powerpoint/2010/main" val="1173476675"/>
+        <p14:creationId xmlns:p14="http://schemas.microsoft.com/office/powerpoint/2010/main" val="1136966152"/>
       </p:ext>
     </p:extLst>
   </p:cSld>
@@ -2123,13 +2212,91 @@
               <a:buFont typeface="Calibri"/>
               <a:buAutoNum type="arabicPeriod"/>
             </a:pPr>
-            <a:br>
-              <a:rPr lang="en-US" altLang="zh-TW" dirty="0"/>
-            </a:br>
-            <a:endParaRPr lang="en-US" altLang="zh-TW" b="0" i="0" dirty="0">
-              <a:effectLst/>
-              <a:latin typeface="Arial" panose="020B0604020202020204" pitchFamily="34" charset="0"/>
-            </a:endParaRPr>
+            <a:r>
+              <a:rPr lang="en-US" altLang="zh-TW" b="0" i="0" dirty="0">
+                <a:effectLst/>
+                <a:latin typeface="Arial" panose="020B0604020202020204" pitchFamily="34" charset="0"/>
+              </a:rPr>
+              <a:t>p:position tokens</a:t>
+            </a:r>
+          </a:p>
+          <a:p>
+            <a:pPr marL="228600" marR="0" lvl="0" indent="-228600" algn="l" rtl="0">
+              <a:lnSpc>
+                <a:spcPct val="100000"/>
+              </a:lnSpc>
+              <a:spcBef>
+                <a:spcPts val="0"/>
+              </a:spcBef>
+              <a:spcAft>
+                <a:spcPts val="0"/>
+              </a:spcAft>
+              <a:buClr>
+                <a:schemeClr val="dk1"/>
+              </a:buClr>
+              <a:buSzPts val="1200"/>
+              <a:buFont typeface="Calibri"/>
+              <a:buAutoNum type="arabicPeriod"/>
+            </a:pPr>
+            <a:r>
+              <a:rPr lang="en-US" altLang="zh-TW" b="0" i="0" dirty="0">
+                <a:effectLst/>
+                <a:latin typeface="Arial" panose="020B0604020202020204" pitchFamily="34" charset="0"/>
+              </a:rPr>
+              <a:t>c:c+p context embeddings with positional information</a:t>
+            </a:r>
+          </a:p>
+          <a:p>
+            <a:pPr marL="228600" marR="0" lvl="0" indent="-228600" algn="l" rtl="0">
+              <a:lnSpc>
+                <a:spcPct val="100000"/>
+              </a:lnSpc>
+              <a:spcBef>
+                <a:spcPts val="0"/>
+              </a:spcBef>
+              <a:spcAft>
+                <a:spcPts val="0"/>
+              </a:spcAft>
+              <a:buClr>
+                <a:schemeClr val="dk1"/>
+              </a:buClr>
+              <a:buSzPts val="1200"/>
+              <a:buFont typeface="Calibri"/>
+              <a:buAutoNum type="arabicPeriod"/>
+            </a:pPr>
+            <a:r>
+              <a:rPr lang="en-US" altLang="zh-TW" b="0" i="0" dirty="0">
+                <a:effectLst/>
+                <a:latin typeface="Arial" panose="020B0604020202020204" pitchFamily="34" charset="0"/>
+              </a:rPr>
+              <a:t>m: optional attention mask</a:t>
+            </a:r>
+          </a:p>
+          <a:p>
+            <a:pPr marL="228600" marR="0" lvl="0" indent="-228600" algn="l" rtl="0">
+              <a:lnSpc>
+                <a:spcPct val="100000"/>
+              </a:lnSpc>
+              <a:spcBef>
+                <a:spcPts val="0"/>
+              </a:spcBef>
+              <a:spcAft>
+                <a:spcPts val="0"/>
+              </a:spcAft>
+              <a:buClr>
+                <a:schemeClr val="dk1"/>
+              </a:buClr>
+              <a:buSzPts val="1200"/>
+              <a:buFont typeface="Calibri"/>
+              <a:buAutoNum type="arabicPeriod"/>
+            </a:pPr>
+            <a:r>
+              <a:rPr lang="en-US" altLang="zh-TW" b="0" i="0" dirty="0">
+                <a:effectLst/>
+                <a:latin typeface="Arial" panose="020B0604020202020204" pitchFamily="34" charset="0"/>
+              </a:rPr>
+              <a:t>S: is the size of the character set </a:t>
+            </a:r>
           </a:p>
         </p:txBody>
       </p:sp>
@@ -2182,7 +2349,7 @@
     </p:spTree>
     <p:extLst>
       <p:ext uri="{BB962C8B-B14F-4D97-AF65-F5344CB8AC3E}">
-        <p14:creationId xmlns:p14="http://schemas.microsoft.com/office/powerpoint/2010/main" val="2908093620"/>
+        <p14:creationId xmlns:p14="http://schemas.microsoft.com/office/powerpoint/2010/main" val="1173476675"/>
       </p:ext>
     </p:extLst>
   </p:cSld>
@@ -2289,7 +2456,7 @@
           </a:bodyPr>
           <a:lstStyle/>
           <a:p>
-            <a:pPr marL="228600" marR="0" lvl="0" indent="-228600" algn="l" rtl="0">
+            <a:pPr marL="0" marR="0" lvl="0" indent="0" algn="l" rtl="0">
               <a:lnSpc>
                 <a:spcPct val="100000"/>
               </a:lnSpc>
@@ -2304,93 +2471,9 @@
               </a:buClr>
               <a:buSzPts val="1200"/>
               <a:buFont typeface="Calibri"/>
-              <a:buAutoNum type="arabicPeriod"/>
+              <a:buNone/>
             </a:pPr>
-            <a:r>
-              <a:rPr lang="en-US" altLang="zh-TW" b="0" i="0" dirty="0">
-                <a:effectLst/>
-                <a:latin typeface="Arial" panose="020B0604020202020204" pitchFamily="34" charset="0"/>
-              </a:rPr>
-              <a:t>p:position tokens</a:t>
-            </a:r>
-          </a:p>
-          <a:p>
-            <a:pPr marL="228600" marR="0" lvl="0" indent="-228600" algn="l" rtl="0">
-              <a:lnSpc>
-                <a:spcPct val="100000"/>
-              </a:lnSpc>
-              <a:spcBef>
-                <a:spcPts val="0"/>
-              </a:spcBef>
-              <a:spcAft>
-                <a:spcPts val="0"/>
-              </a:spcAft>
-              <a:buClr>
-                <a:schemeClr val="dk1"/>
-              </a:buClr>
-              <a:buSzPts val="1200"/>
-              <a:buFont typeface="Calibri"/>
-              <a:buAutoNum type="arabicPeriod"/>
-            </a:pPr>
-            <a:r>
-              <a:rPr lang="en-US" altLang="zh-TW" b="0" i="0" dirty="0">
-                <a:effectLst/>
-                <a:latin typeface="Arial" panose="020B0604020202020204" pitchFamily="34" charset="0"/>
-              </a:rPr>
-              <a:t>c:c+p context embeddings with positional information</a:t>
-            </a:r>
-          </a:p>
-          <a:p>
-            <a:pPr marL="228600" marR="0" lvl="0" indent="-228600" algn="l" rtl="0">
-              <a:lnSpc>
-                <a:spcPct val="100000"/>
-              </a:lnSpc>
-              <a:spcBef>
-                <a:spcPts val="0"/>
-              </a:spcBef>
-              <a:spcAft>
-                <a:spcPts val="0"/>
-              </a:spcAft>
-              <a:buClr>
-                <a:schemeClr val="dk1"/>
-              </a:buClr>
-              <a:buSzPts val="1200"/>
-              <a:buFont typeface="Calibri"/>
-              <a:buAutoNum type="arabicPeriod"/>
-            </a:pPr>
-            <a:r>
-              <a:rPr lang="en-US" altLang="zh-TW" b="0" i="0" dirty="0">
-                <a:effectLst/>
-                <a:latin typeface="Arial" panose="020B0604020202020204" pitchFamily="34" charset="0"/>
-              </a:rPr>
-              <a:t>m: optional attention mask</a:t>
-            </a:r>
-          </a:p>
-          <a:p>
-            <a:pPr marL="228600" marR="0" lvl="0" indent="-228600" algn="l" rtl="0">
-              <a:lnSpc>
-                <a:spcPct val="100000"/>
-              </a:lnSpc>
-              <a:spcBef>
-                <a:spcPts val="0"/>
-              </a:spcBef>
-              <a:spcAft>
-                <a:spcPts val="0"/>
-              </a:spcAft>
-              <a:buClr>
-                <a:schemeClr val="dk1"/>
-              </a:buClr>
-              <a:buSzPts val="1200"/>
-              <a:buFont typeface="Calibri"/>
-              <a:buAutoNum type="arabicPeriod"/>
-            </a:pPr>
-            <a:r>
-              <a:rPr lang="en-US" altLang="zh-TW" b="0" i="0" dirty="0">
-                <a:effectLst/>
-                <a:latin typeface="Arial" panose="020B0604020202020204" pitchFamily="34" charset="0"/>
-              </a:rPr>
-              <a:t>S: is the size of the character set </a:t>
-            </a:r>
+            <a:endParaRPr dirty="0"/>
           </a:p>
         </p:txBody>
       </p:sp>
@@ -2443,7 +2526,7 @@
     </p:spTree>
     <p:extLst>
       <p:ext uri="{BB962C8B-B14F-4D97-AF65-F5344CB8AC3E}">
-        <p14:creationId xmlns:p14="http://schemas.microsoft.com/office/powerpoint/2010/main" val="4075348210"/>
+        <p14:creationId xmlns:p14="http://schemas.microsoft.com/office/powerpoint/2010/main" val="3560255335"/>
       </p:ext>
     </p:extLst>
   </p:cSld>
@@ -2567,13 +2650,13 @@
               <a:buFont typeface="Calibri"/>
               <a:buAutoNum type="arabicPeriod"/>
             </a:pPr>
-            <a:r>
-              <a:rPr lang="en-US" altLang="zh-TW" b="0" i="0" dirty="0">
-                <a:effectLst/>
-                <a:latin typeface="Arial" panose="020B0604020202020204" pitchFamily="34" charset="0"/>
-              </a:rPr>
-              <a:t>ZT denotes the set of all possible permutations </a:t>
-            </a:r>
+            <a:br>
+              <a:rPr lang="en-US" altLang="zh-TW" dirty="0"/>
+            </a:br>
+            <a:endParaRPr lang="en-US" altLang="zh-TW" b="0" i="0" dirty="0">
+              <a:effectLst/>
+              <a:latin typeface="Arial" panose="020B0604020202020204" pitchFamily="34" charset="0"/>
+            </a:endParaRPr>
           </a:p>
         </p:txBody>
       </p:sp>
@@ -2626,7 +2709,7 @@
     </p:spTree>
     <p:extLst>
       <p:ext uri="{BB962C8B-B14F-4D97-AF65-F5344CB8AC3E}">
-        <p14:creationId xmlns:p14="http://schemas.microsoft.com/office/powerpoint/2010/main" val="439369219"/>
+        <p14:creationId xmlns:p14="http://schemas.microsoft.com/office/powerpoint/2010/main" val="2908093620"/>
       </p:ext>
     </p:extLst>
   </p:cSld>
@@ -2755,21 +2838,75 @@
                 <a:effectLst/>
                 <a:latin typeface="Arial" panose="020B0604020202020204" pitchFamily="34" charset="0"/>
               </a:rPr>
-              <a:t>first iteration, the context is set to</a:t>
-            </a:r>
-            <a:r>
-              <a:rPr lang="en-US" altLang="zh-TW" b="0" i="0" dirty="0">
-                <a:effectLst/>
-                <a:latin typeface="Courier New" panose="02070309020205020404" pitchFamily="49" charset="0"/>
-              </a:rPr>
-              <a:t>[B] </a:t>
-            </a:r>
+              <a:t>ZT denotes the set of all possible permutations </a:t>
+            </a:r>
+          </a:p>
+          <a:p>
+            <a:pPr marL="228600" marR="0" lvl="0" indent="-228600" algn="l" rtl="0">
+              <a:lnSpc>
+                <a:spcPct val="100000"/>
+              </a:lnSpc>
+              <a:spcBef>
+                <a:spcPts val="0"/>
+              </a:spcBef>
+              <a:spcAft>
+                <a:spcPts val="0"/>
+              </a:spcAft>
+              <a:buClr>
+                <a:schemeClr val="dk1"/>
+              </a:buClr>
+              <a:buSzPts val="1200"/>
+              <a:buFont typeface="Calibri"/>
+              <a:buAutoNum type="arabicPeriod"/>
+            </a:pPr>
             <a:r>
               <a:rPr lang="en-US" altLang="zh-TW" b="0" i="0" dirty="0">
                 <a:effectLst/>
                 <a:latin typeface="Arial" panose="020B0604020202020204" pitchFamily="34" charset="0"/>
               </a:rPr>
-              <a:t>and only the first position query tokenp1is used while the context is set to the previous output</a:t>
+              <a:t>first half consists of </a:t>
+            </a:r>
+            <a:r>
+              <a:rPr lang="en-US" altLang="zh-TW" b="0" i="0" dirty="0" err="1">
+                <a:effectLst/>
+                <a:latin typeface="Arial" panose="020B0604020202020204" pitchFamily="34" charset="0"/>
+              </a:rPr>
+              <a:t>theleft</a:t>
+            </a:r>
+            <a:r>
+              <a:rPr lang="en-US" altLang="zh-TW" b="0" i="0" dirty="0">
+                <a:effectLst/>
+                <a:latin typeface="Arial" panose="020B0604020202020204" pitchFamily="34" charset="0"/>
+              </a:rPr>
+              <a:t>-to-</a:t>
+            </a:r>
+            <a:r>
+              <a:rPr lang="en-US" altLang="zh-TW" b="0" i="0" dirty="0" err="1">
+                <a:effectLst/>
+                <a:latin typeface="Arial" panose="020B0604020202020204" pitchFamily="34" charset="0"/>
+              </a:rPr>
+              <a:t>rightpermutation</a:t>
+            </a:r>
+            <a:r>
+              <a:rPr lang="en-US" altLang="zh-TW" b="0" i="0" dirty="0">
+                <a:effectLst/>
+                <a:latin typeface="Arial" panose="020B0604020202020204" pitchFamily="34" charset="0"/>
+              </a:rPr>
+              <a:t>, [1, 2, . . . ,T], </a:t>
+            </a:r>
+            <a:r>
+              <a:rPr lang="en-US" altLang="zh-TW" b="0" i="0" dirty="0" err="1">
+                <a:effectLst/>
+                <a:latin typeface="Arial" panose="020B0604020202020204" pitchFamily="34" charset="0"/>
+              </a:rPr>
+              <a:t>andK</a:t>
+            </a:r>
+            <a:r>
+              <a:rPr lang="en-US" altLang="zh-TW" b="0" i="0" dirty="0">
+                <a:effectLst/>
+                <a:latin typeface="Arial" panose="020B0604020202020204" pitchFamily="34" charset="0"/>
+              </a:rPr>
+              <a:t>/2−1 randomly sampled permutations</a:t>
             </a:r>
           </a:p>
         </p:txBody>
@@ -2823,7 +2960,7 @@
     </p:spTree>
     <p:extLst>
       <p:ext uri="{BB962C8B-B14F-4D97-AF65-F5344CB8AC3E}">
-        <p14:creationId xmlns:p14="http://schemas.microsoft.com/office/powerpoint/2010/main" val="3492907028"/>
+        <p14:creationId xmlns:p14="http://schemas.microsoft.com/office/powerpoint/2010/main" val="439369219"/>
       </p:ext>
     </p:extLst>
   </p:cSld>
@@ -2838,7 +2975,7 @@
   <p:cSld>
     <p:spTree>
       <p:nvGrpSpPr>
-        <p:cNvPr id="1" name="Shape 171"/>
+        <p:cNvPr id="1" name="Shape 135"/>
         <p:cNvGrpSpPr/>
         <p:nvPr/>
       </p:nvGrpSpPr>
@@ -2852,7 +2989,7 @@
       </p:grpSpPr>
       <p:sp>
         <p:nvSpPr>
-          <p:cNvPr id="172" name="Google Shape;172;g1144437607e_2_107:notes"/>
+          <p:cNvPr id="136" name="Google Shape;136;g1144437607e_2_96:notes"/>
           <p:cNvSpPr>
             <a:spLocks noGrp="1" noRot="1" noChangeAspect="1"/>
           </p:cNvSpPr>
@@ -2903,7 +3040,7 @@
       </p:sp>
       <p:sp>
         <p:nvSpPr>
-          <p:cNvPr id="173" name="Google Shape;173;g1144437607e_2_107:notes"/>
+          <p:cNvPr id="137" name="Google Shape;137;g1144437607e_2_96:notes"/>
           <p:cNvSpPr txBox="1">
             <a:spLocks noGrp="1"/>
           </p:cNvSpPr>
@@ -2930,22 +3067,57 @@
           </a:bodyPr>
           <a:lstStyle/>
           <a:p>
-            <a:pPr marL="0" lvl="0" indent="0" algn="l" rtl="0">
-              <a:spcBef>
-                <a:spcPts val="0"/>
-              </a:spcBef>
-              <a:spcAft>
-                <a:spcPts val="0"/>
-              </a:spcAft>
-              <a:buNone/>
+            <a:pPr marL="228600" marR="0" lvl="0" indent="-228600" algn="l" rtl="0">
+              <a:lnSpc>
+                <a:spcPct val="100000"/>
+              </a:lnSpc>
+              <a:spcBef>
+                <a:spcPts val="0"/>
+              </a:spcBef>
+              <a:spcAft>
+                <a:spcPts val="0"/>
+              </a:spcAft>
+              <a:buClr>
+                <a:schemeClr val="dk1"/>
+              </a:buClr>
+              <a:buSzPts val="1200"/>
+              <a:buFont typeface="Calibri"/>
+              <a:buAutoNum type="arabicPeriod"/>
             </a:pPr>
-            <a:endParaRPr/>
+            <a:r>
+              <a:rPr lang="en-US" altLang="zh-TW" b="0" i="0" dirty="0">
+                <a:effectLst/>
+                <a:latin typeface="Arial" panose="020B0604020202020204" pitchFamily="34" charset="0"/>
+              </a:rPr>
+              <a:t>first iteration, the context is set to</a:t>
+            </a:r>
+            <a:r>
+              <a:rPr lang="zh-TW" altLang="en-US" b="0" i="0" dirty="0">
+                <a:effectLst/>
+                <a:latin typeface="Arial" panose="020B0604020202020204" pitchFamily="34" charset="0"/>
+              </a:rPr>
+              <a:t> </a:t>
+            </a:r>
+            <a:r>
+              <a:rPr lang="en-US" altLang="zh-TW" b="0" i="0" dirty="0">
+                <a:effectLst/>
+                <a:latin typeface="Courier New" panose="02070309020205020404" pitchFamily="49" charset="0"/>
+              </a:rPr>
+              <a:t>[B] </a:t>
+            </a:r>
+            <a:r>
+              <a:rPr lang="en-US" altLang="zh-TW" b="0" i="0" dirty="0">
+                <a:effectLst/>
+                <a:latin typeface="Arial" panose="020B0604020202020204" pitchFamily="34" charset="0"/>
+              </a:rPr>
+              <a:t>and only the first position query token p1 is used while the context is set to the previous output</a:t>
+            </a:r>
           </a:p>
         </p:txBody>
       </p:sp>
       <p:sp>
         <p:nvSpPr>
-          <p:cNvPr id="174" name="Google Shape;174;g1144437607e_2_107:notes"/>
+          <p:cNvPr id="138" name="Google Shape;138;g1144437607e_2_96:notes"/>
           <p:cNvSpPr txBox="1">
             <a:spLocks noGrp="1"/>
           </p:cNvSpPr>
@@ -2992,7 +3164,7 @@
     </p:spTree>
     <p:extLst>
       <p:ext uri="{BB962C8B-B14F-4D97-AF65-F5344CB8AC3E}">
-        <p14:creationId xmlns:p14="http://schemas.microsoft.com/office/powerpoint/2010/main" val="1792472772"/>
+        <p14:creationId xmlns:p14="http://schemas.microsoft.com/office/powerpoint/2010/main" val="3492907028"/>
       </p:ext>
     </p:extLst>
   </p:cSld>
@@ -3179,7 +3351,7 @@
   <p:cSld>
     <p:spTree>
       <p:nvGrpSpPr>
-        <p:cNvPr id="1" name="Shape 135"/>
+        <p:cNvPr id="1" name="Shape 171"/>
         <p:cNvGrpSpPr/>
         <p:nvPr/>
       </p:nvGrpSpPr>
@@ -3193,7 +3365,7 @@
       </p:grpSpPr>
       <p:sp>
         <p:nvSpPr>
-          <p:cNvPr id="136" name="Google Shape;136;g1144437607e_2_96:notes"/>
+          <p:cNvPr id="172" name="Google Shape;172;g1144437607e_2_107:notes"/>
           <p:cNvSpPr>
             <a:spLocks noGrp="1" noRot="1" noChangeAspect="1"/>
           </p:cNvSpPr>
@@ -3244,7 +3416,7 @@
       </p:sp>
       <p:sp>
         <p:nvSpPr>
-          <p:cNvPr id="137" name="Google Shape;137;g1144437607e_2_96:notes"/>
+          <p:cNvPr id="173" name="Google Shape;173;g1144437607e_2_107:notes"/>
           <p:cNvSpPr txBox="1">
             <a:spLocks noGrp="1"/>
           </p:cNvSpPr>
@@ -3271,33 +3443,22 @@
           </a:bodyPr>
           <a:lstStyle/>
           <a:p>
-            <a:pPr marL="0" marR="0" lvl="0" indent="0" algn="l" rtl="0">
-              <a:lnSpc>
-                <a:spcPct val="100000"/>
-              </a:lnSpc>
-              <a:spcBef>
-                <a:spcPts val="0"/>
-              </a:spcBef>
-              <a:spcAft>
-                <a:spcPts val="0"/>
-              </a:spcAft>
-              <a:buClr>
-                <a:schemeClr val="dk1"/>
-              </a:buClr>
-              <a:buSzPts val="1200"/>
-              <a:buFont typeface="Calibri"/>
+            <a:pPr marL="0" lvl="0" indent="0" algn="l" rtl="0">
+              <a:spcBef>
+                <a:spcPts val="0"/>
+              </a:spcBef>
+              <a:spcAft>
+                <a:spcPts val="0"/>
+              </a:spcAft>
               <a:buNone/>
             </a:pPr>
-            <a:endParaRPr lang="en-US" altLang="zh-TW" b="0" i="0" dirty="0">
-              <a:effectLst/>
-              <a:latin typeface="Arial" panose="020B0604020202020204" pitchFamily="34" charset="0"/>
-            </a:endParaRPr>
+            <a:endParaRPr/>
           </a:p>
         </p:txBody>
       </p:sp>
       <p:sp>
         <p:nvSpPr>
-          <p:cNvPr id="138" name="Google Shape;138;g1144437607e_2_96:notes"/>
+          <p:cNvPr id="174" name="Google Shape;174;g1144437607e_2_107:notes"/>
           <p:cNvSpPr txBox="1">
             <a:spLocks noGrp="1"/>
           </p:cNvSpPr>
@@ -3344,7 +3505,7 @@
     </p:spTree>
     <p:extLst>
       <p:ext uri="{BB962C8B-B14F-4D97-AF65-F5344CB8AC3E}">
-        <p14:creationId xmlns:p14="http://schemas.microsoft.com/office/powerpoint/2010/main" val="3199150258"/>
+        <p14:creationId xmlns:p14="http://schemas.microsoft.com/office/powerpoint/2010/main" val="1792472772"/>
       </p:ext>
     </p:extLst>
   </p:cSld>
@@ -3524,7 +3685,7 @@
     </p:spTree>
     <p:extLst>
       <p:ext uri="{BB962C8B-B14F-4D97-AF65-F5344CB8AC3E}">
-        <p14:creationId xmlns:p14="http://schemas.microsoft.com/office/powerpoint/2010/main" val="3847051628"/>
+        <p14:creationId xmlns:p14="http://schemas.microsoft.com/office/powerpoint/2010/main" val="3199150258"/>
       </p:ext>
     </p:extLst>
   </p:cSld>
@@ -3704,7 +3865,7 @@
     </p:spTree>
     <p:extLst>
       <p:ext uri="{BB962C8B-B14F-4D97-AF65-F5344CB8AC3E}">
-        <p14:creationId xmlns:p14="http://schemas.microsoft.com/office/powerpoint/2010/main" val="3787495431"/>
+        <p14:creationId xmlns:p14="http://schemas.microsoft.com/office/powerpoint/2010/main" val="3847051628"/>
       </p:ext>
     </p:extLst>
   </p:cSld>
@@ -3828,146 +3989,10 @@
               <a:buFont typeface="Calibri"/>
               <a:buNone/>
             </a:pPr>
-            <a:r>
-              <a:rPr lang="zh-TW" altLang="en-US" b="0" i="0" dirty="0">
-                <a:effectLst/>
-                <a:latin typeface="Arial" panose="020B0604020202020204" pitchFamily="34" charset="0"/>
-              </a:rPr>
-              <a:t>無法同時訓練</a:t>
-            </a:r>
-            <a:r>
-              <a:rPr lang="en-US" altLang="zh-TW" b="0" i="0" dirty="0">
-                <a:effectLst/>
-                <a:latin typeface="Arial" panose="020B0604020202020204" pitchFamily="34" charset="0"/>
-              </a:rPr>
-              <a:t>T!</a:t>
-            </a:r>
-          </a:p>
-          <a:p>
-            <a:pPr marL="0" marR="0" lvl="0" indent="0" algn="l" rtl="0">
-              <a:lnSpc>
-                <a:spcPct val="100000"/>
-              </a:lnSpc>
-              <a:spcBef>
-                <a:spcPts val="0"/>
-              </a:spcBef>
-              <a:spcAft>
-                <a:spcPts val="0"/>
-              </a:spcAft>
-              <a:buClr>
-                <a:schemeClr val="dk1"/>
-              </a:buClr>
-              <a:buSzPts val="1200"/>
-              <a:buFont typeface="Calibri"/>
-              <a:buNone/>
-            </a:pPr>
-            <a:r>
-              <a:rPr lang="en-US" altLang="zh-TW" b="0" i="0" dirty="0">
-                <a:effectLst/>
-                <a:latin typeface="Arial" panose="020B0604020202020204" pitchFamily="34" charset="0"/>
-              </a:rPr>
-              <a:t>Cloze accuracy is at a dismal 71.14%(BAD)</a:t>
-            </a:r>
-          </a:p>
-          <a:p>
-            <a:pPr marL="0" marR="0" lvl="0" indent="0" algn="l" rtl="0">
-              <a:lnSpc>
-                <a:spcPct val="100000"/>
-              </a:lnSpc>
-              <a:spcBef>
-                <a:spcPts val="0"/>
-              </a:spcBef>
-              <a:spcAft>
-                <a:spcPts val="0"/>
-              </a:spcAft>
-              <a:buClr>
-                <a:schemeClr val="dk1"/>
-              </a:buClr>
-              <a:buSzPts val="1200"/>
-              <a:buFont typeface="Calibri"/>
-              <a:buNone/>
-            </a:pPr>
-            <a:r>
-              <a:rPr lang="en-US" altLang="zh-TW" b="0" i="0" dirty="0">
-                <a:effectLst/>
-                <a:latin typeface="Arial" panose="020B0604020202020204" pitchFamily="34" charset="0"/>
-              </a:rPr>
-              <a:t>K &gt;= 6 </a:t>
-            </a:r>
-            <a:r>
-              <a:rPr lang="zh-TW" altLang="en-US" b="0" i="0" dirty="0">
-                <a:effectLst/>
-                <a:latin typeface="Arial" panose="020B0604020202020204" pitchFamily="34" charset="0"/>
-              </a:rPr>
-              <a:t>才達標</a:t>
-            </a:r>
             <a:endParaRPr lang="en-US" altLang="zh-TW" b="0" i="0" dirty="0">
               <a:effectLst/>
               <a:latin typeface="Arial" panose="020B0604020202020204" pitchFamily="34" charset="0"/>
             </a:endParaRPr>
-          </a:p>
-          <a:p>
-            <a:pPr marL="0" marR="0" lvl="0" indent="0" algn="l" rtl="0">
-              <a:lnSpc>
-                <a:spcPct val="100000"/>
-              </a:lnSpc>
-              <a:spcBef>
-                <a:spcPts val="0"/>
-              </a:spcBef>
-              <a:spcAft>
-                <a:spcPts val="0"/>
-              </a:spcAft>
-              <a:buClr>
-                <a:schemeClr val="dk1"/>
-              </a:buClr>
-              <a:buSzPts val="1200"/>
-              <a:buFont typeface="Calibri"/>
-              <a:buNone/>
-            </a:pPr>
-            <a:r>
-              <a:rPr lang="en-US" altLang="zh-TW" b="0" i="0" dirty="0">
-                <a:effectLst/>
-                <a:latin typeface="Arial" panose="020B0604020202020204" pitchFamily="34" charset="0"/>
-              </a:rPr>
-              <a:t>K= 6 </a:t>
-            </a:r>
-            <a:r>
-              <a:rPr lang="zh-TW" altLang="en-US" b="0" i="0" dirty="0">
-                <a:effectLst/>
-                <a:latin typeface="Arial" panose="020B0604020202020204" pitchFamily="34" charset="0"/>
-              </a:rPr>
-              <a:t>認為是最好 其在訓練時間與準確率取的一個好的平衡</a:t>
-            </a:r>
-            <a:endParaRPr lang="en-US" altLang="zh-TW" b="0" i="0" dirty="0">
-              <a:effectLst/>
-              <a:latin typeface="Arial" panose="020B0604020202020204" pitchFamily="34" charset="0"/>
-            </a:endParaRPr>
-          </a:p>
-          <a:p>
-            <a:pPr marL="0" marR="0" lvl="0" indent="0" algn="l" rtl="0">
-              <a:lnSpc>
-                <a:spcPct val="100000"/>
-              </a:lnSpc>
-              <a:spcBef>
-                <a:spcPts val="0"/>
-              </a:spcBef>
-              <a:spcAft>
-                <a:spcPts val="0"/>
-              </a:spcAft>
-              <a:buClr>
-                <a:schemeClr val="dk1"/>
-              </a:buClr>
-              <a:buSzPts val="1200"/>
-              <a:buFont typeface="Calibri"/>
-              <a:buNone/>
-            </a:pPr>
-            <a:r>
-              <a:rPr lang="en-US" altLang="zh-TW" b="0" i="0" dirty="0">
-                <a:effectLst/>
-                <a:latin typeface="Arial" panose="020B0604020202020204" pitchFamily="34" charset="0"/>
-              </a:rPr>
-              <a:t>The very high cloze accuracy (∼94%) of our internal LM highlights the advantage of jointly using image features and language context for prediction refinement</a:t>
-            </a:r>
           </a:p>
         </p:txBody>
       </p:sp>
@@ -4020,7 +4045,7 @@
     </p:spTree>
     <p:extLst>
       <p:ext uri="{BB962C8B-B14F-4D97-AF65-F5344CB8AC3E}">
-        <p14:creationId xmlns:p14="http://schemas.microsoft.com/office/powerpoint/2010/main" val="4068116360"/>
+        <p14:creationId xmlns:p14="http://schemas.microsoft.com/office/powerpoint/2010/main" val="3787495431"/>
       </p:ext>
     </p:extLst>
   </p:cSld>
@@ -4144,10 +4169,146 @@
               <a:buFont typeface="Calibri"/>
               <a:buNone/>
             </a:pPr>
+            <a:r>
+              <a:rPr lang="zh-TW" altLang="en-US" b="0" i="0" dirty="0">
+                <a:effectLst/>
+                <a:latin typeface="Arial" panose="020B0604020202020204" pitchFamily="34" charset="0"/>
+              </a:rPr>
+              <a:t>無法同時訓練</a:t>
+            </a:r>
+            <a:r>
+              <a:rPr lang="en-US" altLang="zh-TW" b="0" i="0" dirty="0">
+                <a:effectLst/>
+                <a:latin typeface="Arial" panose="020B0604020202020204" pitchFamily="34" charset="0"/>
+              </a:rPr>
+              <a:t>T!</a:t>
+            </a:r>
+          </a:p>
+          <a:p>
+            <a:pPr marL="0" marR="0" lvl="0" indent="0" algn="l" rtl="0">
+              <a:lnSpc>
+                <a:spcPct val="100000"/>
+              </a:lnSpc>
+              <a:spcBef>
+                <a:spcPts val="0"/>
+              </a:spcBef>
+              <a:spcAft>
+                <a:spcPts val="0"/>
+              </a:spcAft>
+              <a:buClr>
+                <a:schemeClr val="dk1"/>
+              </a:buClr>
+              <a:buSzPts val="1200"/>
+              <a:buFont typeface="Calibri"/>
+              <a:buNone/>
+            </a:pPr>
+            <a:r>
+              <a:rPr lang="en-US" altLang="zh-TW" b="0" i="0" dirty="0">
+                <a:effectLst/>
+                <a:latin typeface="Arial" panose="020B0604020202020204" pitchFamily="34" charset="0"/>
+              </a:rPr>
+              <a:t>Cloze accuracy is at a dismal 71.14%(BAD)</a:t>
+            </a:r>
+          </a:p>
+          <a:p>
+            <a:pPr marL="0" marR="0" lvl="0" indent="0" algn="l" rtl="0">
+              <a:lnSpc>
+                <a:spcPct val="100000"/>
+              </a:lnSpc>
+              <a:spcBef>
+                <a:spcPts val="0"/>
+              </a:spcBef>
+              <a:spcAft>
+                <a:spcPts val="0"/>
+              </a:spcAft>
+              <a:buClr>
+                <a:schemeClr val="dk1"/>
+              </a:buClr>
+              <a:buSzPts val="1200"/>
+              <a:buFont typeface="Calibri"/>
+              <a:buNone/>
+            </a:pPr>
+            <a:r>
+              <a:rPr lang="en-US" altLang="zh-TW" b="0" i="0" dirty="0">
+                <a:effectLst/>
+                <a:latin typeface="Arial" panose="020B0604020202020204" pitchFamily="34" charset="0"/>
+              </a:rPr>
+              <a:t>K &gt;= 6 </a:t>
+            </a:r>
+            <a:r>
+              <a:rPr lang="zh-TW" altLang="en-US" b="0" i="0" dirty="0">
+                <a:effectLst/>
+                <a:latin typeface="Arial" panose="020B0604020202020204" pitchFamily="34" charset="0"/>
+              </a:rPr>
+              <a:t>才達標</a:t>
+            </a:r>
             <a:endParaRPr lang="en-US" altLang="zh-TW" b="0" i="0" dirty="0">
               <a:effectLst/>
               <a:latin typeface="Arial" panose="020B0604020202020204" pitchFamily="34" charset="0"/>
             </a:endParaRPr>
+          </a:p>
+          <a:p>
+            <a:pPr marL="0" marR="0" lvl="0" indent="0" algn="l" rtl="0">
+              <a:lnSpc>
+                <a:spcPct val="100000"/>
+              </a:lnSpc>
+              <a:spcBef>
+                <a:spcPts val="0"/>
+              </a:spcBef>
+              <a:spcAft>
+                <a:spcPts val="0"/>
+              </a:spcAft>
+              <a:buClr>
+                <a:schemeClr val="dk1"/>
+              </a:buClr>
+              <a:buSzPts val="1200"/>
+              <a:buFont typeface="Calibri"/>
+              <a:buNone/>
+            </a:pPr>
+            <a:r>
+              <a:rPr lang="en-US" altLang="zh-TW" b="0" i="0" dirty="0">
+                <a:effectLst/>
+                <a:latin typeface="Arial" panose="020B0604020202020204" pitchFamily="34" charset="0"/>
+              </a:rPr>
+              <a:t>K= 6 </a:t>
+            </a:r>
+            <a:r>
+              <a:rPr lang="zh-TW" altLang="en-US" b="0" i="0" dirty="0">
+                <a:effectLst/>
+                <a:latin typeface="Arial" panose="020B0604020202020204" pitchFamily="34" charset="0"/>
+              </a:rPr>
+              <a:t>認為是最好 其在訓練時間與準確率取的一個好的平衡</a:t>
+            </a:r>
+            <a:endParaRPr lang="en-US" altLang="zh-TW" b="0" i="0" dirty="0">
+              <a:effectLst/>
+              <a:latin typeface="Arial" panose="020B0604020202020204" pitchFamily="34" charset="0"/>
+            </a:endParaRPr>
+          </a:p>
+          <a:p>
+            <a:pPr marL="0" marR="0" lvl="0" indent="0" algn="l" rtl="0">
+              <a:lnSpc>
+                <a:spcPct val="100000"/>
+              </a:lnSpc>
+              <a:spcBef>
+                <a:spcPts val="0"/>
+              </a:spcBef>
+              <a:spcAft>
+                <a:spcPts val="0"/>
+              </a:spcAft>
+              <a:buClr>
+                <a:schemeClr val="dk1"/>
+              </a:buClr>
+              <a:buSzPts val="1200"/>
+              <a:buFont typeface="Calibri"/>
+              <a:buNone/>
+            </a:pPr>
+            <a:r>
+              <a:rPr lang="en-US" altLang="zh-TW" b="0" i="0" dirty="0">
+                <a:effectLst/>
+                <a:latin typeface="Arial" panose="020B0604020202020204" pitchFamily="34" charset="0"/>
+              </a:rPr>
+              <a:t>The very high cloze accuracy (∼94%) of our internal LM highlights the advantage of jointly using image features and language context for prediction refinement</a:t>
+            </a:r>
           </a:p>
         </p:txBody>
       </p:sp>
@@ -4200,7 +4361,7 @@
     </p:spTree>
     <p:extLst>
       <p:ext uri="{BB962C8B-B14F-4D97-AF65-F5344CB8AC3E}">
-        <p14:creationId xmlns:p14="http://schemas.microsoft.com/office/powerpoint/2010/main" val="1912019957"/>
+        <p14:creationId xmlns:p14="http://schemas.microsoft.com/office/powerpoint/2010/main" val="4068116360"/>
       </p:ext>
     </p:extLst>
   </p:cSld>
@@ -4324,39 +4485,10 @@
               <a:buFont typeface="Calibri"/>
               <a:buNone/>
             </a:pPr>
-            <a:r>
-              <a:rPr lang="en-US" altLang="zh-TW" b="0" i="0" dirty="0">
-                <a:effectLst/>
-                <a:latin typeface="Arial" panose="020B0604020202020204" pitchFamily="34" charset="0"/>
-              </a:rPr>
-              <a:t>4.</a:t>
-            </a:r>
-          </a:p>
-          <a:p>
-            <a:pPr marL="0" marR="0" lvl="0" indent="0" algn="l" rtl="0">
-              <a:lnSpc>
-                <a:spcPct val="100000"/>
-              </a:lnSpc>
-              <a:spcBef>
-                <a:spcPts val="0"/>
-              </a:spcBef>
-              <a:spcAft>
-                <a:spcPts val="0"/>
-              </a:spcAft>
-              <a:buClr>
-                <a:schemeClr val="dk1"/>
-              </a:buClr>
-              <a:buSzPts val="1200"/>
-              <a:buFont typeface="Calibri"/>
-              <a:buNone/>
-            </a:pPr>
-            <a:r>
-              <a:rPr lang="en-US" altLang="zh-TW" b="0" i="0" dirty="0">
-                <a:effectLst/>
-                <a:latin typeface="Arial" panose="020B0604020202020204" pitchFamily="34" charset="0"/>
-              </a:rPr>
-              <a:t>5. most robust against occlusion and text orientation variability.</a:t>
-            </a:r>
+            <a:endParaRPr lang="en-US" altLang="zh-TW" b="0" i="0" dirty="0">
+              <a:effectLst/>
+              <a:latin typeface="Arial" panose="020B0604020202020204" pitchFamily="34" charset="0"/>
+            </a:endParaRPr>
           </a:p>
         </p:txBody>
       </p:sp>
@@ -4409,7 +4541,7 @@
     </p:spTree>
     <p:extLst>
       <p:ext uri="{BB962C8B-B14F-4D97-AF65-F5344CB8AC3E}">
-        <p14:creationId xmlns:p14="http://schemas.microsoft.com/office/powerpoint/2010/main" val="4179774917"/>
+        <p14:creationId xmlns:p14="http://schemas.microsoft.com/office/powerpoint/2010/main" val="1912019957"/>
       </p:ext>
     </p:extLst>
   </p:cSld>
@@ -4618,7 +4750,7 @@
     </p:spTree>
     <p:extLst>
       <p:ext uri="{BB962C8B-B14F-4D97-AF65-F5344CB8AC3E}">
-        <p14:creationId xmlns:p14="http://schemas.microsoft.com/office/powerpoint/2010/main" val="2574538985"/>
+        <p14:creationId xmlns:p14="http://schemas.microsoft.com/office/powerpoint/2010/main" val="4179774917"/>
       </p:ext>
     </p:extLst>
   </p:cSld>
@@ -4633,7 +4765,7 @@
   <p:cSld>
     <p:spTree>
       <p:nvGrpSpPr>
-        <p:cNvPr id="1" name="Shape 171"/>
+        <p:cNvPr id="1" name="Shape 135"/>
         <p:cNvGrpSpPr/>
         <p:nvPr/>
       </p:nvGrpSpPr>
@@ -4647,7 +4779,7 @@
       </p:grpSpPr>
       <p:sp>
         <p:nvSpPr>
-          <p:cNvPr id="172" name="Google Shape;172;g1144437607e_2_107:notes"/>
+          <p:cNvPr id="136" name="Google Shape;136;g1144437607e_2_96:notes"/>
           <p:cNvSpPr>
             <a:spLocks noGrp="1" noRot="1" noChangeAspect="1"/>
           </p:cNvSpPr>
@@ -4698,7 +4830,7 @@
       </p:sp>
       <p:sp>
         <p:nvSpPr>
-          <p:cNvPr id="173" name="Google Shape;173;g1144437607e_2_107:notes"/>
+          <p:cNvPr id="137" name="Google Shape;137;g1144437607e_2_96:notes"/>
           <p:cNvSpPr txBox="1">
             <a:spLocks noGrp="1"/>
           </p:cNvSpPr>
@@ -4725,22 +4857,33 @@
           </a:bodyPr>
           <a:lstStyle/>
           <a:p>
-            <a:pPr marL="0" lvl="0" indent="0" algn="l" rtl="0">
-              <a:spcBef>
-                <a:spcPts val="0"/>
-              </a:spcBef>
-              <a:spcAft>
-                <a:spcPts val="0"/>
-              </a:spcAft>
+            <a:pPr marL="0" marR="0" lvl="0" indent="0" algn="l" rtl="0">
+              <a:lnSpc>
+                <a:spcPct val="100000"/>
+              </a:lnSpc>
+              <a:spcBef>
+                <a:spcPts val="0"/>
+              </a:spcBef>
+              <a:spcAft>
+                <a:spcPts val="0"/>
+              </a:spcAft>
+              <a:buClr>
+                <a:schemeClr val="dk1"/>
+              </a:buClr>
+              <a:buSzPts val="1200"/>
+              <a:buFont typeface="Calibri"/>
               <a:buNone/>
             </a:pPr>
-            <a:endParaRPr/>
+            <a:endParaRPr lang="en-US" altLang="zh-TW" b="0" i="0" dirty="0">
+              <a:effectLst/>
+              <a:latin typeface="Arial" panose="020B0604020202020204" pitchFamily="34" charset="0"/>
+            </a:endParaRPr>
           </a:p>
         </p:txBody>
       </p:sp>
       <p:sp>
         <p:nvSpPr>
-          <p:cNvPr id="174" name="Google Shape;174;g1144437607e_2_107:notes"/>
+          <p:cNvPr id="138" name="Google Shape;138;g1144437607e_2_96:notes"/>
           <p:cNvSpPr txBox="1">
             <a:spLocks noGrp="1"/>
           </p:cNvSpPr>
@@ -4787,7 +4930,7 @@
     </p:spTree>
     <p:extLst>
       <p:ext uri="{BB962C8B-B14F-4D97-AF65-F5344CB8AC3E}">
-        <p14:creationId xmlns:p14="http://schemas.microsoft.com/office/powerpoint/2010/main" val="192726468"/>
+        <p14:creationId xmlns:p14="http://schemas.microsoft.com/office/powerpoint/2010/main" val="2574538985"/>
       </p:ext>
     </p:extLst>
   </p:cSld>
@@ -4802,7 +4945,7 @@
   <p:cSld>
     <p:spTree>
       <p:nvGrpSpPr>
-        <p:cNvPr id="1" name="Shape 135"/>
+        <p:cNvPr id="1" name="Shape 171"/>
         <p:cNvGrpSpPr/>
         <p:nvPr/>
       </p:nvGrpSpPr>
@@ -4816,7 +4959,7 @@
       </p:grpSpPr>
       <p:sp>
         <p:nvSpPr>
-          <p:cNvPr id="136" name="Google Shape;136;g1144437607e_2_96:notes"/>
+          <p:cNvPr id="172" name="Google Shape;172;g1144437607e_2_107:notes"/>
           <p:cNvSpPr>
             <a:spLocks noGrp="1" noRot="1" noChangeAspect="1"/>
           </p:cNvSpPr>
@@ -4867,7 +5010,7 @@
       </p:sp>
       <p:sp>
         <p:nvSpPr>
-          <p:cNvPr id="137" name="Google Shape;137;g1144437607e_2_96:notes"/>
+          <p:cNvPr id="173" name="Google Shape;173;g1144437607e_2_107:notes"/>
           <p:cNvSpPr txBox="1">
             <a:spLocks noGrp="1"/>
           </p:cNvSpPr>
@@ -4894,33 +5037,22 @@
           </a:bodyPr>
           <a:lstStyle/>
           <a:p>
-            <a:pPr marL="0" marR="0" lvl="0" indent="0" algn="l" rtl="0">
-              <a:lnSpc>
-                <a:spcPct val="100000"/>
-              </a:lnSpc>
-              <a:spcBef>
-                <a:spcPts val="0"/>
-              </a:spcBef>
-              <a:spcAft>
-                <a:spcPts val="0"/>
-              </a:spcAft>
-              <a:buClr>
-                <a:schemeClr val="dk1"/>
-              </a:buClr>
-              <a:buSzPts val="1200"/>
-              <a:buFont typeface="Calibri"/>
+            <a:pPr marL="0" lvl="0" indent="0" algn="l" rtl="0">
+              <a:spcBef>
+                <a:spcPts val="0"/>
+              </a:spcBef>
+              <a:spcAft>
+                <a:spcPts val="0"/>
+              </a:spcAft>
               <a:buNone/>
             </a:pPr>
-            <a:endParaRPr lang="en-US" altLang="zh-TW" b="0" i="0" dirty="0">
-              <a:effectLst/>
-              <a:latin typeface="Arial" panose="020B0604020202020204" pitchFamily="34" charset="0"/>
-            </a:endParaRPr>
+            <a:endParaRPr/>
           </a:p>
         </p:txBody>
       </p:sp>
       <p:sp>
         <p:nvSpPr>
-          <p:cNvPr id="138" name="Google Shape;138;g1144437607e_2_96:notes"/>
+          <p:cNvPr id="174" name="Google Shape;174;g1144437607e_2_107:notes"/>
           <p:cNvSpPr txBox="1">
             <a:spLocks noGrp="1"/>
           </p:cNvSpPr>
@@ -4967,7 +5099,7 @@
     </p:spTree>
     <p:extLst>
       <p:ext uri="{BB962C8B-B14F-4D97-AF65-F5344CB8AC3E}">
-        <p14:creationId xmlns:p14="http://schemas.microsoft.com/office/powerpoint/2010/main" val="2669527516"/>
+        <p14:creationId xmlns:p14="http://schemas.microsoft.com/office/powerpoint/2010/main" val="192726468"/>
       </p:ext>
     </p:extLst>
   </p:cSld>
@@ -4982,7 +5114,7 @@
   <p:cSld>
     <p:spTree>
       <p:nvGrpSpPr>
-        <p:cNvPr id="1" name="Shape 671"/>
+        <p:cNvPr id="1" name="Shape 135"/>
         <p:cNvGrpSpPr/>
         <p:nvPr/>
       </p:nvGrpSpPr>
@@ -4996,45 +5128,7 @@
       </p:grpSpPr>
       <p:sp>
         <p:nvSpPr>
-          <p:cNvPr id="672" name="Google Shape;672;g1144437607e_2_308:notes"/>
-          <p:cNvSpPr txBox="1">
-            <a:spLocks noGrp="1"/>
-          </p:cNvSpPr>
-          <p:nvPr>
-            <p:ph type="body" idx="1"/>
-          </p:nvPr>
-        </p:nvSpPr>
-        <p:spPr>
-          <a:xfrm>
-            <a:off x="685800" y="4400550"/>
-            <a:ext cx="5486400" cy="3600600"/>
-          </a:xfrm>
-          <a:prstGeom prst="rect">
-            <a:avLst/>
-          </a:prstGeom>
-        </p:spPr>
-        <p:txBody>
-          <a:bodyPr spcFirstLastPara="1" wrap="square" lIns="91425" tIns="91425" rIns="91425" bIns="91425" anchor="t" anchorCtr="0">
-            <a:noAutofit/>
-          </a:bodyPr>
-          <a:lstStyle/>
-          <a:p>
-            <a:pPr marL="0" lvl="0" indent="0" algn="l" rtl="0">
-              <a:spcBef>
-                <a:spcPts val="0"/>
-              </a:spcBef>
-              <a:spcAft>
-                <a:spcPts val="0"/>
-              </a:spcAft>
-              <a:buNone/>
-            </a:pPr>
-            <a:endParaRPr/>
-          </a:p>
-        </p:txBody>
-      </p:sp>
-      <p:sp>
-        <p:nvSpPr>
-          <p:cNvPr id="673" name="Google Shape;673;g1144437607e_2_308:notes"/>
+          <p:cNvPr id="136" name="Google Shape;136;g1144437607e_2_96:notes"/>
           <p:cNvSpPr>
             <a:spLocks noGrp="1" noRot="1" noChangeAspect="1"/>
           </p:cNvSpPr>
@@ -5071,9 +5165,123 @@
               </a:path>
             </a:pathLst>
           </a:custGeom>
-        </p:spPr>
+          <a:noFill/>
+          <a:ln w="12700" cap="flat" cmpd="sng">
+            <a:solidFill>
+              <a:srgbClr val="000000"/>
+            </a:solidFill>
+            <a:prstDash val="solid"/>
+            <a:round/>
+            <a:headEnd type="none" w="sm" len="sm"/>
+            <a:tailEnd type="none" w="sm" len="sm"/>
+          </a:ln>
+        </p:spPr>
+      </p:sp>
+      <p:sp>
+        <p:nvSpPr>
+          <p:cNvPr id="137" name="Google Shape;137;g1144437607e_2_96:notes"/>
+          <p:cNvSpPr txBox="1">
+            <a:spLocks noGrp="1"/>
+          </p:cNvSpPr>
+          <p:nvPr>
+            <p:ph type="body" idx="1"/>
+          </p:nvPr>
+        </p:nvSpPr>
+        <p:spPr>
+          <a:xfrm>
+            <a:off x="685800" y="4400550"/>
+            <a:ext cx="5486400" cy="3600600"/>
+          </a:xfrm>
+          <a:prstGeom prst="rect">
+            <a:avLst/>
+          </a:prstGeom>
+          <a:noFill/>
+          <a:ln>
+            <a:noFill/>
+          </a:ln>
+        </p:spPr>
+        <p:txBody>
+          <a:bodyPr spcFirstLastPara="1" wrap="square" lIns="91425" tIns="45700" rIns="91425" bIns="45700" anchor="t" anchorCtr="0">
+            <a:noAutofit/>
+          </a:bodyPr>
+          <a:lstStyle/>
+          <a:p>
+            <a:pPr marL="0" marR="0" lvl="0" indent="0" algn="l" rtl="0">
+              <a:lnSpc>
+                <a:spcPct val="100000"/>
+              </a:lnSpc>
+              <a:spcBef>
+                <a:spcPts val="0"/>
+              </a:spcBef>
+              <a:spcAft>
+                <a:spcPts val="0"/>
+              </a:spcAft>
+              <a:buClr>
+                <a:schemeClr val="dk1"/>
+              </a:buClr>
+              <a:buSzPts val="1200"/>
+              <a:buFont typeface="Calibri"/>
+              <a:buNone/>
+            </a:pPr>
+            <a:endParaRPr lang="en-US" altLang="zh-TW" b="0" i="0" dirty="0">
+              <a:effectLst/>
+              <a:latin typeface="Arial" panose="020B0604020202020204" pitchFamily="34" charset="0"/>
+            </a:endParaRPr>
+          </a:p>
+        </p:txBody>
+      </p:sp>
+      <p:sp>
+        <p:nvSpPr>
+          <p:cNvPr id="138" name="Google Shape;138;g1144437607e_2_96:notes"/>
+          <p:cNvSpPr txBox="1">
+            <a:spLocks noGrp="1"/>
+          </p:cNvSpPr>
+          <p:nvPr>
+            <p:ph type="sldNum" idx="12"/>
+          </p:nvPr>
+        </p:nvSpPr>
+        <p:spPr>
+          <a:xfrm>
+            <a:off x="3884613" y="8685213"/>
+            <a:ext cx="2971800" cy="458700"/>
+          </a:xfrm>
+          <a:prstGeom prst="rect">
+            <a:avLst/>
+          </a:prstGeom>
+          <a:noFill/>
+          <a:ln>
+            <a:noFill/>
+          </a:ln>
+        </p:spPr>
+        <p:txBody>
+          <a:bodyPr spcFirstLastPara="1" wrap="square" lIns="91425" tIns="45700" rIns="91425" bIns="45700" anchor="b" anchorCtr="0">
+            <a:noAutofit/>
+          </a:bodyPr>
+          <a:lstStyle/>
+          <a:p>
+            <a:pPr marL="0" lvl="0" indent="0" algn="r" rtl="0">
+              <a:spcBef>
+                <a:spcPts val="0"/>
+              </a:spcBef>
+              <a:spcAft>
+                <a:spcPts val="0"/>
+              </a:spcAft>
+              <a:buNone/>
+            </a:pPr>
+            <a:fld id="{00000000-1234-1234-1234-123412341234}" type="slidenum">
+              <a:rPr lang="en-US" altLang="zh-TW"/>
+              <a:t>29</a:t>
+            </a:fld>
+            <a:endParaRPr/>
+          </a:p>
+        </p:txBody>
       </p:sp>
     </p:spTree>
+    <p:extLst>
+      <p:ext uri="{BB962C8B-B14F-4D97-AF65-F5344CB8AC3E}">
+        <p14:creationId xmlns:p14="http://schemas.microsoft.com/office/powerpoint/2010/main" val="2669527516"/>
+      </p:ext>
+    </p:extLst>
   </p:cSld>
   <p:clrMapOvr>
     <a:masterClrMapping/>
@@ -5255,7 +5463,7 @@
   <p:cSld>
     <p:spTree>
       <p:nvGrpSpPr>
-        <p:cNvPr id="1" name="Shape 135"/>
+        <p:cNvPr id="1" name="Shape 671"/>
         <p:cNvGrpSpPr/>
         <p:nvPr/>
       </p:nvGrpSpPr>
@@ -5269,7 +5477,45 @@
       </p:grpSpPr>
       <p:sp>
         <p:nvSpPr>
-          <p:cNvPr id="136" name="Google Shape;136;g1144437607e_2_96:notes"/>
+          <p:cNvPr id="672" name="Google Shape;672;g1144437607e_2_308:notes"/>
+          <p:cNvSpPr txBox="1">
+            <a:spLocks noGrp="1"/>
+          </p:cNvSpPr>
+          <p:nvPr>
+            <p:ph type="body" idx="1"/>
+          </p:nvPr>
+        </p:nvSpPr>
+        <p:spPr>
+          <a:xfrm>
+            <a:off x="685800" y="4400550"/>
+            <a:ext cx="5486400" cy="3600600"/>
+          </a:xfrm>
+          <a:prstGeom prst="rect">
+            <a:avLst/>
+          </a:prstGeom>
+        </p:spPr>
+        <p:txBody>
+          <a:bodyPr spcFirstLastPara="1" wrap="square" lIns="91425" tIns="91425" rIns="91425" bIns="91425" anchor="t" anchorCtr="0">
+            <a:noAutofit/>
+          </a:bodyPr>
+          <a:lstStyle/>
+          <a:p>
+            <a:pPr marL="0" lvl="0" indent="0" algn="l" rtl="0">
+              <a:spcBef>
+                <a:spcPts val="0"/>
+              </a:spcBef>
+              <a:spcAft>
+                <a:spcPts val="0"/>
+              </a:spcAft>
+              <a:buNone/>
+            </a:pPr>
+            <a:endParaRPr/>
+          </a:p>
+        </p:txBody>
+      </p:sp>
+      <p:sp>
+        <p:nvSpPr>
+          <p:cNvPr id="673" name="Google Shape;673;g1144437607e_2_308:notes"/>
           <p:cNvSpPr>
             <a:spLocks noGrp="1" noRot="1" noChangeAspect="1"/>
           </p:cNvSpPr>
@@ -5306,120 +5552,9 @@
               </a:path>
             </a:pathLst>
           </a:custGeom>
-          <a:noFill/>
-          <a:ln w="12700" cap="flat" cmpd="sng">
-            <a:solidFill>
-              <a:srgbClr val="000000"/>
-            </a:solidFill>
-            <a:prstDash val="solid"/>
-            <a:round/>
-            <a:headEnd type="none" w="sm" len="sm"/>
-            <a:tailEnd type="none" w="sm" len="sm"/>
-          </a:ln>
-        </p:spPr>
-      </p:sp>
-      <p:sp>
-        <p:nvSpPr>
-          <p:cNvPr id="137" name="Google Shape;137;g1144437607e_2_96:notes"/>
-          <p:cNvSpPr txBox="1">
-            <a:spLocks noGrp="1"/>
-          </p:cNvSpPr>
-          <p:nvPr>
-            <p:ph type="body" idx="1"/>
-          </p:nvPr>
-        </p:nvSpPr>
-        <p:spPr>
-          <a:xfrm>
-            <a:off x="685800" y="4400550"/>
-            <a:ext cx="5486400" cy="3600600"/>
-          </a:xfrm>
-          <a:prstGeom prst="rect">
-            <a:avLst/>
-          </a:prstGeom>
-          <a:noFill/>
-          <a:ln>
-            <a:noFill/>
-          </a:ln>
-        </p:spPr>
-        <p:txBody>
-          <a:bodyPr spcFirstLastPara="1" wrap="square" lIns="91425" tIns="45700" rIns="91425" bIns="45700" anchor="t" anchorCtr="0">
-            <a:noAutofit/>
-          </a:bodyPr>
-          <a:lstStyle/>
-          <a:p>
-            <a:pPr marL="0" marR="0" lvl="0" indent="0" algn="l" rtl="0">
-              <a:lnSpc>
-                <a:spcPct val="100000"/>
-              </a:lnSpc>
-              <a:spcBef>
-                <a:spcPts val="0"/>
-              </a:spcBef>
-              <a:spcAft>
-                <a:spcPts val="0"/>
-              </a:spcAft>
-              <a:buClr>
-                <a:schemeClr val="dk1"/>
-              </a:buClr>
-              <a:buSzPts val="1200"/>
-              <a:buFont typeface="Calibri"/>
-              <a:buNone/>
-            </a:pPr>
-            <a:endParaRPr dirty="0"/>
-          </a:p>
-        </p:txBody>
-      </p:sp>
-      <p:sp>
-        <p:nvSpPr>
-          <p:cNvPr id="138" name="Google Shape;138;g1144437607e_2_96:notes"/>
-          <p:cNvSpPr txBox="1">
-            <a:spLocks noGrp="1"/>
-          </p:cNvSpPr>
-          <p:nvPr>
-            <p:ph type="sldNum" idx="12"/>
-          </p:nvPr>
-        </p:nvSpPr>
-        <p:spPr>
-          <a:xfrm>
-            <a:off x="3884613" y="8685213"/>
-            <a:ext cx="2971800" cy="458700"/>
-          </a:xfrm>
-          <a:prstGeom prst="rect">
-            <a:avLst/>
-          </a:prstGeom>
-          <a:noFill/>
-          <a:ln>
-            <a:noFill/>
-          </a:ln>
-        </p:spPr>
-        <p:txBody>
-          <a:bodyPr spcFirstLastPara="1" wrap="square" lIns="91425" tIns="45700" rIns="91425" bIns="45700" anchor="b" anchorCtr="0">
-            <a:noAutofit/>
-          </a:bodyPr>
-          <a:lstStyle/>
-          <a:p>
-            <a:pPr marL="0" lvl="0" indent="0" algn="r" rtl="0">
-              <a:spcBef>
-                <a:spcPts val="0"/>
-              </a:spcBef>
-              <a:spcAft>
-                <a:spcPts val="0"/>
-              </a:spcAft>
-              <a:buNone/>
-            </a:pPr>
-            <a:fld id="{00000000-1234-1234-1234-123412341234}" type="slidenum">
-              <a:rPr lang="en-US" altLang="zh-TW"/>
-              <a:t>30</a:t>
-            </a:fld>
-            <a:endParaRPr/>
-          </a:p>
-        </p:txBody>
+        </p:spPr>
       </p:sp>
     </p:spTree>
-    <p:extLst>
-      <p:ext uri="{BB962C8B-B14F-4D97-AF65-F5344CB8AC3E}">
-        <p14:creationId xmlns:p14="http://schemas.microsoft.com/office/powerpoint/2010/main" val="351446796"/>
-      </p:ext>
-    </p:extLst>
   </p:cSld>
   <p:clrMapOvr>
     <a:masterClrMapping/>
@@ -5594,7 +5729,7 @@
     </p:spTree>
     <p:extLst>
       <p:ext uri="{BB962C8B-B14F-4D97-AF65-F5344CB8AC3E}">
-        <p14:creationId xmlns:p14="http://schemas.microsoft.com/office/powerpoint/2010/main" val="2080105020"/>
+        <p14:creationId xmlns:p14="http://schemas.microsoft.com/office/powerpoint/2010/main" val="351446796"/>
       </p:ext>
     </p:extLst>
   </p:cSld>
@@ -5771,6 +5906,183 @@
     </p:spTree>
     <p:extLst>
       <p:ext uri="{BB962C8B-B14F-4D97-AF65-F5344CB8AC3E}">
+        <p14:creationId xmlns:p14="http://schemas.microsoft.com/office/powerpoint/2010/main" val="2080105020"/>
+      </p:ext>
+    </p:extLst>
+  </p:cSld>
+  <p:clrMapOvr>
+    <a:masterClrMapping/>
+  </p:clrMapOvr>
+</p:notes>
+</file>
+
+<file path=ppt/notesSlides/notesSlide33.xml><?xml version="1.0" encoding="utf-8"?>
+<p:notes xmlns:a="http://schemas.openxmlformats.org/drawingml/2006/main" xmlns:r="http://schemas.openxmlformats.org/officeDocument/2006/relationships" xmlns:p="http://schemas.openxmlformats.org/presentationml/2006/main" showMasterSp="0" showMasterPhAnim="0">
+  <p:cSld>
+    <p:spTree>
+      <p:nvGrpSpPr>
+        <p:cNvPr id="1" name="Shape 135"/>
+        <p:cNvGrpSpPr/>
+        <p:nvPr/>
+      </p:nvGrpSpPr>
+      <p:grpSpPr>
+        <a:xfrm>
+          <a:off x="0" y="0"/>
+          <a:ext cx="0" cy="0"/>
+          <a:chOff x="0" y="0"/>
+          <a:chExt cx="0" cy="0"/>
+        </a:xfrm>
+      </p:grpSpPr>
+      <p:sp>
+        <p:nvSpPr>
+          <p:cNvPr id="136" name="Google Shape;136;g1144437607e_2_96:notes"/>
+          <p:cNvSpPr>
+            <a:spLocks noGrp="1" noRot="1" noChangeAspect="1"/>
+          </p:cNvSpPr>
+          <p:nvPr>
+            <p:ph type="sldImg" idx="2"/>
+          </p:nvPr>
+        </p:nvSpPr>
+        <p:spPr>
+          <a:xfrm>
+            <a:off x="685800" y="1143000"/>
+            <a:ext cx="5486400" cy="3086100"/>
+          </a:xfrm>
+          <a:custGeom>
+            <a:avLst/>
+            <a:gdLst/>
+            <a:ahLst/>
+            <a:cxnLst/>
+            <a:rect l="l" t="t" r="r" b="b"/>
+            <a:pathLst>
+              <a:path w="120000" h="120000" extrusionOk="0">
+                <a:moveTo>
+                  <a:pt x="0" y="0"/>
+                </a:moveTo>
+                <a:lnTo>
+                  <a:pt x="120000" y="0"/>
+                </a:lnTo>
+                <a:lnTo>
+                  <a:pt x="120000" y="120000"/>
+                </a:lnTo>
+                <a:lnTo>
+                  <a:pt x="0" y="120000"/>
+                </a:lnTo>
+                <a:close/>
+              </a:path>
+            </a:pathLst>
+          </a:custGeom>
+          <a:noFill/>
+          <a:ln w="12700" cap="flat" cmpd="sng">
+            <a:solidFill>
+              <a:srgbClr val="000000"/>
+            </a:solidFill>
+            <a:prstDash val="solid"/>
+            <a:round/>
+            <a:headEnd type="none" w="sm" len="sm"/>
+            <a:tailEnd type="none" w="sm" len="sm"/>
+          </a:ln>
+        </p:spPr>
+      </p:sp>
+      <p:sp>
+        <p:nvSpPr>
+          <p:cNvPr id="137" name="Google Shape;137;g1144437607e_2_96:notes"/>
+          <p:cNvSpPr txBox="1">
+            <a:spLocks noGrp="1"/>
+          </p:cNvSpPr>
+          <p:nvPr>
+            <p:ph type="body" idx="1"/>
+          </p:nvPr>
+        </p:nvSpPr>
+        <p:spPr>
+          <a:xfrm>
+            <a:off x="685800" y="4400550"/>
+            <a:ext cx="5486400" cy="3600600"/>
+          </a:xfrm>
+          <a:prstGeom prst="rect">
+            <a:avLst/>
+          </a:prstGeom>
+          <a:noFill/>
+          <a:ln>
+            <a:noFill/>
+          </a:ln>
+        </p:spPr>
+        <p:txBody>
+          <a:bodyPr spcFirstLastPara="1" wrap="square" lIns="91425" tIns="45700" rIns="91425" bIns="45700" anchor="t" anchorCtr="0">
+            <a:noAutofit/>
+          </a:bodyPr>
+          <a:lstStyle/>
+          <a:p>
+            <a:pPr marL="0" marR="0" lvl="0" indent="0" algn="l" rtl="0">
+              <a:lnSpc>
+                <a:spcPct val="100000"/>
+              </a:lnSpc>
+              <a:spcBef>
+                <a:spcPts val="0"/>
+              </a:spcBef>
+              <a:spcAft>
+                <a:spcPts val="0"/>
+              </a:spcAft>
+              <a:buClr>
+                <a:schemeClr val="dk1"/>
+              </a:buClr>
+              <a:buSzPts val="1200"/>
+              <a:buFont typeface="Calibri"/>
+              <a:buNone/>
+            </a:pPr>
+            <a:endParaRPr dirty="0"/>
+          </a:p>
+        </p:txBody>
+      </p:sp>
+      <p:sp>
+        <p:nvSpPr>
+          <p:cNvPr id="138" name="Google Shape;138;g1144437607e_2_96:notes"/>
+          <p:cNvSpPr txBox="1">
+            <a:spLocks noGrp="1"/>
+          </p:cNvSpPr>
+          <p:nvPr>
+            <p:ph type="sldNum" idx="12"/>
+          </p:nvPr>
+        </p:nvSpPr>
+        <p:spPr>
+          <a:xfrm>
+            <a:off x="3884613" y="8685213"/>
+            <a:ext cx="2971800" cy="458700"/>
+          </a:xfrm>
+          <a:prstGeom prst="rect">
+            <a:avLst/>
+          </a:prstGeom>
+          <a:noFill/>
+          <a:ln>
+            <a:noFill/>
+          </a:ln>
+        </p:spPr>
+        <p:txBody>
+          <a:bodyPr spcFirstLastPara="1" wrap="square" lIns="91425" tIns="45700" rIns="91425" bIns="45700" anchor="b" anchorCtr="0">
+            <a:noAutofit/>
+          </a:bodyPr>
+          <a:lstStyle/>
+          <a:p>
+            <a:pPr marL="0" lvl="0" indent="0" algn="r" rtl="0">
+              <a:spcBef>
+                <a:spcPts val="0"/>
+              </a:spcBef>
+              <a:spcAft>
+                <a:spcPts val="0"/>
+              </a:spcAft>
+              <a:buNone/>
+            </a:pPr>
+            <a:fld id="{00000000-1234-1234-1234-123412341234}" type="slidenum">
+              <a:rPr lang="en-US" altLang="zh-TW"/>
+              <a:t>33</a:t>
+            </a:fld>
+            <a:endParaRPr/>
+          </a:p>
+        </p:txBody>
+      </p:sp>
+    </p:spTree>
+    <p:extLst>
+      <p:ext uri="{BB962C8B-B14F-4D97-AF65-F5344CB8AC3E}">
         <p14:creationId xmlns:p14="http://schemas.microsoft.com/office/powerpoint/2010/main" val="381903285"/>
       </p:ext>
     </p:extLst>
@@ -5781,7 +6093,7 @@
 </p:notes>
 </file>
 
-<file path=ppt/notesSlides/notesSlide33.xml><?xml version="1.0" encoding="utf-8"?>
+<file path=ppt/notesSlides/notesSlide34.xml><?xml version="1.0" encoding="utf-8"?>
 <p:notes xmlns:a="http://schemas.openxmlformats.org/drawingml/2006/main" xmlns:r="http://schemas.openxmlformats.org/officeDocument/2006/relationships" xmlns:p="http://schemas.openxmlformats.org/presentationml/2006/main">
   <p:cSld>
     <p:spTree>
@@ -23751,7 +24063,7 @@
         </p:nvSpPr>
         <p:spPr>
           <a:xfrm>
-            <a:off x="212890" y="797279"/>
+            <a:off x="212890" y="863605"/>
             <a:ext cx="8866046" cy="3416290"/>
           </a:xfrm>
           <a:prstGeom prst="rect">
@@ -23915,7 +24227,7 @@
                 <a:cs typeface="Microsoft JhengHei"/>
                 <a:sym typeface="Microsoft JhengHei"/>
               </a:rPr>
-              <a:t>Tian et  al.</a:t>
+              <a:t>Tian et al.</a:t>
             </a:r>
             <a:r>
               <a:rPr lang="zh-TW" altLang="en-US" sz="2000" dirty="0">
@@ -25086,36 +25398,6 @@
           <a:chExt cx="0" cy="0"/>
         </a:xfrm>
       </p:grpSpPr>
-      <p:pic>
-        <p:nvPicPr>
-          <p:cNvPr id="5" name="圖片 4">
-            <a:extLst>
-              <a:ext uri="{FF2B5EF4-FFF2-40B4-BE49-F238E27FC236}">
-                <a16:creationId xmlns:a16="http://schemas.microsoft.com/office/drawing/2014/main" id="{FAEC36A9-1ED1-1F8B-A79B-41DCB154C6E0}"/>
-              </a:ext>
-            </a:extLst>
-          </p:cNvPr>
-          <p:cNvPicPr>
-            <a:picLocks noChangeAspect="1"/>
-          </p:cNvPicPr>
-          <p:nvPr/>
-        </p:nvPicPr>
-        <p:blipFill>
-          <a:blip r:embed="rId3"/>
-          <a:stretch>
-            <a:fillRect/>
-          </a:stretch>
-        </p:blipFill>
-        <p:spPr>
-          <a:xfrm>
-            <a:off x="295275" y="1328697"/>
-            <a:ext cx="5305425" cy="714375"/>
-          </a:xfrm>
-          <a:prstGeom prst="rect">
-            <a:avLst/>
-          </a:prstGeom>
-        </p:spPr>
-      </p:pic>
       <p:cxnSp>
         <p:nvCxnSpPr>
           <p:cNvPr id="140" name="Google Shape;140;p26"/>
@@ -25231,6 +25513,620 @@
             <a:fld id="{00000000-1234-1234-1234-123412341234}" type="slidenum">
               <a:rPr lang="en-US" altLang="zh-TW" sz="1100"/>
               <a:t>14</a:t>
+            </a:fld>
+            <a:endParaRPr sz="1100"/>
+          </a:p>
+        </p:txBody>
+      </p:sp>
+      <p:sp>
+        <p:nvSpPr>
+          <p:cNvPr id="144" name="Google Shape;144;p26"/>
+          <p:cNvSpPr txBox="1"/>
+          <p:nvPr/>
+        </p:nvSpPr>
+        <p:spPr>
+          <a:xfrm>
+            <a:off x="83562" y="201246"/>
+            <a:ext cx="9224851" cy="376996"/>
+          </a:xfrm>
+          <a:prstGeom prst="rect">
+            <a:avLst/>
+          </a:prstGeom>
+          <a:noFill/>
+          <a:ln>
+            <a:noFill/>
+          </a:ln>
+        </p:spPr>
+        <p:txBody>
+          <a:bodyPr spcFirstLastPara="1" wrap="square" lIns="68575" tIns="34275" rIns="68575" bIns="34275" anchor="t" anchorCtr="0">
+            <a:spAutoFit/>
+          </a:bodyPr>
+          <a:lstStyle/>
+          <a:p>
+            <a:pPr marL="0" marR="0" lvl="0" indent="0" algn="l" rtl="0">
+              <a:spcBef>
+                <a:spcPts val="0"/>
+              </a:spcBef>
+              <a:spcAft>
+                <a:spcPts val="0"/>
+              </a:spcAft>
+              <a:buNone/>
+            </a:pPr>
+            <a:r>
+              <a:rPr lang="en-US" sz="2000" b="1" dirty="0">
+                <a:solidFill>
+                  <a:srgbClr val="08244A"/>
+                </a:solidFill>
+                <a:latin typeface="Microsoft JhengHei"/>
+                <a:ea typeface="Microsoft JhengHei"/>
+                <a:cs typeface="Microsoft JhengHei"/>
+                <a:sym typeface="Microsoft JhengHei"/>
+              </a:rPr>
+              <a:t>Permuted Autoregressive</a:t>
+            </a:r>
+            <a:r>
+              <a:rPr lang="zh-TW" altLang="en-US" sz="2000" b="1" dirty="0">
+                <a:solidFill>
+                  <a:srgbClr val="08244A"/>
+                </a:solidFill>
+                <a:latin typeface="Microsoft JhengHei"/>
+                <a:ea typeface="Microsoft JhengHei"/>
+                <a:cs typeface="Microsoft JhengHei"/>
+                <a:sym typeface="Microsoft JhengHei"/>
+              </a:rPr>
+              <a:t> </a:t>
+            </a:r>
+            <a:r>
+              <a:rPr lang="en-US" sz="2000" b="1" dirty="0">
+                <a:solidFill>
+                  <a:srgbClr val="08244A"/>
+                </a:solidFill>
+                <a:latin typeface="Microsoft JhengHei"/>
+                <a:ea typeface="Microsoft JhengHei"/>
+                <a:cs typeface="Microsoft JhengHei"/>
+                <a:sym typeface="Microsoft JhengHei"/>
+              </a:rPr>
+              <a:t>Sequence Models</a:t>
+            </a:r>
+            <a:r>
+              <a:rPr lang="zh-TW" altLang="en-US" sz="2000" b="1" dirty="0">
+                <a:solidFill>
+                  <a:srgbClr val="08244A"/>
+                </a:solidFill>
+                <a:latin typeface="Microsoft JhengHei"/>
+                <a:ea typeface="Microsoft JhengHei"/>
+                <a:cs typeface="Microsoft JhengHei"/>
+                <a:sym typeface="Microsoft JhengHei"/>
+              </a:rPr>
+              <a:t> </a:t>
+            </a:r>
+            <a:r>
+              <a:rPr lang="en-US" altLang="zh-TW" sz="2000" b="1" dirty="0">
+                <a:solidFill>
+                  <a:srgbClr val="08244A"/>
+                </a:solidFill>
+                <a:latin typeface="Microsoft JhengHei"/>
+                <a:ea typeface="Microsoft JhengHei"/>
+                <a:cs typeface="Microsoft JhengHei"/>
+                <a:sym typeface="Microsoft JhengHei"/>
+              </a:rPr>
+              <a:t>-</a:t>
+            </a:r>
+            <a:r>
+              <a:rPr lang="zh-TW" altLang="en-US" sz="2000" b="1" dirty="0">
+                <a:solidFill>
+                  <a:srgbClr val="08244A"/>
+                </a:solidFill>
+                <a:latin typeface="Microsoft JhengHei"/>
+                <a:ea typeface="Microsoft JhengHei"/>
+                <a:cs typeface="Microsoft JhengHei"/>
+                <a:sym typeface="Microsoft JhengHei"/>
+              </a:rPr>
+              <a:t> </a:t>
+            </a:r>
+            <a:r>
+              <a:rPr lang="en-US" altLang="zh-TW" sz="2000" b="1" dirty="0">
+                <a:solidFill>
+                  <a:srgbClr val="08244A"/>
+                </a:solidFill>
+                <a:latin typeface="Microsoft JhengHei"/>
+                <a:ea typeface="Microsoft JhengHei"/>
+                <a:cs typeface="Microsoft JhengHei"/>
+                <a:sym typeface="Microsoft JhengHei"/>
+              </a:rPr>
+              <a:t>Model Architecture</a:t>
+            </a:r>
+            <a:endParaRPr lang="en-US" sz="2000" b="1" dirty="0">
+              <a:solidFill>
+                <a:srgbClr val="08244A"/>
+              </a:solidFill>
+              <a:latin typeface="Microsoft JhengHei"/>
+              <a:ea typeface="Microsoft JhengHei"/>
+              <a:cs typeface="Microsoft JhengHei"/>
+              <a:sym typeface="Microsoft JhengHei"/>
+            </a:endParaRPr>
+          </a:p>
+        </p:txBody>
+      </p:sp>
+      <p:sp>
+        <p:nvSpPr>
+          <p:cNvPr id="145" name="Google Shape;145;p26"/>
+          <p:cNvSpPr txBox="1"/>
+          <p:nvPr/>
+        </p:nvSpPr>
+        <p:spPr>
+          <a:xfrm>
+            <a:off x="471900" y="736201"/>
+            <a:ext cx="7422300" cy="369300"/>
+          </a:xfrm>
+          <a:prstGeom prst="rect">
+            <a:avLst/>
+          </a:prstGeom>
+          <a:noFill/>
+          <a:ln>
+            <a:noFill/>
+          </a:ln>
+        </p:spPr>
+        <p:txBody>
+          <a:bodyPr spcFirstLastPara="1" wrap="square" lIns="91425" tIns="91425" rIns="91425" bIns="91425" anchor="t" anchorCtr="0">
+            <a:spAutoFit/>
+          </a:bodyPr>
+          <a:lstStyle/>
+          <a:p>
+            <a:pPr marL="0" lvl="0" indent="0" algn="l" rtl="0">
+              <a:spcBef>
+                <a:spcPts val="0"/>
+              </a:spcBef>
+              <a:spcAft>
+                <a:spcPts val="0"/>
+              </a:spcAft>
+              <a:buNone/>
+            </a:pPr>
+            <a:endParaRPr sz="1200" b="1">
+              <a:solidFill>
+                <a:schemeClr val="dk1"/>
+              </a:solidFill>
+              <a:latin typeface="Microsoft JhengHei"/>
+              <a:ea typeface="Microsoft JhengHei"/>
+              <a:cs typeface="Microsoft JhengHei"/>
+              <a:sym typeface="Microsoft JhengHei"/>
+            </a:endParaRPr>
+          </a:p>
+        </p:txBody>
+      </p:sp>
+      <p:sp>
+        <p:nvSpPr>
+          <p:cNvPr id="2" name="Google Shape;142;p26">
+            <a:extLst>
+              <a:ext uri="{FF2B5EF4-FFF2-40B4-BE49-F238E27FC236}">
+                <a16:creationId xmlns:a16="http://schemas.microsoft.com/office/drawing/2014/main" id="{BD2CA0F0-1185-B7F8-E484-D2CD6776F4DB}"/>
+              </a:ext>
+            </a:extLst>
+          </p:cNvPr>
+          <p:cNvSpPr txBox="1"/>
+          <p:nvPr/>
+        </p:nvSpPr>
+        <p:spPr>
+          <a:xfrm>
+            <a:off x="6709464" y="4919588"/>
+            <a:ext cx="2369472" cy="238497"/>
+          </a:xfrm>
+          <a:prstGeom prst="rect">
+            <a:avLst/>
+          </a:prstGeom>
+          <a:noFill/>
+          <a:ln>
+            <a:noFill/>
+          </a:ln>
+        </p:spPr>
+        <p:txBody>
+          <a:bodyPr spcFirstLastPara="1" wrap="square" lIns="68575" tIns="34275" rIns="68575" bIns="34275" anchor="t" anchorCtr="0">
+            <a:spAutoFit/>
+          </a:bodyPr>
+          <a:lstStyle/>
+          <a:p>
+            <a:pPr algn="r"/>
+            <a:r>
+              <a:rPr lang="en-US" altLang="zh-TW" sz="1100" dirty="0">
+                <a:solidFill>
+                  <a:srgbClr val="A5A5A5"/>
+                </a:solidFill>
+                <a:latin typeface="Consolas"/>
+                <a:ea typeface="Consolas"/>
+                <a:cs typeface="Consolas"/>
+                <a:sym typeface="Consolas"/>
+              </a:rPr>
+              <a:t>NTUST</a:t>
+            </a:r>
+            <a:r>
+              <a:rPr lang="zh-TW" altLang="en-US" sz="1100" dirty="0">
+                <a:solidFill>
+                  <a:srgbClr val="A5A5A5"/>
+                </a:solidFill>
+                <a:latin typeface="Consolas"/>
+                <a:ea typeface="Consolas"/>
+                <a:cs typeface="Consolas"/>
+                <a:sym typeface="Consolas"/>
+              </a:rPr>
+              <a:t>  </a:t>
+            </a:r>
+            <a:r>
+              <a:rPr lang="en-US" altLang="zh-TW" sz="1100" dirty="0" err="1">
+                <a:solidFill>
+                  <a:srgbClr val="A5A5A5"/>
+                </a:solidFill>
+                <a:latin typeface="Consolas"/>
+                <a:ea typeface="Consolas"/>
+                <a:cs typeface="Consolas"/>
+                <a:sym typeface="Consolas"/>
+              </a:rPr>
+              <a:t>GAMELab</a:t>
+            </a:r>
+            <a:r>
+              <a:rPr lang="en-US" altLang="zh-TW" sz="1100" dirty="0">
+                <a:solidFill>
+                  <a:srgbClr val="A5A5A5"/>
+                </a:solidFill>
+                <a:latin typeface="Consolas"/>
+                <a:ea typeface="Consolas"/>
+                <a:cs typeface="Consolas"/>
+                <a:sym typeface="Consolas"/>
+              </a:rPr>
+              <a:t> cs.CV cs.CL</a:t>
+            </a:r>
+          </a:p>
+        </p:txBody>
+      </p:sp>
+      <p:pic>
+        <p:nvPicPr>
+          <p:cNvPr id="20" name="圖片 19">
+            <a:extLst>
+              <a:ext uri="{FF2B5EF4-FFF2-40B4-BE49-F238E27FC236}">
+                <a16:creationId xmlns:a16="http://schemas.microsoft.com/office/drawing/2014/main" id="{BABE0819-1295-BAAB-6719-2C8B8C77F6FD}"/>
+              </a:ext>
+            </a:extLst>
+          </p:cNvPr>
+          <p:cNvPicPr>
+            <a:picLocks noChangeAspect="1"/>
+          </p:cNvPicPr>
+          <p:nvPr/>
+        </p:nvPicPr>
+        <p:blipFill>
+          <a:blip r:embed="rId3"/>
+          <a:stretch>
+            <a:fillRect/>
+          </a:stretch>
+        </p:blipFill>
+        <p:spPr>
+          <a:xfrm>
+            <a:off x="1887916" y="2479455"/>
+            <a:ext cx="7191020" cy="2313713"/>
+          </a:xfrm>
+          <a:prstGeom prst="rect">
+            <a:avLst/>
+          </a:prstGeom>
+        </p:spPr>
+      </p:pic>
+      <p:sp>
+        <p:nvSpPr>
+          <p:cNvPr id="6" name="矩形 5">
+            <a:extLst>
+              <a:ext uri="{FF2B5EF4-FFF2-40B4-BE49-F238E27FC236}">
+                <a16:creationId xmlns:a16="http://schemas.microsoft.com/office/drawing/2014/main" id="{055FD58E-4C34-A95D-19C7-4B883EE060A3}"/>
+              </a:ext>
+            </a:extLst>
+          </p:cNvPr>
+          <p:cNvSpPr/>
+          <p:nvPr/>
+        </p:nvSpPr>
+        <p:spPr>
+          <a:xfrm>
+            <a:off x="5483426" y="2554111"/>
+            <a:ext cx="3504554" cy="862916"/>
+          </a:xfrm>
+          <a:prstGeom prst="rect">
+            <a:avLst/>
+          </a:prstGeom>
+          <a:noFill/>
+          <a:ln>
+            <a:solidFill>
+              <a:srgbClr val="FF0000"/>
+            </a:solidFill>
+          </a:ln>
+        </p:spPr>
+        <p:style>
+          <a:lnRef idx="2">
+            <a:schemeClr val="accent1">
+              <a:shade val="50000"/>
+            </a:schemeClr>
+          </a:lnRef>
+          <a:fillRef idx="1">
+            <a:schemeClr val="accent1"/>
+          </a:fillRef>
+          <a:effectRef idx="0">
+            <a:schemeClr val="accent1"/>
+          </a:effectRef>
+          <a:fontRef idx="minor">
+            <a:schemeClr val="lt1"/>
+          </a:fontRef>
+        </p:style>
+        <p:txBody>
+          <a:bodyPr rtlCol="0" anchor="ctr"/>
+          <a:lstStyle/>
+          <a:p>
+            <a:pPr algn="ctr"/>
+            <a:endParaRPr lang="zh-TW" altLang="en-US"/>
+          </a:p>
+        </p:txBody>
+      </p:sp>
+      <p:pic>
+        <p:nvPicPr>
+          <p:cNvPr id="3" name="圖片 2">
+            <a:extLst>
+              <a:ext uri="{FF2B5EF4-FFF2-40B4-BE49-F238E27FC236}">
+                <a16:creationId xmlns:a16="http://schemas.microsoft.com/office/drawing/2014/main" id="{1A9D5E67-9D38-6FAC-9485-ECD744598C28}"/>
+              </a:ext>
+            </a:extLst>
+          </p:cNvPr>
+          <p:cNvPicPr>
+            <a:picLocks noChangeAspect="1"/>
+          </p:cNvPicPr>
+          <p:nvPr/>
+        </p:nvPicPr>
+        <p:blipFill>
+          <a:blip r:embed="rId4"/>
+          <a:stretch>
+            <a:fillRect/>
+          </a:stretch>
+        </p:blipFill>
+        <p:spPr>
+          <a:xfrm>
+            <a:off x="319168" y="1002680"/>
+            <a:ext cx="4972050" cy="428625"/>
+          </a:xfrm>
+          <a:prstGeom prst="rect">
+            <a:avLst/>
+          </a:prstGeom>
+        </p:spPr>
+      </p:pic>
+      <p:pic>
+        <p:nvPicPr>
+          <p:cNvPr id="4" name="圖片 3">
+            <a:extLst>
+              <a:ext uri="{FF2B5EF4-FFF2-40B4-BE49-F238E27FC236}">
+                <a16:creationId xmlns:a16="http://schemas.microsoft.com/office/drawing/2014/main" id="{82772E77-8290-C032-14DC-322F36BB5FC7}"/>
+              </a:ext>
+            </a:extLst>
+          </p:cNvPr>
+          <p:cNvPicPr>
+            <a:picLocks noChangeAspect="1"/>
+          </p:cNvPicPr>
+          <p:nvPr/>
+        </p:nvPicPr>
+        <p:blipFill>
+          <a:blip r:embed="rId5"/>
+          <a:stretch>
+            <a:fillRect/>
+          </a:stretch>
+        </p:blipFill>
+        <p:spPr>
+          <a:xfrm>
+            <a:off x="319168" y="1492923"/>
+            <a:ext cx="4607363" cy="368589"/>
+          </a:xfrm>
+          <a:prstGeom prst="rect">
+            <a:avLst/>
+          </a:prstGeom>
+        </p:spPr>
+      </p:pic>
+      <p:pic>
+        <p:nvPicPr>
+          <p:cNvPr id="8" name="圖片 7">
+            <a:extLst>
+              <a:ext uri="{FF2B5EF4-FFF2-40B4-BE49-F238E27FC236}">
+                <a16:creationId xmlns:a16="http://schemas.microsoft.com/office/drawing/2014/main" id="{DBAA141F-B9CF-4672-9DBC-306EFD9ADFA7}"/>
+              </a:ext>
+            </a:extLst>
+          </p:cNvPr>
+          <p:cNvPicPr>
+            <a:picLocks noChangeAspect="1"/>
+          </p:cNvPicPr>
+          <p:nvPr/>
+        </p:nvPicPr>
+        <p:blipFill>
+          <a:blip r:embed="rId6"/>
+          <a:stretch>
+            <a:fillRect/>
+          </a:stretch>
+        </p:blipFill>
+        <p:spPr>
+          <a:xfrm>
+            <a:off x="319168" y="1970458"/>
+            <a:ext cx="4114800" cy="400050"/>
+          </a:xfrm>
+          <a:prstGeom prst="rect">
+            <a:avLst/>
+          </a:prstGeom>
+        </p:spPr>
+      </p:pic>
+    </p:spTree>
+    <p:extLst>
+      <p:ext uri="{BB962C8B-B14F-4D97-AF65-F5344CB8AC3E}">
+        <p14:creationId xmlns:p14="http://schemas.microsoft.com/office/powerpoint/2010/main" val="493726692"/>
+      </p:ext>
+    </p:extLst>
+  </p:cSld>
+  <p:clrMapOvr>
+    <a:masterClrMapping/>
+  </p:clrMapOvr>
+  <p:transition spd="slow">
+    <p:push/>
+  </p:transition>
+</p:sld>
+</file>
+
+<file path=ppt/slides/slide15.xml><?xml version="1.0" encoding="utf-8"?>
+<p:sld xmlns:a="http://schemas.openxmlformats.org/drawingml/2006/main" xmlns:r="http://schemas.openxmlformats.org/officeDocument/2006/relationships" xmlns:p="http://schemas.openxmlformats.org/presentationml/2006/main">
+  <p:cSld>
+    <p:spTree>
+      <p:nvGrpSpPr>
+        <p:cNvPr id="1" name="Shape 139"/>
+        <p:cNvGrpSpPr/>
+        <p:nvPr/>
+      </p:nvGrpSpPr>
+      <p:grpSpPr>
+        <a:xfrm>
+          <a:off x="0" y="0"/>
+          <a:ext cx="0" cy="0"/>
+          <a:chOff x="0" y="0"/>
+          <a:chExt cx="0" cy="0"/>
+        </a:xfrm>
+      </p:grpSpPr>
+      <p:pic>
+        <p:nvPicPr>
+          <p:cNvPr id="5" name="圖片 4">
+            <a:extLst>
+              <a:ext uri="{FF2B5EF4-FFF2-40B4-BE49-F238E27FC236}">
+                <a16:creationId xmlns:a16="http://schemas.microsoft.com/office/drawing/2014/main" id="{FAEC36A9-1ED1-1F8B-A79B-41DCB154C6E0}"/>
+              </a:ext>
+            </a:extLst>
+          </p:cNvPr>
+          <p:cNvPicPr>
+            <a:picLocks noChangeAspect="1"/>
+          </p:cNvPicPr>
+          <p:nvPr/>
+        </p:nvPicPr>
+        <p:blipFill>
+          <a:blip r:embed="rId3"/>
+          <a:stretch>
+            <a:fillRect/>
+          </a:stretch>
+        </p:blipFill>
+        <p:spPr>
+          <a:xfrm>
+            <a:off x="295275" y="1328697"/>
+            <a:ext cx="5305425" cy="714375"/>
+          </a:xfrm>
+          <a:prstGeom prst="rect">
+            <a:avLst/>
+          </a:prstGeom>
+        </p:spPr>
+      </p:pic>
+      <p:cxnSp>
+        <p:nvCxnSpPr>
+          <p:cNvPr id="140" name="Google Shape;140;p26"/>
+          <p:cNvCxnSpPr/>
+          <p:nvPr/>
+        </p:nvCxnSpPr>
+        <p:spPr>
+          <a:xfrm rot="10800000">
+            <a:off x="471906" y="672952"/>
+            <a:ext cx="8200200" cy="0"/>
+          </a:xfrm>
+          <a:prstGeom prst="straightConnector1">
+            <a:avLst/>
+          </a:prstGeom>
+          <a:noFill/>
+          <a:ln w="38100" cap="flat" cmpd="sng">
+            <a:solidFill>
+              <a:srgbClr val="08244A"/>
+            </a:solidFill>
+            <a:prstDash val="solid"/>
+            <a:miter lim="800000"/>
+            <a:headEnd type="none" w="sm" len="sm"/>
+            <a:tailEnd type="none" w="sm" len="sm"/>
+          </a:ln>
+        </p:spPr>
+      </p:cxnSp>
+      <p:sp>
+        <p:nvSpPr>
+          <p:cNvPr id="141" name="Google Shape;141;p26"/>
+          <p:cNvSpPr txBox="1"/>
+          <p:nvPr/>
+        </p:nvSpPr>
+        <p:spPr>
+          <a:xfrm>
+            <a:off x="4312990" y="4919588"/>
+            <a:ext cx="518100" cy="238500"/>
+          </a:xfrm>
+          <a:prstGeom prst="rect">
+            <a:avLst/>
+          </a:prstGeom>
+          <a:solidFill>
+            <a:srgbClr val="08244A"/>
+          </a:solidFill>
+          <a:ln>
+            <a:noFill/>
+          </a:ln>
+        </p:spPr>
+        <p:txBody>
+          <a:bodyPr spcFirstLastPara="1" wrap="square" lIns="68575" tIns="34275" rIns="68575" bIns="34275" anchor="t" anchorCtr="0">
+            <a:spAutoFit/>
+          </a:bodyPr>
+          <a:lstStyle/>
+          <a:p>
+            <a:pPr marL="0" marR="0" lvl="0" indent="0" algn="ctr" rtl="0">
+              <a:spcBef>
+                <a:spcPts val="0"/>
+              </a:spcBef>
+              <a:spcAft>
+                <a:spcPts val="0"/>
+              </a:spcAft>
+              <a:buNone/>
+            </a:pPr>
+            <a:endParaRPr sz="1100">
+              <a:solidFill>
+                <a:schemeClr val="lt1"/>
+              </a:solidFill>
+              <a:latin typeface="Arial"/>
+              <a:ea typeface="Arial"/>
+              <a:cs typeface="Arial"/>
+              <a:sym typeface="Arial"/>
+            </a:endParaRPr>
+          </a:p>
+        </p:txBody>
+      </p:sp>
+      <p:sp>
+        <p:nvSpPr>
+          <p:cNvPr id="143" name="Google Shape;143;p26"/>
+          <p:cNvSpPr txBox="1">
+            <a:spLocks noGrp="1"/>
+          </p:cNvSpPr>
+          <p:nvPr>
+            <p:ph type="sldNum" idx="12"/>
+          </p:nvPr>
+        </p:nvSpPr>
+        <p:spPr>
+          <a:xfrm>
+            <a:off x="3543300" y="4904660"/>
+            <a:ext cx="2057400" cy="273900"/>
+          </a:xfrm>
+          <a:prstGeom prst="rect">
+            <a:avLst/>
+          </a:prstGeom>
+          <a:noFill/>
+          <a:ln>
+            <a:noFill/>
+          </a:ln>
+        </p:spPr>
+        <p:txBody>
+          <a:bodyPr spcFirstLastPara="1" wrap="square" lIns="68575" tIns="34275" rIns="68575" bIns="34275" anchor="ctr" anchorCtr="0">
+            <a:noAutofit/>
+          </a:bodyPr>
+          <a:lstStyle/>
+          <a:p>
+            <a:pPr marL="0" lvl="0" indent="0" algn="ctr" rtl="0">
+              <a:spcBef>
+                <a:spcPts val="0"/>
+              </a:spcBef>
+              <a:spcAft>
+                <a:spcPts val="0"/>
+              </a:spcAft>
+              <a:buNone/>
+            </a:pPr>
+            <a:fld id="{00000000-1234-1234-1234-123412341234}" type="slidenum">
+              <a:rPr lang="en-US" altLang="zh-TW" sz="1100"/>
+              <a:t>15</a:t>
             </a:fld>
             <a:endParaRPr sz="1100"/>
           </a:p>
@@ -25704,8 +26600,608 @@
 </p:sld>
 </file>
 
-<file path=ppt/slides/slide15.xml><?xml version="1.0" encoding="utf-8"?>
+<file path=ppt/slides/slide16.xml><?xml version="1.0" encoding="utf-8"?>
 <p:sld xmlns:a="http://schemas.openxmlformats.org/drawingml/2006/main" xmlns:r="http://schemas.openxmlformats.org/officeDocument/2006/relationships" xmlns:p="http://schemas.openxmlformats.org/presentationml/2006/main">
+  <p:cSld>
+    <p:spTree>
+      <p:nvGrpSpPr>
+        <p:cNvPr id="1" name="Shape 139"/>
+        <p:cNvGrpSpPr/>
+        <p:nvPr/>
+      </p:nvGrpSpPr>
+      <p:grpSpPr>
+        <a:xfrm>
+          <a:off x="0" y="0"/>
+          <a:ext cx="0" cy="0"/>
+          <a:chOff x="0" y="0"/>
+          <a:chExt cx="0" cy="0"/>
+        </a:xfrm>
+      </p:grpSpPr>
+      <p:cxnSp>
+        <p:nvCxnSpPr>
+          <p:cNvPr id="140" name="Google Shape;140;p26"/>
+          <p:cNvCxnSpPr/>
+          <p:nvPr/>
+        </p:nvCxnSpPr>
+        <p:spPr>
+          <a:xfrm rot="10800000">
+            <a:off x="471906" y="672952"/>
+            <a:ext cx="8200200" cy="0"/>
+          </a:xfrm>
+          <a:prstGeom prst="straightConnector1">
+            <a:avLst/>
+          </a:prstGeom>
+          <a:noFill/>
+          <a:ln w="38100" cap="flat" cmpd="sng">
+            <a:solidFill>
+              <a:srgbClr val="08244A"/>
+            </a:solidFill>
+            <a:prstDash val="solid"/>
+            <a:miter lim="800000"/>
+            <a:headEnd type="none" w="sm" len="sm"/>
+            <a:tailEnd type="none" w="sm" len="sm"/>
+          </a:ln>
+        </p:spPr>
+      </p:cxnSp>
+      <p:sp>
+        <p:nvSpPr>
+          <p:cNvPr id="141" name="Google Shape;141;p26"/>
+          <p:cNvSpPr txBox="1"/>
+          <p:nvPr/>
+        </p:nvSpPr>
+        <p:spPr>
+          <a:xfrm>
+            <a:off x="4312990" y="4919588"/>
+            <a:ext cx="518100" cy="238500"/>
+          </a:xfrm>
+          <a:prstGeom prst="rect">
+            <a:avLst/>
+          </a:prstGeom>
+          <a:solidFill>
+            <a:srgbClr val="08244A"/>
+          </a:solidFill>
+          <a:ln>
+            <a:noFill/>
+          </a:ln>
+        </p:spPr>
+        <p:txBody>
+          <a:bodyPr spcFirstLastPara="1" wrap="square" lIns="68575" tIns="34275" rIns="68575" bIns="34275" anchor="t" anchorCtr="0">
+            <a:spAutoFit/>
+          </a:bodyPr>
+          <a:lstStyle/>
+          <a:p>
+            <a:pPr marL="0" marR="0" lvl="0" indent="0" algn="ctr" rtl="0">
+              <a:spcBef>
+                <a:spcPts val="0"/>
+              </a:spcBef>
+              <a:spcAft>
+                <a:spcPts val="0"/>
+              </a:spcAft>
+              <a:buNone/>
+            </a:pPr>
+            <a:endParaRPr sz="1100">
+              <a:solidFill>
+                <a:schemeClr val="lt1"/>
+              </a:solidFill>
+              <a:latin typeface="Arial"/>
+              <a:ea typeface="Arial"/>
+              <a:cs typeface="Arial"/>
+              <a:sym typeface="Arial"/>
+            </a:endParaRPr>
+          </a:p>
+        </p:txBody>
+      </p:sp>
+      <p:sp>
+        <p:nvSpPr>
+          <p:cNvPr id="142" name="Google Shape;142;p26"/>
+          <p:cNvSpPr txBox="1"/>
+          <p:nvPr/>
+        </p:nvSpPr>
+        <p:spPr>
+          <a:xfrm>
+            <a:off x="6709464" y="4919588"/>
+            <a:ext cx="2369472" cy="238497"/>
+          </a:xfrm>
+          <a:prstGeom prst="rect">
+            <a:avLst/>
+          </a:prstGeom>
+          <a:noFill/>
+          <a:ln>
+            <a:noFill/>
+          </a:ln>
+        </p:spPr>
+        <p:txBody>
+          <a:bodyPr spcFirstLastPara="1" wrap="square" lIns="68575" tIns="34275" rIns="68575" bIns="34275" anchor="t" anchorCtr="0">
+            <a:spAutoFit/>
+          </a:bodyPr>
+          <a:lstStyle/>
+          <a:p>
+            <a:pPr algn="r"/>
+            <a:r>
+              <a:rPr lang="en-US" altLang="zh-TW" sz="1100" dirty="0">
+                <a:solidFill>
+                  <a:srgbClr val="A5A5A5"/>
+                </a:solidFill>
+                <a:latin typeface="Consolas"/>
+                <a:ea typeface="Consolas"/>
+                <a:cs typeface="Consolas"/>
+                <a:sym typeface="Consolas"/>
+              </a:rPr>
+              <a:t>NTUST</a:t>
+            </a:r>
+            <a:r>
+              <a:rPr lang="zh-TW" altLang="en-US" sz="1100" dirty="0">
+                <a:solidFill>
+                  <a:srgbClr val="A5A5A5"/>
+                </a:solidFill>
+                <a:latin typeface="Consolas"/>
+                <a:ea typeface="Consolas"/>
+                <a:cs typeface="Consolas"/>
+                <a:sym typeface="Consolas"/>
+              </a:rPr>
+              <a:t>  </a:t>
+            </a:r>
+            <a:r>
+              <a:rPr lang="en-US" altLang="zh-TW" sz="1100" dirty="0" err="1">
+                <a:solidFill>
+                  <a:srgbClr val="A5A5A5"/>
+                </a:solidFill>
+                <a:latin typeface="Consolas"/>
+                <a:ea typeface="Consolas"/>
+                <a:cs typeface="Consolas"/>
+                <a:sym typeface="Consolas"/>
+              </a:rPr>
+              <a:t>GAMELab</a:t>
+            </a:r>
+            <a:r>
+              <a:rPr lang="en-US" altLang="zh-TW" sz="1100" dirty="0">
+                <a:solidFill>
+                  <a:srgbClr val="A5A5A5"/>
+                </a:solidFill>
+                <a:latin typeface="Consolas"/>
+                <a:ea typeface="Consolas"/>
+                <a:cs typeface="Consolas"/>
+                <a:sym typeface="Consolas"/>
+              </a:rPr>
+              <a:t> cs.CV cs.CL</a:t>
+            </a:r>
+          </a:p>
+        </p:txBody>
+      </p:sp>
+      <p:sp>
+        <p:nvSpPr>
+          <p:cNvPr id="143" name="Google Shape;143;p26"/>
+          <p:cNvSpPr txBox="1">
+            <a:spLocks noGrp="1"/>
+          </p:cNvSpPr>
+          <p:nvPr>
+            <p:ph type="sldNum" idx="12"/>
+          </p:nvPr>
+        </p:nvSpPr>
+        <p:spPr>
+          <a:xfrm>
+            <a:off x="3543300" y="4904660"/>
+            <a:ext cx="2057400" cy="273900"/>
+          </a:xfrm>
+          <a:prstGeom prst="rect">
+            <a:avLst/>
+          </a:prstGeom>
+          <a:noFill/>
+          <a:ln>
+            <a:noFill/>
+          </a:ln>
+        </p:spPr>
+        <p:txBody>
+          <a:bodyPr spcFirstLastPara="1" wrap="square" lIns="68575" tIns="34275" rIns="68575" bIns="34275" anchor="ctr" anchorCtr="0">
+            <a:noAutofit/>
+          </a:bodyPr>
+          <a:lstStyle/>
+          <a:p>
+            <a:pPr marL="0" lvl="0" indent="0" algn="ctr" rtl="0">
+              <a:spcBef>
+                <a:spcPts val="0"/>
+              </a:spcBef>
+              <a:spcAft>
+                <a:spcPts val="0"/>
+              </a:spcAft>
+              <a:buNone/>
+            </a:pPr>
+            <a:fld id="{00000000-1234-1234-1234-123412341234}" type="slidenum">
+              <a:rPr lang="en-US" altLang="zh-TW" sz="1100"/>
+              <a:t>16</a:t>
+            </a:fld>
+            <a:endParaRPr sz="1100"/>
+          </a:p>
+        </p:txBody>
+      </p:sp>
+      <p:sp>
+        <p:nvSpPr>
+          <p:cNvPr id="145" name="Google Shape;145;p26"/>
+          <p:cNvSpPr txBox="1"/>
+          <p:nvPr/>
+        </p:nvSpPr>
+        <p:spPr>
+          <a:xfrm>
+            <a:off x="471900" y="736201"/>
+            <a:ext cx="7422300" cy="369300"/>
+          </a:xfrm>
+          <a:prstGeom prst="rect">
+            <a:avLst/>
+          </a:prstGeom>
+          <a:noFill/>
+          <a:ln>
+            <a:noFill/>
+          </a:ln>
+        </p:spPr>
+        <p:txBody>
+          <a:bodyPr spcFirstLastPara="1" wrap="square" lIns="91425" tIns="91425" rIns="91425" bIns="91425" anchor="t" anchorCtr="0">
+            <a:spAutoFit/>
+          </a:bodyPr>
+          <a:lstStyle/>
+          <a:p>
+            <a:pPr marL="0" lvl="0" indent="0" algn="l" rtl="0">
+              <a:spcBef>
+                <a:spcPts val="0"/>
+              </a:spcBef>
+              <a:spcAft>
+                <a:spcPts val="0"/>
+              </a:spcAft>
+              <a:buNone/>
+            </a:pPr>
+            <a:endParaRPr sz="1200" b="1">
+              <a:solidFill>
+                <a:schemeClr val="dk1"/>
+              </a:solidFill>
+              <a:latin typeface="Microsoft JhengHei"/>
+              <a:ea typeface="Microsoft JhengHei"/>
+              <a:cs typeface="Microsoft JhengHei"/>
+              <a:sym typeface="Microsoft JhengHei"/>
+            </a:endParaRPr>
+          </a:p>
+        </p:txBody>
+      </p:sp>
+      <p:sp>
+        <p:nvSpPr>
+          <p:cNvPr id="2" name="文字方塊 1">
+            <a:extLst>
+              <a:ext uri="{FF2B5EF4-FFF2-40B4-BE49-F238E27FC236}">
+                <a16:creationId xmlns:a16="http://schemas.microsoft.com/office/drawing/2014/main" id="{2A8458E6-313D-BD6F-E1AE-6CB63563F083}"/>
+              </a:ext>
+            </a:extLst>
+          </p:cNvPr>
+          <p:cNvSpPr txBox="1"/>
+          <p:nvPr/>
+        </p:nvSpPr>
+        <p:spPr>
+          <a:xfrm>
+            <a:off x="406085" y="279773"/>
+            <a:ext cx="8310708" cy="584775"/>
+          </a:xfrm>
+          <a:prstGeom prst="rect">
+            <a:avLst/>
+          </a:prstGeom>
+          <a:noFill/>
+        </p:spPr>
+        <p:txBody>
+          <a:bodyPr wrap="square" rtlCol="0">
+            <a:spAutoFit/>
+          </a:bodyPr>
+          <a:lstStyle/>
+          <a:p>
+            <a:r>
+              <a:rPr lang="en-US" altLang="zh-TW" sz="1800" b="1" dirty="0">
+                <a:solidFill>
+                  <a:srgbClr val="08244A"/>
+                </a:solidFill>
+                <a:latin typeface="Microsoft JhengHei"/>
+                <a:ea typeface="Microsoft JhengHei"/>
+                <a:cs typeface="Microsoft JhengHei"/>
+                <a:sym typeface="Microsoft JhengHei"/>
+              </a:rPr>
+              <a:t>Permuted Autoregressive</a:t>
+            </a:r>
+            <a:r>
+              <a:rPr lang="zh-TW" altLang="en-US" sz="1800" b="1" dirty="0">
+                <a:solidFill>
+                  <a:srgbClr val="08244A"/>
+                </a:solidFill>
+                <a:latin typeface="Microsoft JhengHei"/>
+                <a:ea typeface="Microsoft JhengHei"/>
+                <a:cs typeface="Microsoft JhengHei"/>
+                <a:sym typeface="Microsoft JhengHei"/>
+              </a:rPr>
+              <a:t> </a:t>
+            </a:r>
+            <a:r>
+              <a:rPr lang="en-US" altLang="zh-TW" sz="1800" b="1" dirty="0">
+                <a:solidFill>
+                  <a:srgbClr val="08244A"/>
+                </a:solidFill>
+                <a:latin typeface="Microsoft JhengHei"/>
+                <a:ea typeface="Microsoft JhengHei"/>
+                <a:cs typeface="Microsoft JhengHei"/>
+                <a:sym typeface="Microsoft JhengHei"/>
+              </a:rPr>
+              <a:t>Sequence Models</a:t>
+            </a:r>
+            <a:r>
+              <a:rPr lang="zh-TW" altLang="en-US" sz="1800" b="1" dirty="0">
+                <a:solidFill>
+                  <a:srgbClr val="08244A"/>
+                </a:solidFill>
+                <a:latin typeface="Microsoft JhengHei"/>
+                <a:ea typeface="Microsoft JhengHei"/>
+                <a:cs typeface="Microsoft JhengHei"/>
+                <a:sym typeface="Microsoft JhengHei"/>
+              </a:rPr>
+              <a:t> </a:t>
+            </a:r>
+            <a:r>
+              <a:rPr lang="en-US" altLang="zh-TW" sz="1800" b="1" dirty="0">
+                <a:solidFill>
+                  <a:srgbClr val="08244A"/>
+                </a:solidFill>
+                <a:latin typeface="Microsoft JhengHei"/>
+                <a:ea typeface="Microsoft JhengHei"/>
+                <a:cs typeface="Microsoft JhengHei"/>
+                <a:sym typeface="Microsoft JhengHei"/>
+              </a:rPr>
+              <a:t>-</a:t>
+            </a:r>
+            <a:r>
+              <a:rPr lang="zh-TW" altLang="en-US" sz="1800" b="1" dirty="0">
+                <a:solidFill>
+                  <a:srgbClr val="08244A"/>
+                </a:solidFill>
+                <a:latin typeface="Microsoft JhengHei"/>
+                <a:ea typeface="Microsoft JhengHei"/>
+                <a:cs typeface="Microsoft JhengHei"/>
+                <a:sym typeface="Microsoft JhengHei"/>
+              </a:rPr>
+              <a:t> </a:t>
+            </a:r>
+            <a:r>
+              <a:rPr lang="en-US" altLang="zh-TW" sz="1800" b="1" dirty="0">
+                <a:solidFill>
+                  <a:srgbClr val="08244A"/>
+                </a:solidFill>
+                <a:latin typeface="Microsoft JhengHei"/>
+                <a:ea typeface="Microsoft JhengHei"/>
+                <a:cs typeface="Microsoft JhengHei"/>
+                <a:sym typeface="Microsoft JhengHei"/>
+              </a:rPr>
+              <a:t>Model Architecture</a:t>
+            </a:r>
+          </a:p>
+          <a:p>
+            <a:endParaRPr lang="zh-TW" altLang="en-US" dirty="0"/>
+          </a:p>
+        </p:txBody>
+      </p:sp>
+      <p:pic>
+        <p:nvPicPr>
+          <p:cNvPr id="4" name="圖片 3">
+            <a:extLst>
+              <a:ext uri="{FF2B5EF4-FFF2-40B4-BE49-F238E27FC236}">
+                <a16:creationId xmlns:a16="http://schemas.microsoft.com/office/drawing/2014/main" id="{832F82E1-CA31-92E7-4B07-B22D003FAF56}"/>
+              </a:ext>
+            </a:extLst>
+          </p:cNvPr>
+          <p:cNvPicPr>
+            <a:picLocks noChangeAspect="1"/>
+          </p:cNvPicPr>
+          <p:nvPr/>
+        </p:nvPicPr>
+        <p:blipFill>
+          <a:blip r:embed="rId3"/>
+          <a:stretch>
+            <a:fillRect/>
+          </a:stretch>
+        </p:blipFill>
+        <p:spPr>
+          <a:xfrm>
+            <a:off x="768810" y="736202"/>
+            <a:ext cx="4060260" cy="3671098"/>
+          </a:xfrm>
+          <a:prstGeom prst="rect">
+            <a:avLst/>
+          </a:prstGeom>
+        </p:spPr>
+      </p:pic>
+      <p:grpSp>
+        <p:nvGrpSpPr>
+          <p:cNvPr id="5" name="群組 4">
+            <a:extLst>
+              <a:ext uri="{FF2B5EF4-FFF2-40B4-BE49-F238E27FC236}">
+                <a16:creationId xmlns:a16="http://schemas.microsoft.com/office/drawing/2014/main" id="{1985B740-6DB6-F298-D9A2-E9F2EF24C8C9}"/>
+              </a:ext>
+            </a:extLst>
+          </p:cNvPr>
+          <p:cNvGrpSpPr/>
+          <p:nvPr/>
+        </p:nvGrpSpPr>
+        <p:grpSpPr>
+          <a:xfrm>
+            <a:off x="4999972" y="2346736"/>
+            <a:ext cx="3903539" cy="2060563"/>
+            <a:chOff x="5247944" y="2409986"/>
+            <a:chExt cx="3903539" cy="2060563"/>
+          </a:xfrm>
+        </p:grpSpPr>
+        <p:grpSp>
+          <p:nvGrpSpPr>
+            <p:cNvPr id="6" name="群組 5">
+              <a:extLst>
+                <a:ext uri="{FF2B5EF4-FFF2-40B4-BE49-F238E27FC236}">
+                  <a16:creationId xmlns:a16="http://schemas.microsoft.com/office/drawing/2014/main" id="{E9B7C8B8-69BA-9ACA-6037-0ACB2B1C88B3}"/>
+                </a:ext>
+              </a:extLst>
+            </p:cNvPr>
+            <p:cNvGrpSpPr/>
+            <p:nvPr/>
+          </p:nvGrpSpPr>
+          <p:grpSpPr>
+            <a:xfrm>
+              <a:off x="5247944" y="3052097"/>
+              <a:ext cx="3903539" cy="1418452"/>
+              <a:chOff x="2005190" y="2475620"/>
+              <a:chExt cx="7191020" cy="2313713"/>
+            </a:xfrm>
+          </p:grpSpPr>
+          <p:pic>
+            <p:nvPicPr>
+              <p:cNvPr id="8" name="圖片 7">
+                <a:extLst>
+                  <a:ext uri="{FF2B5EF4-FFF2-40B4-BE49-F238E27FC236}">
+                    <a16:creationId xmlns:a16="http://schemas.microsoft.com/office/drawing/2014/main" id="{917B4986-3955-E18D-69F1-3F0991CE1989}"/>
+                  </a:ext>
+                </a:extLst>
+              </p:cNvPr>
+              <p:cNvPicPr>
+                <a:picLocks noChangeAspect="1"/>
+              </p:cNvPicPr>
+              <p:nvPr/>
+            </p:nvPicPr>
+            <p:blipFill>
+              <a:blip r:embed="rId4"/>
+              <a:stretch>
+                <a:fillRect/>
+              </a:stretch>
+            </p:blipFill>
+            <p:spPr>
+              <a:xfrm>
+                <a:off x="2005190" y="2475620"/>
+                <a:ext cx="7191020" cy="2313713"/>
+              </a:xfrm>
+              <a:prstGeom prst="rect">
+                <a:avLst/>
+              </a:prstGeom>
+            </p:spPr>
+          </p:pic>
+          <p:sp>
+            <p:nvSpPr>
+              <p:cNvPr id="9" name="矩形 8">
+                <a:extLst>
+                  <a:ext uri="{FF2B5EF4-FFF2-40B4-BE49-F238E27FC236}">
+                    <a16:creationId xmlns:a16="http://schemas.microsoft.com/office/drawing/2014/main" id="{5A54B70E-B815-BBB1-402A-3C45E344C973}"/>
+                  </a:ext>
+                </a:extLst>
+              </p:cNvPr>
+              <p:cNvSpPr/>
+              <p:nvPr/>
+            </p:nvSpPr>
+            <p:spPr>
+              <a:xfrm>
+                <a:off x="2100019" y="2570331"/>
+                <a:ext cx="3417377" cy="2164401"/>
+              </a:xfrm>
+              <a:prstGeom prst="rect">
+                <a:avLst/>
+              </a:prstGeom>
+              <a:noFill/>
+              <a:ln>
+                <a:solidFill>
+                  <a:srgbClr val="FF0000"/>
+                </a:solidFill>
+              </a:ln>
+            </p:spPr>
+            <p:style>
+              <a:lnRef idx="2">
+                <a:schemeClr val="accent1">
+                  <a:shade val="50000"/>
+                </a:schemeClr>
+              </a:lnRef>
+              <a:fillRef idx="1">
+                <a:schemeClr val="accent1"/>
+              </a:fillRef>
+              <a:effectRef idx="0">
+                <a:schemeClr val="accent1"/>
+              </a:effectRef>
+              <a:fontRef idx="minor">
+                <a:schemeClr val="lt1"/>
+              </a:fontRef>
+            </p:style>
+            <p:txBody>
+              <a:bodyPr rtlCol="0" anchor="ctr"/>
+              <a:lstStyle/>
+              <a:p>
+                <a:pPr algn="ctr"/>
+                <a:endParaRPr lang="zh-TW" altLang="en-US"/>
+              </a:p>
+            </p:txBody>
+          </p:sp>
+        </p:grpSp>
+        <p:sp>
+          <p:nvSpPr>
+            <p:cNvPr id="7" name="箭號: 向下 6">
+              <a:extLst>
+                <a:ext uri="{FF2B5EF4-FFF2-40B4-BE49-F238E27FC236}">
+                  <a16:creationId xmlns:a16="http://schemas.microsoft.com/office/drawing/2014/main" id="{F9F7EE78-3B2E-B16A-DD6B-3915C5B5742D}"/>
+                </a:ext>
+              </a:extLst>
+            </p:cNvPr>
+            <p:cNvSpPr/>
+            <p:nvPr/>
+          </p:nvSpPr>
+          <p:spPr>
+            <a:xfrm>
+              <a:off x="6493790" y="2409986"/>
+              <a:ext cx="108488" cy="767167"/>
+            </a:xfrm>
+            <a:prstGeom prst="downArrow">
+              <a:avLst/>
+            </a:prstGeom>
+            <a:solidFill>
+              <a:srgbClr val="FF0000"/>
+            </a:solidFill>
+            <a:ln>
+              <a:noFill/>
+            </a:ln>
+          </p:spPr>
+          <p:style>
+            <a:lnRef idx="2">
+              <a:schemeClr val="accent1">
+                <a:shade val="50000"/>
+              </a:schemeClr>
+            </a:lnRef>
+            <a:fillRef idx="1">
+              <a:schemeClr val="accent1"/>
+            </a:fillRef>
+            <a:effectRef idx="0">
+              <a:schemeClr val="accent1"/>
+            </a:effectRef>
+            <a:fontRef idx="minor">
+              <a:schemeClr val="lt1"/>
+            </a:fontRef>
+          </p:style>
+          <p:txBody>
+            <a:bodyPr rtlCol="0" anchor="ctr"/>
+            <a:lstStyle/>
+            <a:p>
+              <a:pPr algn="ctr"/>
+              <a:endParaRPr lang="zh-TW" altLang="en-US"/>
+            </a:p>
+          </p:txBody>
+        </p:sp>
+      </p:grpSp>
+    </p:spTree>
+    <p:extLst>
+      <p:ext uri="{BB962C8B-B14F-4D97-AF65-F5344CB8AC3E}">
+        <p14:creationId xmlns:p14="http://schemas.microsoft.com/office/powerpoint/2010/main" val="366005218"/>
+      </p:ext>
+    </p:extLst>
+  </p:cSld>
+  <p:clrMapOvr>
+    <a:masterClrMapping/>
+  </p:clrMapOvr>
+  <p:transition spd="slow">
+    <p:push/>
+  </p:transition>
+</p:sld>
+</file>
+
+<file path=ppt/slides/slide17.xml><?xml version="1.0" encoding="utf-8"?>
+<p:sld xmlns:a="http://schemas.openxmlformats.org/drawingml/2006/main" xmlns:r="http://schemas.openxmlformats.org/officeDocument/2006/relationships" xmlns:p="http://schemas.openxmlformats.org/presentationml/2006/main" show="0">
   <p:cSld>
     <p:spTree>
       <p:nvGrpSpPr>
@@ -25835,7 +27331,7 @@
             </a:pPr>
             <a:fld id="{00000000-1234-1234-1234-123412341234}" type="slidenum">
               <a:rPr lang="en-US" altLang="zh-TW" sz="1100"/>
-              <a:t>15</a:t>
+              <a:t>17</a:t>
             </a:fld>
             <a:endParaRPr sz="1100"/>
           </a:p>
@@ -26325,7 +27821,7 @@
 </p:sld>
 </file>
 
-<file path=ppt/slides/slide16.xml><?xml version="1.0" encoding="utf-8"?>
+<file path=ppt/slides/slide18.xml><?xml version="1.0" encoding="utf-8"?>
 <p:sld xmlns:a="http://schemas.openxmlformats.org/drawingml/2006/main" xmlns:r="http://schemas.openxmlformats.org/officeDocument/2006/relationships" xmlns:p="http://schemas.openxmlformats.org/presentationml/2006/main">
   <p:cSld>
     <p:spTree>
@@ -26456,591 +27952,7 @@
             </a:pPr>
             <a:fld id="{00000000-1234-1234-1234-123412341234}" type="slidenum">
               <a:rPr lang="en-US" altLang="zh-TW" sz="1100"/>
-              <a:t>16</a:t>
-            </a:fld>
-            <a:endParaRPr sz="1100"/>
-          </a:p>
-        </p:txBody>
-      </p:sp>
-      <p:sp>
-        <p:nvSpPr>
-          <p:cNvPr id="144" name="Google Shape;144;p26"/>
-          <p:cNvSpPr txBox="1"/>
-          <p:nvPr/>
-        </p:nvSpPr>
-        <p:spPr>
-          <a:xfrm>
-            <a:off x="83562" y="201246"/>
-            <a:ext cx="9224851" cy="376996"/>
-          </a:xfrm>
-          <a:prstGeom prst="rect">
-            <a:avLst/>
-          </a:prstGeom>
-          <a:noFill/>
-          <a:ln>
-            <a:noFill/>
-          </a:ln>
-        </p:spPr>
-        <p:txBody>
-          <a:bodyPr spcFirstLastPara="1" wrap="square" lIns="68575" tIns="34275" rIns="68575" bIns="34275" anchor="t" anchorCtr="0">
-            <a:spAutoFit/>
-          </a:bodyPr>
-          <a:lstStyle/>
-          <a:p>
-            <a:pPr marL="0" marR="0" lvl="0" indent="0" algn="l" rtl="0">
-              <a:spcBef>
-                <a:spcPts val="0"/>
-              </a:spcBef>
-              <a:spcAft>
-                <a:spcPts val="0"/>
-              </a:spcAft>
-              <a:buNone/>
-            </a:pPr>
-            <a:r>
-              <a:rPr lang="en-US" sz="2000" b="1" dirty="0">
-                <a:solidFill>
-                  <a:srgbClr val="08244A"/>
-                </a:solidFill>
-                <a:latin typeface="Microsoft JhengHei"/>
-                <a:ea typeface="Microsoft JhengHei"/>
-                <a:cs typeface="Microsoft JhengHei"/>
-                <a:sym typeface="Microsoft JhengHei"/>
-              </a:rPr>
-              <a:t>Permuted Autoregressive</a:t>
-            </a:r>
-            <a:r>
-              <a:rPr lang="zh-TW" altLang="en-US" sz="2000" b="1" dirty="0">
-                <a:solidFill>
-                  <a:srgbClr val="08244A"/>
-                </a:solidFill>
-                <a:latin typeface="Microsoft JhengHei"/>
-                <a:ea typeface="Microsoft JhengHei"/>
-                <a:cs typeface="Microsoft JhengHei"/>
-                <a:sym typeface="Microsoft JhengHei"/>
-              </a:rPr>
-              <a:t> </a:t>
-            </a:r>
-            <a:r>
-              <a:rPr lang="en-US" sz="2000" b="1" dirty="0">
-                <a:solidFill>
-                  <a:srgbClr val="08244A"/>
-                </a:solidFill>
-                <a:latin typeface="Microsoft JhengHei"/>
-                <a:ea typeface="Microsoft JhengHei"/>
-                <a:cs typeface="Microsoft JhengHei"/>
-                <a:sym typeface="Microsoft JhengHei"/>
-              </a:rPr>
-              <a:t>Sequence Models</a:t>
-            </a:r>
-            <a:r>
-              <a:rPr lang="zh-TW" altLang="en-US" sz="2000" b="1" dirty="0">
-                <a:solidFill>
-                  <a:srgbClr val="08244A"/>
-                </a:solidFill>
-                <a:latin typeface="Microsoft JhengHei"/>
-                <a:ea typeface="Microsoft JhengHei"/>
-                <a:cs typeface="Microsoft JhengHei"/>
-                <a:sym typeface="Microsoft JhengHei"/>
-              </a:rPr>
-              <a:t> </a:t>
-            </a:r>
-            <a:r>
-              <a:rPr lang="en-US" altLang="zh-TW" sz="2000" b="1" dirty="0">
-                <a:solidFill>
-                  <a:srgbClr val="08244A"/>
-                </a:solidFill>
-                <a:latin typeface="Microsoft JhengHei"/>
-                <a:ea typeface="Microsoft JhengHei"/>
-                <a:cs typeface="Microsoft JhengHei"/>
-                <a:sym typeface="Microsoft JhengHei"/>
-              </a:rPr>
-              <a:t>-</a:t>
-            </a:r>
-            <a:r>
-              <a:rPr lang="zh-TW" altLang="en-US" sz="2000" b="1" dirty="0">
-                <a:solidFill>
-                  <a:srgbClr val="08244A"/>
-                </a:solidFill>
-                <a:latin typeface="Microsoft JhengHei"/>
-                <a:ea typeface="Microsoft JhengHei"/>
-                <a:cs typeface="Microsoft JhengHei"/>
-                <a:sym typeface="Microsoft JhengHei"/>
-              </a:rPr>
-              <a:t> </a:t>
-            </a:r>
-            <a:r>
-              <a:rPr lang="en-US" altLang="zh-TW" sz="2000" b="1" dirty="0">
-                <a:solidFill>
-                  <a:srgbClr val="08244A"/>
-                </a:solidFill>
-                <a:latin typeface="Microsoft JhengHei"/>
-                <a:ea typeface="Microsoft JhengHei"/>
-                <a:cs typeface="Microsoft JhengHei"/>
-                <a:sym typeface="Microsoft JhengHei"/>
-              </a:rPr>
-              <a:t>Model Architecture</a:t>
-            </a:r>
-            <a:endParaRPr lang="en-US" sz="2000" b="1" dirty="0">
-              <a:solidFill>
-                <a:srgbClr val="08244A"/>
-              </a:solidFill>
-              <a:latin typeface="Microsoft JhengHei"/>
-              <a:ea typeface="Microsoft JhengHei"/>
-              <a:cs typeface="Microsoft JhengHei"/>
-              <a:sym typeface="Microsoft JhengHei"/>
-            </a:endParaRPr>
-          </a:p>
-        </p:txBody>
-      </p:sp>
-      <p:sp>
-        <p:nvSpPr>
-          <p:cNvPr id="145" name="Google Shape;145;p26"/>
-          <p:cNvSpPr txBox="1"/>
-          <p:nvPr/>
-        </p:nvSpPr>
-        <p:spPr>
-          <a:xfrm>
-            <a:off x="471900" y="736201"/>
-            <a:ext cx="7422300" cy="369300"/>
-          </a:xfrm>
-          <a:prstGeom prst="rect">
-            <a:avLst/>
-          </a:prstGeom>
-          <a:noFill/>
-          <a:ln>
-            <a:noFill/>
-          </a:ln>
-        </p:spPr>
-        <p:txBody>
-          <a:bodyPr spcFirstLastPara="1" wrap="square" lIns="91425" tIns="91425" rIns="91425" bIns="91425" anchor="t" anchorCtr="0">
-            <a:spAutoFit/>
-          </a:bodyPr>
-          <a:lstStyle/>
-          <a:p>
-            <a:pPr marL="0" lvl="0" indent="0" algn="l" rtl="0">
-              <a:spcBef>
-                <a:spcPts val="0"/>
-              </a:spcBef>
-              <a:spcAft>
-                <a:spcPts val="0"/>
-              </a:spcAft>
-              <a:buNone/>
-            </a:pPr>
-            <a:endParaRPr sz="1200" b="1">
-              <a:solidFill>
-                <a:schemeClr val="dk1"/>
-              </a:solidFill>
-              <a:latin typeface="Microsoft JhengHei"/>
-              <a:ea typeface="Microsoft JhengHei"/>
-              <a:cs typeface="Microsoft JhengHei"/>
-              <a:sym typeface="Microsoft JhengHei"/>
-            </a:endParaRPr>
-          </a:p>
-        </p:txBody>
-      </p:sp>
-      <p:sp>
-        <p:nvSpPr>
-          <p:cNvPr id="2" name="Google Shape;142;p26">
-            <a:extLst>
-              <a:ext uri="{FF2B5EF4-FFF2-40B4-BE49-F238E27FC236}">
-                <a16:creationId xmlns:a16="http://schemas.microsoft.com/office/drawing/2014/main" id="{BD2CA0F0-1185-B7F8-E484-D2CD6776F4DB}"/>
-              </a:ext>
-            </a:extLst>
-          </p:cNvPr>
-          <p:cNvSpPr txBox="1"/>
-          <p:nvPr/>
-        </p:nvSpPr>
-        <p:spPr>
-          <a:xfrm>
-            <a:off x="6709464" y="4919588"/>
-            <a:ext cx="2369472" cy="238497"/>
-          </a:xfrm>
-          <a:prstGeom prst="rect">
-            <a:avLst/>
-          </a:prstGeom>
-          <a:noFill/>
-          <a:ln>
-            <a:noFill/>
-          </a:ln>
-        </p:spPr>
-        <p:txBody>
-          <a:bodyPr spcFirstLastPara="1" wrap="square" lIns="68575" tIns="34275" rIns="68575" bIns="34275" anchor="t" anchorCtr="0">
-            <a:spAutoFit/>
-          </a:bodyPr>
-          <a:lstStyle/>
-          <a:p>
-            <a:pPr algn="r"/>
-            <a:r>
-              <a:rPr lang="en-US" altLang="zh-TW" sz="1100" dirty="0">
-                <a:solidFill>
-                  <a:srgbClr val="A5A5A5"/>
-                </a:solidFill>
-                <a:latin typeface="Consolas"/>
-                <a:ea typeface="Consolas"/>
-                <a:cs typeface="Consolas"/>
-                <a:sym typeface="Consolas"/>
-              </a:rPr>
-              <a:t>NTUST</a:t>
-            </a:r>
-            <a:r>
-              <a:rPr lang="zh-TW" altLang="en-US" sz="1100" dirty="0">
-                <a:solidFill>
-                  <a:srgbClr val="A5A5A5"/>
-                </a:solidFill>
-                <a:latin typeface="Consolas"/>
-                <a:ea typeface="Consolas"/>
-                <a:cs typeface="Consolas"/>
-                <a:sym typeface="Consolas"/>
-              </a:rPr>
-              <a:t>  </a:t>
-            </a:r>
-            <a:r>
-              <a:rPr lang="en-US" altLang="zh-TW" sz="1100" dirty="0" err="1">
-                <a:solidFill>
-                  <a:srgbClr val="A5A5A5"/>
-                </a:solidFill>
-                <a:latin typeface="Consolas"/>
-                <a:ea typeface="Consolas"/>
-                <a:cs typeface="Consolas"/>
-                <a:sym typeface="Consolas"/>
-              </a:rPr>
-              <a:t>GAMELab</a:t>
-            </a:r>
-            <a:r>
-              <a:rPr lang="en-US" altLang="zh-TW" sz="1100" dirty="0">
-                <a:solidFill>
-                  <a:srgbClr val="A5A5A5"/>
-                </a:solidFill>
-                <a:latin typeface="Consolas"/>
-                <a:ea typeface="Consolas"/>
-                <a:cs typeface="Consolas"/>
-                <a:sym typeface="Consolas"/>
-              </a:rPr>
-              <a:t> cs.CV cs.CL</a:t>
-            </a:r>
-          </a:p>
-        </p:txBody>
-      </p:sp>
-      <p:pic>
-        <p:nvPicPr>
-          <p:cNvPr id="20" name="圖片 19">
-            <a:extLst>
-              <a:ext uri="{FF2B5EF4-FFF2-40B4-BE49-F238E27FC236}">
-                <a16:creationId xmlns:a16="http://schemas.microsoft.com/office/drawing/2014/main" id="{BABE0819-1295-BAAB-6719-2C8B8C77F6FD}"/>
-              </a:ext>
-            </a:extLst>
-          </p:cNvPr>
-          <p:cNvPicPr>
-            <a:picLocks noChangeAspect="1"/>
-          </p:cNvPicPr>
-          <p:nvPr/>
-        </p:nvPicPr>
-        <p:blipFill>
-          <a:blip r:embed="rId3"/>
-          <a:stretch>
-            <a:fillRect/>
-          </a:stretch>
-        </p:blipFill>
-        <p:spPr>
-          <a:xfrm>
-            <a:off x="1887916" y="2479455"/>
-            <a:ext cx="7191020" cy="2313713"/>
-          </a:xfrm>
-          <a:prstGeom prst="rect">
-            <a:avLst/>
-          </a:prstGeom>
-        </p:spPr>
-      </p:pic>
-      <p:sp>
-        <p:nvSpPr>
-          <p:cNvPr id="6" name="矩形 5">
-            <a:extLst>
-              <a:ext uri="{FF2B5EF4-FFF2-40B4-BE49-F238E27FC236}">
-                <a16:creationId xmlns:a16="http://schemas.microsoft.com/office/drawing/2014/main" id="{055FD58E-4C34-A95D-19C7-4B883EE060A3}"/>
-              </a:ext>
-            </a:extLst>
-          </p:cNvPr>
-          <p:cNvSpPr/>
-          <p:nvPr/>
-        </p:nvSpPr>
-        <p:spPr>
-          <a:xfrm>
-            <a:off x="5483426" y="2554111"/>
-            <a:ext cx="3504554" cy="862916"/>
-          </a:xfrm>
-          <a:prstGeom prst="rect">
-            <a:avLst/>
-          </a:prstGeom>
-          <a:noFill/>
-          <a:ln>
-            <a:solidFill>
-              <a:srgbClr val="FF0000"/>
-            </a:solidFill>
-          </a:ln>
-        </p:spPr>
-        <p:style>
-          <a:lnRef idx="2">
-            <a:schemeClr val="accent1">
-              <a:shade val="50000"/>
-            </a:schemeClr>
-          </a:lnRef>
-          <a:fillRef idx="1">
-            <a:schemeClr val="accent1"/>
-          </a:fillRef>
-          <a:effectRef idx="0">
-            <a:schemeClr val="accent1"/>
-          </a:effectRef>
-          <a:fontRef idx="minor">
-            <a:schemeClr val="lt1"/>
-          </a:fontRef>
-        </p:style>
-        <p:txBody>
-          <a:bodyPr rtlCol="0" anchor="ctr"/>
-          <a:lstStyle/>
-          <a:p>
-            <a:pPr algn="ctr"/>
-            <a:endParaRPr lang="zh-TW" altLang="en-US"/>
-          </a:p>
-        </p:txBody>
-      </p:sp>
-      <p:pic>
-        <p:nvPicPr>
-          <p:cNvPr id="3" name="圖片 2">
-            <a:extLst>
-              <a:ext uri="{FF2B5EF4-FFF2-40B4-BE49-F238E27FC236}">
-                <a16:creationId xmlns:a16="http://schemas.microsoft.com/office/drawing/2014/main" id="{1A9D5E67-9D38-6FAC-9485-ECD744598C28}"/>
-              </a:ext>
-            </a:extLst>
-          </p:cNvPr>
-          <p:cNvPicPr>
-            <a:picLocks noChangeAspect="1"/>
-          </p:cNvPicPr>
-          <p:nvPr/>
-        </p:nvPicPr>
-        <p:blipFill>
-          <a:blip r:embed="rId4"/>
-          <a:stretch>
-            <a:fillRect/>
-          </a:stretch>
-        </p:blipFill>
-        <p:spPr>
-          <a:xfrm>
-            <a:off x="319168" y="1002680"/>
-            <a:ext cx="4972050" cy="428625"/>
-          </a:xfrm>
-          <a:prstGeom prst="rect">
-            <a:avLst/>
-          </a:prstGeom>
-        </p:spPr>
-      </p:pic>
-      <p:pic>
-        <p:nvPicPr>
-          <p:cNvPr id="4" name="圖片 3">
-            <a:extLst>
-              <a:ext uri="{FF2B5EF4-FFF2-40B4-BE49-F238E27FC236}">
-                <a16:creationId xmlns:a16="http://schemas.microsoft.com/office/drawing/2014/main" id="{82772E77-8290-C032-14DC-322F36BB5FC7}"/>
-              </a:ext>
-            </a:extLst>
-          </p:cNvPr>
-          <p:cNvPicPr>
-            <a:picLocks noChangeAspect="1"/>
-          </p:cNvPicPr>
-          <p:nvPr/>
-        </p:nvPicPr>
-        <p:blipFill>
-          <a:blip r:embed="rId5"/>
-          <a:stretch>
-            <a:fillRect/>
-          </a:stretch>
-        </p:blipFill>
-        <p:spPr>
-          <a:xfrm>
-            <a:off x="319168" y="1492923"/>
-            <a:ext cx="4607363" cy="368589"/>
-          </a:xfrm>
-          <a:prstGeom prst="rect">
-            <a:avLst/>
-          </a:prstGeom>
-        </p:spPr>
-      </p:pic>
-      <p:pic>
-        <p:nvPicPr>
-          <p:cNvPr id="8" name="圖片 7">
-            <a:extLst>
-              <a:ext uri="{FF2B5EF4-FFF2-40B4-BE49-F238E27FC236}">
-                <a16:creationId xmlns:a16="http://schemas.microsoft.com/office/drawing/2014/main" id="{DBAA141F-B9CF-4672-9DBC-306EFD9ADFA7}"/>
-              </a:ext>
-            </a:extLst>
-          </p:cNvPr>
-          <p:cNvPicPr>
-            <a:picLocks noChangeAspect="1"/>
-          </p:cNvPicPr>
-          <p:nvPr/>
-        </p:nvPicPr>
-        <p:blipFill>
-          <a:blip r:embed="rId6"/>
-          <a:stretch>
-            <a:fillRect/>
-          </a:stretch>
-        </p:blipFill>
-        <p:spPr>
-          <a:xfrm>
-            <a:off x="319168" y="1970458"/>
-            <a:ext cx="4114800" cy="400050"/>
-          </a:xfrm>
-          <a:prstGeom prst="rect">
-            <a:avLst/>
-          </a:prstGeom>
-        </p:spPr>
-      </p:pic>
-    </p:spTree>
-    <p:extLst>
-      <p:ext uri="{BB962C8B-B14F-4D97-AF65-F5344CB8AC3E}">
-        <p14:creationId xmlns:p14="http://schemas.microsoft.com/office/powerpoint/2010/main" val="3119812258"/>
-      </p:ext>
-    </p:extLst>
-  </p:cSld>
-  <p:clrMapOvr>
-    <a:masterClrMapping/>
-  </p:clrMapOvr>
-  <p:transition spd="slow">
-    <p:push/>
-  </p:transition>
-</p:sld>
-</file>
-
-<file path=ppt/slides/slide17.xml><?xml version="1.0" encoding="utf-8"?>
-<p:sld xmlns:a="http://schemas.openxmlformats.org/drawingml/2006/main" xmlns:r="http://schemas.openxmlformats.org/officeDocument/2006/relationships" xmlns:p="http://schemas.openxmlformats.org/presentationml/2006/main">
-  <p:cSld>
-    <p:spTree>
-      <p:nvGrpSpPr>
-        <p:cNvPr id="1" name="Shape 139"/>
-        <p:cNvGrpSpPr/>
-        <p:nvPr/>
-      </p:nvGrpSpPr>
-      <p:grpSpPr>
-        <a:xfrm>
-          <a:off x="0" y="0"/>
-          <a:ext cx="0" cy="0"/>
-          <a:chOff x="0" y="0"/>
-          <a:chExt cx="0" cy="0"/>
-        </a:xfrm>
-      </p:grpSpPr>
-      <p:cxnSp>
-        <p:nvCxnSpPr>
-          <p:cNvPr id="140" name="Google Shape;140;p26"/>
-          <p:cNvCxnSpPr/>
-          <p:nvPr/>
-        </p:nvCxnSpPr>
-        <p:spPr>
-          <a:xfrm rot="10800000">
-            <a:off x="471906" y="672952"/>
-            <a:ext cx="8200200" cy="0"/>
-          </a:xfrm>
-          <a:prstGeom prst="straightConnector1">
-            <a:avLst/>
-          </a:prstGeom>
-          <a:noFill/>
-          <a:ln w="38100" cap="flat" cmpd="sng">
-            <a:solidFill>
-              <a:srgbClr val="08244A"/>
-            </a:solidFill>
-            <a:prstDash val="solid"/>
-            <a:miter lim="800000"/>
-            <a:headEnd type="none" w="sm" len="sm"/>
-            <a:tailEnd type="none" w="sm" len="sm"/>
-          </a:ln>
-        </p:spPr>
-      </p:cxnSp>
-      <p:sp>
-        <p:nvSpPr>
-          <p:cNvPr id="141" name="Google Shape;141;p26"/>
-          <p:cNvSpPr txBox="1"/>
-          <p:nvPr/>
-        </p:nvSpPr>
-        <p:spPr>
-          <a:xfrm>
-            <a:off x="4312990" y="4919588"/>
-            <a:ext cx="518100" cy="238500"/>
-          </a:xfrm>
-          <a:prstGeom prst="rect">
-            <a:avLst/>
-          </a:prstGeom>
-          <a:solidFill>
-            <a:srgbClr val="08244A"/>
-          </a:solidFill>
-          <a:ln>
-            <a:noFill/>
-          </a:ln>
-        </p:spPr>
-        <p:txBody>
-          <a:bodyPr spcFirstLastPara="1" wrap="square" lIns="68575" tIns="34275" rIns="68575" bIns="34275" anchor="t" anchorCtr="0">
-            <a:spAutoFit/>
-          </a:bodyPr>
-          <a:lstStyle/>
-          <a:p>
-            <a:pPr marL="0" marR="0" lvl="0" indent="0" algn="ctr" rtl="0">
-              <a:spcBef>
-                <a:spcPts val="0"/>
-              </a:spcBef>
-              <a:spcAft>
-                <a:spcPts val="0"/>
-              </a:spcAft>
-              <a:buNone/>
-            </a:pPr>
-            <a:endParaRPr sz="1100">
-              <a:solidFill>
-                <a:schemeClr val="lt1"/>
-              </a:solidFill>
-              <a:latin typeface="Arial"/>
-              <a:ea typeface="Arial"/>
-              <a:cs typeface="Arial"/>
-              <a:sym typeface="Arial"/>
-            </a:endParaRPr>
-          </a:p>
-        </p:txBody>
-      </p:sp>
-      <p:sp>
-        <p:nvSpPr>
-          <p:cNvPr id="143" name="Google Shape;143;p26"/>
-          <p:cNvSpPr txBox="1">
-            <a:spLocks noGrp="1"/>
-          </p:cNvSpPr>
-          <p:nvPr>
-            <p:ph type="sldNum" idx="12"/>
-          </p:nvPr>
-        </p:nvSpPr>
-        <p:spPr>
-          <a:xfrm>
-            <a:off x="3543300" y="4904660"/>
-            <a:ext cx="2057400" cy="273900"/>
-          </a:xfrm>
-          <a:prstGeom prst="rect">
-            <a:avLst/>
-          </a:prstGeom>
-          <a:noFill/>
-          <a:ln>
-            <a:noFill/>
-          </a:ln>
-        </p:spPr>
-        <p:txBody>
-          <a:bodyPr spcFirstLastPara="1" wrap="square" lIns="68575" tIns="34275" rIns="68575" bIns="34275" anchor="ctr" anchorCtr="0">
-            <a:noAutofit/>
-          </a:bodyPr>
-          <a:lstStyle/>
-          <a:p>
-            <a:pPr marL="0" lvl="0" indent="0" algn="ctr" rtl="0">
-              <a:spcBef>
-                <a:spcPts val="0"/>
-              </a:spcBef>
-              <a:spcAft>
-                <a:spcPts val="0"/>
-              </a:spcAft>
-              <a:buNone/>
-            </a:pPr>
-            <a:fld id="{00000000-1234-1234-1234-123412341234}" type="slidenum">
-              <a:rPr lang="en-US" altLang="zh-TW" sz="1100"/>
-              <a:t>17</a:t>
+              <a:t>18</a:t>
             </a:fld>
             <a:endParaRPr sz="1100"/>
           </a:p>
@@ -27500,7 +28412,7 @@
         </p:nvGrpSpPr>
         <p:grpSpPr>
           <a:xfrm>
-            <a:off x="5634996" y="3208233"/>
+            <a:off x="5072953" y="3170639"/>
             <a:ext cx="3511183" cy="1734021"/>
             <a:chOff x="5247944" y="2409986"/>
             <a:chExt cx="3903539" cy="2060563"/>
@@ -27795,7 +28707,7 @@
         </p:nvSpPr>
         <p:spPr>
           <a:xfrm>
-            <a:off x="4654090" y="2610058"/>
+            <a:off x="4631276" y="2625988"/>
             <a:ext cx="4653366" cy="307777"/>
           </a:xfrm>
           <a:prstGeom prst="rect">
@@ -27839,7 +28751,7 @@
 </p:sld>
 </file>
 
-<file path=ppt/slides/slide18.xml><?xml version="1.0" encoding="utf-8"?>
+<file path=ppt/slides/slide19.xml><?xml version="1.0" encoding="utf-8"?>
 <p:sld xmlns:a="http://schemas.openxmlformats.org/drawingml/2006/main" xmlns:r="http://schemas.openxmlformats.org/officeDocument/2006/relationships" xmlns:p="http://schemas.openxmlformats.org/presentationml/2006/main">
   <p:cSld>
     <p:spTree>
@@ -27970,7 +28882,7 @@
             </a:pPr>
             <a:fld id="{00000000-1234-1234-1234-123412341234}" type="slidenum">
               <a:rPr lang="en-US" altLang="zh-TW" sz="1100"/>
-              <a:t>18</a:t>
+              <a:t>19</a:t>
             </a:fld>
             <a:endParaRPr sz="1100"/>
           </a:p>
@@ -28323,7 +29235,31 @@
                 <a:cs typeface="Microsoft JhengHei"/>
                 <a:sym typeface="Microsoft JhengHei"/>
               </a:rPr>
-              <a:t>Autoregressive, first iteration context is set to[B]</a:t>
+              <a:t>Autoregressive, first iteration context is set to</a:t>
+            </a:r>
+            <a:r>
+              <a:rPr lang="zh-TW" altLang="en-US" sz="2000" dirty="0">
+                <a:solidFill>
+                  <a:schemeClr val="tx1"/>
+                </a:solidFill>
+                <a:latin typeface="Microsoft JhengHei"/>
+                <a:ea typeface="Microsoft JhengHei"/>
+                <a:cs typeface="Microsoft JhengHei"/>
+                <a:sym typeface="Microsoft JhengHei"/>
+              </a:rPr>
+              <a:t> </a:t>
+            </a:r>
+            <a:r>
+              <a:rPr lang="en-US" altLang="zh-TW" sz="2000" dirty="0">
+                <a:solidFill>
+                  <a:schemeClr val="tx1"/>
+                </a:solidFill>
+                <a:latin typeface="Microsoft JhengHei"/>
+                <a:ea typeface="Microsoft JhengHei"/>
+                <a:cs typeface="Microsoft JhengHei"/>
+                <a:sym typeface="Microsoft JhengHei"/>
+              </a:rPr>
+              <a:t>[B]</a:t>
             </a:r>
           </a:p>
           <a:p>
@@ -28354,7 +29290,43 @@
                 <a:cs typeface="Microsoft JhengHei"/>
                 <a:sym typeface="Microsoft JhengHei"/>
               </a:rPr>
-              <a:t>Non-autoregressive, context is always[B]</a:t>
+              <a:t>Non-autoregressive, context is always</a:t>
+            </a:r>
+            <a:r>
+              <a:rPr lang="zh-TW" altLang="en-US" sz="2000">
+                <a:solidFill>
+                  <a:schemeClr val="tx1"/>
+                </a:solidFill>
+                <a:latin typeface="Microsoft JhengHei"/>
+                <a:ea typeface="Microsoft JhengHei"/>
+                <a:cs typeface="Microsoft JhengHei"/>
+                <a:sym typeface="Microsoft JhengHei"/>
+              </a:rPr>
+              <a:t> </a:t>
+            </a:r>
+            <a:r>
+              <a:rPr lang="en-US" altLang="zh-TW" sz="2000">
+                <a:solidFill>
+                  <a:schemeClr val="tx1"/>
+                </a:solidFill>
+                <a:latin typeface="Microsoft JhengHei"/>
+                <a:ea typeface="Microsoft JhengHei"/>
+                <a:cs typeface="Microsoft JhengHei"/>
+                <a:sym typeface="Microsoft JhengHei"/>
+              </a:rPr>
+              <a:t>[</a:t>
+            </a:r>
+            <a:r>
+              <a:rPr lang="en-US" altLang="zh-TW" sz="2000" dirty="0">
+                <a:solidFill>
+                  <a:schemeClr val="tx1"/>
+                </a:solidFill>
+                <a:latin typeface="Microsoft JhengHei"/>
+                <a:ea typeface="Microsoft JhengHei"/>
+                <a:cs typeface="Microsoft JhengHei"/>
+                <a:sym typeface="Microsoft JhengHei"/>
+              </a:rPr>
+              <a:t>B]</a:t>
             </a:r>
           </a:p>
           <a:p>
@@ -28435,7 +29407,497 @@
 </p:sld>
 </file>
 
-<file path=ppt/slides/slide19.xml><?xml version="1.0" encoding="utf-8"?>
+<file path=ppt/slides/slide2.xml><?xml version="1.0" encoding="utf-8"?>
+<p:sld xmlns:a="http://schemas.openxmlformats.org/drawingml/2006/main" xmlns:r="http://schemas.openxmlformats.org/officeDocument/2006/relationships" xmlns:p="http://schemas.openxmlformats.org/presentationml/2006/main">
+  <p:cSld>
+    <p:spTree>
+      <p:nvGrpSpPr>
+        <p:cNvPr id="1" name="Shape 139"/>
+        <p:cNvGrpSpPr/>
+        <p:nvPr/>
+      </p:nvGrpSpPr>
+      <p:grpSpPr>
+        <a:xfrm>
+          <a:off x="0" y="0"/>
+          <a:ext cx="0" cy="0"/>
+          <a:chOff x="0" y="0"/>
+          <a:chExt cx="0" cy="0"/>
+        </a:xfrm>
+      </p:grpSpPr>
+      <p:cxnSp>
+        <p:nvCxnSpPr>
+          <p:cNvPr id="140" name="Google Shape;140;p26"/>
+          <p:cNvCxnSpPr/>
+          <p:nvPr/>
+        </p:nvCxnSpPr>
+        <p:spPr>
+          <a:xfrm rot="10800000">
+            <a:off x="471906" y="672952"/>
+            <a:ext cx="8200200" cy="0"/>
+          </a:xfrm>
+          <a:prstGeom prst="straightConnector1">
+            <a:avLst/>
+          </a:prstGeom>
+          <a:noFill/>
+          <a:ln w="38100" cap="flat" cmpd="sng">
+            <a:solidFill>
+              <a:srgbClr val="08244A"/>
+            </a:solidFill>
+            <a:prstDash val="solid"/>
+            <a:miter lim="800000"/>
+            <a:headEnd type="none" w="sm" len="sm"/>
+            <a:tailEnd type="none" w="sm" len="sm"/>
+          </a:ln>
+        </p:spPr>
+      </p:cxnSp>
+      <p:sp>
+        <p:nvSpPr>
+          <p:cNvPr id="141" name="Google Shape;141;p26"/>
+          <p:cNvSpPr txBox="1"/>
+          <p:nvPr/>
+        </p:nvSpPr>
+        <p:spPr>
+          <a:xfrm>
+            <a:off x="4312990" y="4919588"/>
+            <a:ext cx="518100" cy="238500"/>
+          </a:xfrm>
+          <a:prstGeom prst="rect">
+            <a:avLst/>
+          </a:prstGeom>
+          <a:solidFill>
+            <a:srgbClr val="08244A"/>
+          </a:solidFill>
+          <a:ln>
+            <a:noFill/>
+          </a:ln>
+        </p:spPr>
+        <p:txBody>
+          <a:bodyPr spcFirstLastPara="1" wrap="square" lIns="68575" tIns="34275" rIns="68575" bIns="34275" anchor="t" anchorCtr="0">
+            <a:spAutoFit/>
+          </a:bodyPr>
+          <a:lstStyle/>
+          <a:p>
+            <a:pPr marL="0" marR="0" lvl="0" indent="0" algn="ctr" rtl="0">
+              <a:spcBef>
+                <a:spcPts val="0"/>
+              </a:spcBef>
+              <a:spcAft>
+                <a:spcPts val="0"/>
+              </a:spcAft>
+              <a:buNone/>
+            </a:pPr>
+            <a:endParaRPr sz="1100">
+              <a:solidFill>
+                <a:schemeClr val="lt1"/>
+              </a:solidFill>
+              <a:latin typeface="Arial"/>
+              <a:ea typeface="Arial"/>
+              <a:cs typeface="Arial"/>
+              <a:sym typeface="Arial"/>
+            </a:endParaRPr>
+          </a:p>
+        </p:txBody>
+      </p:sp>
+      <p:sp>
+        <p:nvSpPr>
+          <p:cNvPr id="143" name="Google Shape;143;p26"/>
+          <p:cNvSpPr txBox="1">
+            <a:spLocks noGrp="1"/>
+          </p:cNvSpPr>
+          <p:nvPr>
+            <p:ph type="sldNum" idx="12"/>
+          </p:nvPr>
+        </p:nvSpPr>
+        <p:spPr>
+          <a:xfrm>
+            <a:off x="3543300" y="4904660"/>
+            <a:ext cx="2057400" cy="273900"/>
+          </a:xfrm>
+          <a:prstGeom prst="rect">
+            <a:avLst/>
+          </a:prstGeom>
+          <a:noFill/>
+          <a:ln>
+            <a:noFill/>
+          </a:ln>
+        </p:spPr>
+        <p:txBody>
+          <a:bodyPr spcFirstLastPara="1" wrap="square" lIns="68575" tIns="34275" rIns="68575" bIns="34275" anchor="ctr" anchorCtr="0">
+            <a:noAutofit/>
+          </a:bodyPr>
+          <a:lstStyle/>
+          <a:p>
+            <a:pPr marL="0" lvl="0" indent="0" algn="ctr" rtl="0">
+              <a:spcBef>
+                <a:spcPts val="0"/>
+              </a:spcBef>
+              <a:spcAft>
+                <a:spcPts val="0"/>
+              </a:spcAft>
+              <a:buNone/>
+            </a:pPr>
+            <a:fld id="{00000000-1234-1234-1234-123412341234}" type="slidenum">
+              <a:rPr lang="en-US" altLang="zh-TW" sz="1100"/>
+              <a:t>2</a:t>
+            </a:fld>
+            <a:endParaRPr sz="1100"/>
+          </a:p>
+        </p:txBody>
+      </p:sp>
+      <p:sp>
+        <p:nvSpPr>
+          <p:cNvPr id="144" name="Google Shape;144;p26"/>
+          <p:cNvSpPr txBox="1"/>
+          <p:nvPr/>
+        </p:nvSpPr>
+        <p:spPr>
+          <a:xfrm>
+            <a:off x="368600" y="246125"/>
+            <a:ext cx="5633400" cy="392400"/>
+          </a:xfrm>
+          <a:prstGeom prst="rect">
+            <a:avLst/>
+          </a:prstGeom>
+          <a:noFill/>
+          <a:ln>
+            <a:noFill/>
+          </a:ln>
+        </p:spPr>
+        <p:txBody>
+          <a:bodyPr spcFirstLastPara="1" wrap="square" lIns="68575" tIns="34275" rIns="68575" bIns="34275" anchor="t" anchorCtr="0">
+            <a:spAutoFit/>
+          </a:bodyPr>
+          <a:lstStyle/>
+          <a:p>
+            <a:pPr marL="0" marR="0" lvl="0" indent="0" algn="l" rtl="0">
+              <a:spcBef>
+                <a:spcPts val="0"/>
+              </a:spcBef>
+              <a:spcAft>
+                <a:spcPts val="0"/>
+              </a:spcAft>
+              <a:buNone/>
+            </a:pPr>
+            <a:r>
+              <a:rPr lang="en-US" sz="2100" b="1" dirty="0">
+                <a:solidFill>
+                  <a:srgbClr val="08244A"/>
+                </a:solidFill>
+                <a:latin typeface="Microsoft JhengHei"/>
+                <a:ea typeface="Microsoft JhengHei"/>
+                <a:cs typeface="Microsoft JhengHei"/>
+                <a:sym typeface="Microsoft JhengHei"/>
+              </a:rPr>
+              <a:t>Outline</a:t>
+            </a:r>
+            <a:endParaRPr sz="2100" b="1" dirty="0">
+              <a:solidFill>
+                <a:srgbClr val="08244A"/>
+              </a:solidFill>
+              <a:latin typeface="Microsoft JhengHei"/>
+              <a:ea typeface="Microsoft JhengHei"/>
+              <a:cs typeface="Microsoft JhengHei"/>
+              <a:sym typeface="Microsoft JhengHei"/>
+            </a:endParaRPr>
+          </a:p>
+        </p:txBody>
+      </p:sp>
+      <p:sp>
+        <p:nvSpPr>
+          <p:cNvPr id="145" name="Google Shape;145;p26"/>
+          <p:cNvSpPr txBox="1"/>
+          <p:nvPr/>
+        </p:nvSpPr>
+        <p:spPr>
+          <a:xfrm>
+            <a:off x="471900" y="736201"/>
+            <a:ext cx="7422300" cy="369300"/>
+          </a:xfrm>
+          <a:prstGeom prst="rect">
+            <a:avLst/>
+          </a:prstGeom>
+          <a:noFill/>
+          <a:ln>
+            <a:noFill/>
+          </a:ln>
+        </p:spPr>
+        <p:txBody>
+          <a:bodyPr spcFirstLastPara="1" wrap="square" lIns="91425" tIns="91425" rIns="91425" bIns="91425" anchor="t" anchorCtr="0">
+            <a:spAutoFit/>
+          </a:bodyPr>
+          <a:lstStyle/>
+          <a:p>
+            <a:pPr marL="0" lvl="0" indent="0" algn="l" rtl="0">
+              <a:spcBef>
+                <a:spcPts val="0"/>
+              </a:spcBef>
+              <a:spcAft>
+                <a:spcPts val="0"/>
+              </a:spcAft>
+              <a:buNone/>
+            </a:pPr>
+            <a:endParaRPr sz="1200" b="1">
+              <a:solidFill>
+                <a:schemeClr val="dk1"/>
+              </a:solidFill>
+              <a:latin typeface="Microsoft JhengHei"/>
+              <a:ea typeface="Microsoft JhengHei"/>
+              <a:cs typeface="Microsoft JhengHei"/>
+              <a:sym typeface="Microsoft JhengHei"/>
+            </a:endParaRPr>
+          </a:p>
+        </p:txBody>
+      </p:sp>
+      <p:sp>
+        <p:nvSpPr>
+          <p:cNvPr id="146" name="Google Shape;146;p26"/>
+          <p:cNvSpPr txBox="1"/>
+          <p:nvPr/>
+        </p:nvSpPr>
+        <p:spPr>
+          <a:xfrm>
+            <a:off x="471900" y="886850"/>
+            <a:ext cx="8252100" cy="2954625"/>
+          </a:xfrm>
+          <a:prstGeom prst="rect">
+            <a:avLst/>
+          </a:prstGeom>
+          <a:noFill/>
+          <a:ln>
+            <a:noFill/>
+          </a:ln>
+        </p:spPr>
+        <p:txBody>
+          <a:bodyPr spcFirstLastPara="1" wrap="square" lIns="91425" tIns="91425" rIns="91425" bIns="91425" anchor="t" anchorCtr="0">
+            <a:spAutoFit/>
+          </a:bodyPr>
+          <a:lstStyle/>
+          <a:p>
+            <a:pPr marL="457200" lvl="0" indent="-317500" algn="l" rtl="0">
+              <a:lnSpc>
+                <a:spcPct val="150000"/>
+              </a:lnSpc>
+              <a:spcBef>
+                <a:spcPts val="0"/>
+              </a:spcBef>
+              <a:spcAft>
+                <a:spcPts val="0"/>
+              </a:spcAft>
+              <a:buClr>
+                <a:schemeClr val="dk1"/>
+              </a:buClr>
+              <a:buSzPts val="1400"/>
+              <a:buFont typeface="Microsoft JhengHei"/>
+              <a:buAutoNum type="arabicPeriod"/>
+            </a:pPr>
+            <a:r>
+              <a:rPr lang="en-US" altLang="zh-TW" sz="2400" b="0" i="0" dirty="0">
+                <a:effectLst/>
+                <a:latin typeface="Arial" panose="020B0604020202020204" pitchFamily="34" charset="0"/>
+              </a:rPr>
+              <a:t>Introduction</a:t>
+            </a:r>
+          </a:p>
+          <a:p>
+            <a:pPr marL="457200" lvl="0" indent="-317500" algn="l" rtl="0">
+              <a:lnSpc>
+                <a:spcPct val="150000"/>
+              </a:lnSpc>
+              <a:spcBef>
+                <a:spcPts val="0"/>
+              </a:spcBef>
+              <a:spcAft>
+                <a:spcPts val="0"/>
+              </a:spcAft>
+              <a:buClr>
+                <a:schemeClr val="dk1"/>
+              </a:buClr>
+              <a:buSzPts val="1400"/>
+              <a:buFont typeface="Microsoft JhengHei"/>
+              <a:buAutoNum type="arabicPeriod"/>
+            </a:pPr>
+            <a:r>
+              <a:rPr lang="en-US" altLang="zh-TW" sz="2400" b="0" i="0" dirty="0">
+                <a:effectLst/>
+                <a:latin typeface="Arial" panose="020B0604020202020204" pitchFamily="34" charset="0"/>
+              </a:rPr>
+              <a:t>Related Work</a:t>
+            </a:r>
+          </a:p>
+          <a:p>
+            <a:pPr marL="457200" lvl="0" indent="-317500" algn="l" rtl="0">
+              <a:lnSpc>
+                <a:spcPct val="150000"/>
+              </a:lnSpc>
+              <a:spcBef>
+                <a:spcPts val="0"/>
+              </a:spcBef>
+              <a:spcAft>
+                <a:spcPts val="0"/>
+              </a:spcAft>
+              <a:buClr>
+                <a:schemeClr val="dk1"/>
+              </a:buClr>
+              <a:buSzPts val="1400"/>
+              <a:buFont typeface="Microsoft JhengHei"/>
+              <a:buAutoNum type="arabicPeriod"/>
+            </a:pPr>
+            <a:r>
+              <a:rPr lang="en-US" altLang="zh-TW" sz="2400" dirty="0">
+                <a:latin typeface="Arial" panose="020B0604020202020204" pitchFamily="34" charset="0"/>
+              </a:rPr>
+              <a:t>Permuted Autoregressive Sequence Models</a:t>
+            </a:r>
+          </a:p>
+          <a:p>
+            <a:pPr marL="457200" lvl="0" indent="-317500" algn="l" rtl="0">
+              <a:lnSpc>
+                <a:spcPct val="150000"/>
+              </a:lnSpc>
+              <a:spcBef>
+                <a:spcPts val="0"/>
+              </a:spcBef>
+              <a:spcAft>
+                <a:spcPts val="0"/>
+              </a:spcAft>
+              <a:buClr>
+                <a:schemeClr val="dk1"/>
+              </a:buClr>
+              <a:buSzPts val="1400"/>
+              <a:buFont typeface="Microsoft JhengHei"/>
+              <a:buAutoNum type="arabicPeriod"/>
+            </a:pPr>
+            <a:r>
+              <a:rPr lang="en-US" altLang="zh-TW" sz="2400" b="0" i="0" dirty="0">
+                <a:effectLst/>
+                <a:latin typeface="Arial" panose="020B0604020202020204" pitchFamily="34" charset="0"/>
+              </a:rPr>
+              <a:t>Results and Analysis</a:t>
+            </a:r>
+          </a:p>
+          <a:p>
+            <a:pPr marL="457200" lvl="0" indent="-317500" algn="l" rtl="0">
+              <a:lnSpc>
+                <a:spcPct val="150000"/>
+              </a:lnSpc>
+              <a:spcBef>
+                <a:spcPts val="0"/>
+              </a:spcBef>
+              <a:spcAft>
+                <a:spcPts val="0"/>
+              </a:spcAft>
+              <a:buClr>
+                <a:schemeClr val="dk1"/>
+              </a:buClr>
+              <a:buSzPts val="1400"/>
+              <a:buFont typeface="Microsoft JhengHei"/>
+              <a:buAutoNum type="arabicPeriod"/>
+            </a:pPr>
+            <a:r>
+              <a:rPr lang="en-US" altLang="zh-TW" sz="2400" b="0" i="0" dirty="0">
+                <a:effectLst/>
+                <a:latin typeface="Arial" panose="020B0604020202020204" pitchFamily="34" charset="0"/>
+              </a:rPr>
+              <a:t>Conclusion</a:t>
+            </a:r>
+          </a:p>
+        </p:txBody>
+      </p:sp>
+      <p:sp>
+        <p:nvSpPr>
+          <p:cNvPr id="2" name="Google Shape;142;p26">
+            <a:extLst>
+              <a:ext uri="{FF2B5EF4-FFF2-40B4-BE49-F238E27FC236}">
+                <a16:creationId xmlns:a16="http://schemas.microsoft.com/office/drawing/2014/main" id="{21BBB644-8418-CDD5-746A-A2C07F0D514F}"/>
+              </a:ext>
+            </a:extLst>
+          </p:cNvPr>
+          <p:cNvSpPr txBox="1"/>
+          <p:nvPr/>
+        </p:nvSpPr>
+        <p:spPr>
+          <a:xfrm>
+            <a:off x="6709464" y="4919588"/>
+            <a:ext cx="2369472" cy="238497"/>
+          </a:xfrm>
+          <a:prstGeom prst="rect">
+            <a:avLst/>
+          </a:prstGeom>
+          <a:noFill/>
+          <a:ln>
+            <a:noFill/>
+          </a:ln>
+        </p:spPr>
+        <p:txBody>
+          <a:bodyPr spcFirstLastPara="1" wrap="square" lIns="68575" tIns="34275" rIns="68575" bIns="34275" anchor="t" anchorCtr="0">
+            <a:spAutoFit/>
+          </a:bodyPr>
+          <a:lstStyle/>
+          <a:p>
+            <a:pPr algn="r"/>
+            <a:r>
+              <a:rPr lang="en-US" altLang="zh-TW" sz="1100" dirty="0">
+                <a:solidFill>
+                  <a:srgbClr val="A5A5A5"/>
+                </a:solidFill>
+                <a:latin typeface="Consolas"/>
+                <a:ea typeface="Consolas"/>
+                <a:cs typeface="Consolas"/>
+                <a:sym typeface="Consolas"/>
+              </a:rPr>
+              <a:t>NTUST</a:t>
+            </a:r>
+            <a:r>
+              <a:rPr lang="zh-TW" altLang="en-US" sz="1100" dirty="0">
+                <a:solidFill>
+                  <a:srgbClr val="A5A5A5"/>
+                </a:solidFill>
+                <a:latin typeface="Consolas"/>
+                <a:ea typeface="Consolas"/>
+                <a:cs typeface="Consolas"/>
+                <a:sym typeface="Consolas"/>
+              </a:rPr>
+              <a:t>  </a:t>
+            </a:r>
+            <a:r>
+              <a:rPr lang="en-US" altLang="zh-TW" sz="1100" dirty="0" err="1">
+                <a:solidFill>
+                  <a:srgbClr val="A5A5A5"/>
+                </a:solidFill>
+                <a:latin typeface="Consolas"/>
+                <a:ea typeface="Consolas"/>
+                <a:cs typeface="Consolas"/>
+                <a:sym typeface="Consolas"/>
+              </a:rPr>
+              <a:t>GAMELab</a:t>
+            </a:r>
+            <a:r>
+              <a:rPr lang="en-US" altLang="zh-TW" sz="1100" dirty="0">
+                <a:solidFill>
+                  <a:srgbClr val="A5A5A5"/>
+                </a:solidFill>
+                <a:latin typeface="Consolas"/>
+                <a:ea typeface="Consolas"/>
+                <a:cs typeface="Consolas"/>
+                <a:sym typeface="Consolas"/>
+              </a:rPr>
+              <a:t> cs.CV cs.CL</a:t>
+            </a:r>
+          </a:p>
+        </p:txBody>
+      </p:sp>
+    </p:spTree>
+  </p:cSld>
+  <p:clrMapOvr>
+    <a:masterClrMapping/>
+  </p:clrMapOvr>
+  <p:transition spd="slow">
+    <p:push/>
+  </p:transition>
+</p:sld>
+</file>
+
+<file path=ppt/slides/slide20.xml><?xml version="1.0" encoding="utf-8"?>
 <p:sld xmlns:a="http://schemas.openxmlformats.org/drawingml/2006/main" xmlns:r="http://schemas.openxmlformats.org/officeDocument/2006/relationships" xmlns:p="http://schemas.openxmlformats.org/presentationml/2006/main">
   <p:cSld>
     <p:spTree>
@@ -28745,7 +30207,7 @@
                 <a:cs typeface="Arial"/>
                 <a:sym typeface="Arial"/>
               </a:rPr>
-              <a:t>19</a:t>
+              <a:t>20</a:t>
             </a:fld>
             <a:endParaRPr sz="1100" dirty="0">
               <a:solidFill>
@@ -28772,7 +30234,7 @@
 </p:sld>
 </file>
 
-<file path=ppt/slides/slide2.xml><?xml version="1.0" encoding="utf-8"?>
+<file path=ppt/slides/slide21.xml><?xml version="1.0" encoding="utf-8"?>
 <p:sld xmlns:a="http://schemas.openxmlformats.org/drawingml/2006/main" xmlns:r="http://schemas.openxmlformats.org/officeDocument/2006/relationships" xmlns:p="http://schemas.openxmlformats.org/presentationml/2006/main">
   <p:cSld>
     <p:spTree>
@@ -28903,497 +30365,7 @@
             </a:pPr>
             <a:fld id="{00000000-1234-1234-1234-123412341234}" type="slidenum">
               <a:rPr lang="en-US" altLang="zh-TW" sz="1100"/>
-              <a:t>2</a:t>
-            </a:fld>
-            <a:endParaRPr sz="1100"/>
-          </a:p>
-        </p:txBody>
-      </p:sp>
-      <p:sp>
-        <p:nvSpPr>
-          <p:cNvPr id="144" name="Google Shape;144;p26"/>
-          <p:cNvSpPr txBox="1"/>
-          <p:nvPr/>
-        </p:nvSpPr>
-        <p:spPr>
-          <a:xfrm>
-            <a:off x="368600" y="246125"/>
-            <a:ext cx="5633400" cy="392400"/>
-          </a:xfrm>
-          <a:prstGeom prst="rect">
-            <a:avLst/>
-          </a:prstGeom>
-          <a:noFill/>
-          <a:ln>
-            <a:noFill/>
-          </a:ln>
-        </p:spPr>
-        <p:txBody>
-          <a:bodyPr spcFirstLastPara="1" wrap="square" lIns="68575" tIns="34275" rIns="68575" bIns="34275" anchor="t" anchorCtr="0">
-            <a:spAutoFit/>
-          </a:bodyPr>
-          <a:lstStyle/>
-          <a:p>
-            <a:pPr marL="0" marR="0" lvl="0" indent="0" algn="l" rtl="0">
-              <a:spcBef>
-                <a:spcPts val="0"/>
-              </a:spcBef>
-              <a:spcAft>
-                <a:spcPts val="0"/>
-              </a:spcAft>
-              <a:buNone/>
-            </a:pPr>
-            <a:r>
-              <a:rPr lang="en-US" sz="2100" b="1" dirty="0">
-                <a:solidFill>
-                  <a:srgbClr val="08244A"/>
-                </a:solidFill>
-                <a:latin typeface="Microsoft JhengHei"/>
-                <a:ea typeface="Microsoft JhengHei"/>
-                <a:cs typeface="Microsoft JhengHei"/>
-                <a:sym typeface="Microsoft JhengHei"/>
-              </a:rPr>
-              <a:t>Outline</a:t>
-            </a:r>
-            <a:endParaRPr sz="2100" b="1" dirty="0">
-              <a:solidFill>
-                <a:srgbClr val="08244A"/>
-              </a:solidFill>
-              <a:latin typeface="Microsoft JhengHei"/>
-              <a:ea typeface="Microsoft JhengHei"/>
-              <a:cs typeface="Microsoft JhengHei"/>
-              <a:sym typeface="Microsoft JhengHei"/>
-            </a:endParaRPr>
-          </a:p>
-        </p:txBody>
-      </p:sp>
-      <p:sp>
-        <p:nvSpPr>
-          <p:cNvPr id="145" name="Google Shape;145;p26"/>
-          <p:cNvSpPr txBox="1"/>
-          <p:nvPr/>
-        </p:nvSpPr>
-        <p:spPr>
-          <a:xfrm>
-            <a:off x="471900" y="736201"/>
-            <a:ext cx="7422300" cy="369300"/>
-          </a:xfrm>
-          <a:prstGeom prst="rect">
-            <a:avLst/>
-          </a:prstGeom>
-          <a:noFill/>
-          <a:ln>
-            <a:noFill/>
-          </a:ln>
-        </p:spPr>
-        <p:txBody>
-          <a:bodyPr spcFirstLastPara="1" wrap="square" lIns="91425" tIns="91425" rIns="91425" bIns="91425" anchor="t" anchorCtr="0">
-            <a:spAutoFit/>
-          </a:bodyPr>
-          <a:lstStyle/>
-          <a:p>
-            <a:pPr marL="0" lvl="0" indent="0" algn="l" rtl="0">
-              <a:spcBef>
-                <a:spcPts val="0"/>
-              </a:spcBef>
-              <a:spcAft>
-                <a:spcPts val="0"/>
-              </a:spcAft>
-              <a:buNone/>
-            </a:pPr>
-            <a:endParaRPr sz="1200" b="1">
-              <a:solidFill>
-                <a:schemeClr val="dk1"/>
-              </a:solidFill>
-              <a:latin typeface="Microsoft JhengHei"/>
-              <a:ea typeface="Microsoft JhengHei"/>
-              <a:cs typeface="Microsoft JhengHei"/>
-              <a:sym typeface="Microsoft JhengHei"/>
-            </a:endParaRPr>
-          </a:p>
-        </p:txBody>
-      </p:sp>
-      <p:sp>
-        <p:nvSpPr>
-          <p:cNvPr id="146" name="Google Shape;146;p26"/>
-          <p:cNvSpPr txBox="1"/>
-          <p:nvPr/>
-        </p:nvSpPr>
-        <p:spPr>
-          <a:xfrm>
-            <a:off x="471900" y="886850"/>
-            <a:ext cx="8252100" cy="2954625"/>
-          </a:xfrm>
-          <a:prstGeom prst="rect">
-            <a:avLst/>
-          </a:prstGeom>
-          <a:noFill/>
-          <a:ln>
-            <a:noFill/>
-          </a:ln>
-        </p:spPr>
-        <p:txBody>
-          <a:bodyPr spcFirstLastPara="1" wrap="square" lIns="91425" tIns="91425" rIns="91425" bIns="91425" anchor="t" anchorCtr="0">
-            <a:spAutoFit/>
-          </a:bodyPr>
-          <a:lstStyle/>
-          <a:p>
-            <a:pPr marL="457200" lvl="0" indent="-317500" algn="l" rtl="0">
-              <a:lnSpc>
-                <a:spcPct val="150000"/>
-              </a:lnSpc>
-              <a:spcBef>
-                <a:spcPts val="0"/>
-              </a:spcBef>
-              <a:spcAft>
-                <a:spcPts val="0"/>
-              </a:spcAft>
-              <a:buClr>
-                <a:schemeClr val="dk1"/>
-              </a:buClr>
-              <a:buSzPts val="1400"/>
-              <a:buFont typeface="Microsoft JhengHei"/>
-              <a:buAutoNum type="arabicPeriod"/>
-            </a:pPr>
-            <a:r>
-              <a:rPr lang="en-US" altLang="zh-TW" sz="2400" b="0" i="0" dirty="0">
-                <a:effectLst/>
-                <a:latin typeface="Arial" panose="020B0604020202020204" pitchFamily="34" charset="0"/>
-              </a:rPr>
-              <a:t>Introduction</a:t>
-            </a:r>
-          </a:p>
-          <a:p>
-            <a:pPr marL="457200" lvl="0" indent="-317500" algn="l" rtl="0">
-              <a:lnSpc>
-                <a:spcPct val="150000"/>
-              </a:lnSpc>
-              <a:spcBef>
-                <a:spcPts val="0"/>
-              </a:spcBef>
-              <a:spcAft>
-                <a:spcPts val="0"/>
-              </a:spcAft>
-              <a:buClr>
-                <a:schemeClr val="dk1"/>
-              </a:buClr>
-              <a:buSzPts val="1400"/>
-              <a:buFont typeface="Microsoft JhengHei"/>
-              <a:buAutoNum type="arabicPeriod"/>
-            </a:pPr>
-            <a:r>
-              <a:rPr lang="en-US" altLang="zh-TW" sz="2400" b="0" i="0" dirty="0">
-                <a:effectLst/>
-                <a:latin typeface="Arial" panose="020B0604020202020204" pitchFamily="34" charset="0"/>
-              </a:rPr>
-              <a:t>Related Work</a:t>
-            </a:r>
-          </a:p>
-          <a:p>
-            <a:pPr marL="457200" lvl="0" indent="-317500" algn="l" rtl="0">
-              <a:lnSpc>
-                <a:spcPct val="150000"/>
-              </a:lnSpc>
-              <a:spcBef>
-                <a:spcPts val="0"/>
-              </a:spcBef>
-              <a:spcAft>
-                <a:spcPts val="0"/>
-              </a:spcAft>
-              <a:buClr>
-                <a:schemeClr val="dk1"/>
-              </a:buClr>
-              <a:buSzPts val="1400"/>
-              <a:buFont typeface="Microsoft JhengHei"/>
-              <a:buAutoNum type="arabicPeriod"/>
-            </a:pPr>
-            <a:r>
-              <a:rPr lang="en-US" altLang="zh-TW" sz="2400" dirty="0">
-                <a:latin typeface="Arial" panose="020B0604020202020204" pitchFamily="34" charset="0"/>
-              </a:rPr>
-              <a:t>Permuted Autoregressive Sequence Models</a:t>
-            </a:r>
-          </a:p>
-          <a:p>
-            <a:pPr marL="457200" lvl="0" indent="-317500" algn="l" rtl="0">
-              <a:lnSpc>
-                <a:spcPct val="150000"/>
-              </a:lnSpc>
-              <a:spcBef>
-                <a:spcPts val="0"/>
-              </a:spcBef>
-              <a:spcAft>
-                <a:spcPts val="0"/>
-              </a:spcAft>
-              <a:buClr>
-                <a:schemeClr val="dk1"/>
-              </a:buClr>
-              <a:buSzPts val="1400"/>
-              <a:buFont typeface="Microsoft JhengHei"/>
-              <a:buAutoNum type="arabicPeriod"/>
-            </a:pPr>
-            <a:r>
-              <a:rPr lang="en-US" altLang="zh-TW" sz="2400" b="0" i="0" dirty="0">
-                <a:effectLst/>
-                <a:latin typeface="Arial" panose="020B0604020202020204" pitchFamily="34" charset="0"/>
-              </a:rPr>
-              <a:t>Results and Analysis</a:t>
-            </a:r>
-          </a:p>
-          <a:p>
-            <a:pPr marL="457200" lvl="0" indent="-317500" algn="l" rtl="0">
-              <a:lnSpc>
-                <a:spcPct val="150000"/>
-              </a:lnSpc>
-              <a:spcBef>
-                <a:spcPts val="0"/>
-              </a:spcBef>
-              <a:spcAft>
-                <a:spcPts val="0"/>
-              </a:spcAft>
-              <a:buClr>
-                <a:schemeClr val="dk1"/>
-              </a:buClr>
-              <a:buSzPts val="1400"/>
-              <a:buFont typeface="Microsoft JhengHei"/>
-              <a:buAutoNum type="arabicPeriod"/>
-            </a:pPr>
-            <a:r>
-              <a:rPr lang="en-US" altLang="zh-TW" sz="2400" b="0" i="0" dirty="0">
-                <a:effectLst/>
-                <a:latin typeface="Arial" panose="020B0604020202020204" pitchFamily="34" charset="0"/>
-              </a:rPr>
-              <a:t>Conclusion</a:t>
-            </a:r>
-          </a:p>
-        </p:txBody>
-      </p:sp>
-      <p:sp>
-        <p:nvSpPr>
-          <p:cNvPr id="2" name="Google Shape;142;p26">
-            <a:extLst>
-              <a:ext uri="{FF2B5EF4-FFF2-40B4-BE49-F238E27FC236}">
-                <a16:creationId xmlns:a16="http://schemas.microsoft.com/office/drawing/2014/main" id="{21BBB644-8418-CDD5-746A-A2C07F0D514F}"/>
-              </a:ext>
-            </a:extLst>
-          </p:cNvPr>
-          <p:cNvSpPr txBox="1"/>
-          <p:nvPr/>
-        </p:nvSpPr>
-        <p:spPr>
-          <a:xfrm>
-            <a:off x="6709464" y="4919588"/>
-            <a:ext cx="2369472" cy="238497"/>
-          </a:xfrm>
-          <a:prstGeom prst="rect">
-            <a:avLst/>
-          </a:prstGeom>
-          <a:noFill/>
-          <a:ln>
-            <a:noFill/>
-          </a:ln>
-        </p:spPr>
-        <p:txBody>
-          <a:bodyPr spcFirstLastPara="1" wrap="square" lIns="68575" tIns="34275" rIns="68575" bIns="34275" anchor="t" anchorCtr="0">
-            <a:spAutoFit/>
-          </a:bodyPr>
-          <a:lstStyle/>
-          <a:p>
-            <a:pPr algn="r"/>
-            <a:r>
-              <a:rPr lang="en-US" altLang="zh-TW" sz="1100" dirty="0">
-                <a:solidFill>
-                  <a:srgbClr val="A5A5A5"/>
-                </a:solidFill>
-                <a:latin typeface="Consolas"/>
-                <a:ea typeface="Consolas"/>
-                <a:cs typeface="Consolas"/>
-                <a:sym typeface="Consolas"/>
-              </a:rPr>
-              <a:t>NTUST</a:t>
-            </a:r>
-            <a:r>
-              <a:rPr lang="zh-TW" altLang="en-US" sz="1100" dirty="0">
-                <a:solidFill>
-                  <a:srgbClr val="A5A5A5"/>
-                </a:solidFill>
-                <a:latin typeface="Consolas"/>
-                <a:ea typeface="Consolas"/>
-                <a:cs typeface="Consolas"/>
-                <a:sym typeface="Consolas"/>
-              </a:rPr>
-              <a:t>  </a:t>
-            </a:r>
-            <a:r>
-              <a:rPr lang="en-US" altLang="zh-TW" sz="1100" dirty="0" err="1">
-                <a:solidFill>
-                  <a:srgbClr val="A5A5A5"/>
-                </a:solidFill>
-                <a:latin typeface="Consolas"/>
-                <a:ea typeface="Consolas"/>
-                <a:cs typeface="Consolas"/>
-                <a:sym typeface="Consolas"/>
-              </a:rPr>
-              <a:t>GAMELab</a:t>
-            </a:r>
-            <a:r>
-              <a:rPr lang="en-US" altLang="zh-TW" sz="1100" dirty="0">
-                <a:solidFill>
-                  <a:srgbClr val="A5A5A5"/>
-                </a:solidFill>
-                <a:latin typeface="Consolas"/>
-                <a:ea typeface="Consolas"/>
-                <a:cs typeface="Consolas"/>
-                <a:sym typeface="Consolas"/>
-              </a:rPr>
-              <a:t> cs.CV cs.CL</a:t>
-            </a:r>
-          </a:p>
-        </p:txBody>
-      </p:sp>
-    </p:spTree>
-  </p:cSld>
-  <p:clrMapOvr>
-    <a:masterClrMapping/>
-  </p:clrMapOvr>
-  <p:transition spd="slow">
-    <p:push/>
-  </p:transition>
-</p:sld>
-</file>
-
-<file path=ppt/slides/slide20.xml><?xml version="1.0" encoding="utf-8"?>
-<p:sld xmlns:a="http://schemas.openxmlformats.org/drawingml/2006/main" xmlns:r="http://schemas.openxmlformats.org/officeDocument/2006/relationships" xmlns:p="http://schemas.openxmlformats.org/presentationml/2006/main">
-  <p:cSld>
-    <p:spTree>
-      <p:nvGrpSpPr>
-        <p:cNvPr id="1" name="Shape 139"/>
-        <p:cNvGrpSpPr/>
-        <p:nvPr/>
-      </p:nvGrpSpPr>
-      <p:grpSpPr>
-        <a:xfrm>
-          <a:off x="0" y="0"/>
-          <a:ext cx="0" cy="0"/>
-          <a:chOff x="0" y="0"/>
-          <a:chExt cx="0" cy="0"/>
-        </a:xfrm>
-      </p:grpSpPr>
-      <p:cxnSp>
-        <p:nvCxnSpPr>
-          <p:cNvPr id="140" name="Google Shape;140;p26"/>
-          <p:cNvCxnSpPr/>
-          <p:nvPr/>
-        </p:nvCxnSpPr>
-        <p:spPr>
-          <a:xfrm rot="10800000">
-            <a:off x="471906" y="672952"/>
-            <a:ext cx="8200200" cy="0"/>
-          </a:xfrm>
-          <a:prstGeom prst="straightConnector1">
-            <a:avLst/>
-          </a:prstGeom>
-          <a:noFill/>
-          <a:ln w="38100" cap="flat" cmpd="sng">
-            <a:solidFill>
-              <a:srgbClr val="08244A"/>
-            </a:solidFill>
-            <a:prstDash val="solid"/>
-            <a:miter lim="800000"/>
-            <a:headEnd type="none" w="sm" len="sm"/>
-            <a:tailEnd type="none" w="sm" len="sm"/>
-          </a:ln>
-        </p:spPr>
-      </p:cxnSp>
-      <p:sp>
-        <p:nvSpPr>
-          <p:cNvPr id="141" name="Google Shape;141;p26"/>
-          <p:cNvSpPr txBox="1"/>
-          <p:nvPr/>
-        </p:nvSpPr>
-        <p:spPr>
-          <a:xfrm>
-            <a:off x="4312990" y="4919588"/>
-            <a:ext cx="518100" cy="238500"/>
-          </a:xfrm>
-          <a:prstGeom prst="rect">
-            <a:avLst/>
-          </a:prstGeom>
-          <a:solidFill>
-            <a:srgbClr val="08244A"/>
-          </a:solidFill>
-          <a:ln>
-            <a:noFill/>
-          </a:ln>
-        </p:spPr>
-        <p:txBody>
-          <a:bodyPr spcFirstLastPara="1" wrap="square" lIns="68575" tIns="34275" rIns="68575" bIns="34275" anchor="t" anchorCtr="0">
-            <a:spAutoFit/>
-          </a:bodyPr>
-          <a:lstStyle/>
-          <a:p>
-            <a:pPr marL="0" marR="0" lvl="0" indent="0" algn="ctr" rtl="0">
-              <a:spcBef>
-                <a:spcPts val="0"/>
-              </a:spcBef>
-              <a:spcAft>
-                <a:spcPts val="0"/>
-              </a:spcAft>
-              <a:buNone/>
-            </a:pPr>
-            <a:endParaRPr sz="1100">
-              <a:solidFill>
-                <a:schemeClr val="lt1"/>
-              </a:solidFill>
-              <a:latin typeface="Arial"/>
-              <a:ea typeface="Arial"/>
-              <a:cs typeface="Arial"/>
-              <a:sym typeface="Arial"/>
-            </a:endParaRPr>
-          </a:p>
-        </p:txBody>
-      </p:sp>
-      <p:sp>
-        <p:nvSpPr>
-          <p:cNvPr id="143" name="Google Shape;143;p26"/>
-          <p:cNvSpPr txBox="1">
-            <a:spLocks noGrp="1"/>
-          </p:cNvSpPr>
-          <p:nvPr>
-            <p:ph type="sldNum" idx="12"/>
-          </p:nvPr>
-        </p:nvSpPr>
-        <p:spPr>
-          <a:xfrm>
-            <a:off x="3543300" y="4904660"/>
-            <a:ext cx="2057400" cy="273900"/>
-          </a:xfrm>
-          <a:prstGeom prst="rect">
-            <a:avLst/>
-          </a:prstGeom>
-          <a:noFill/>
-          <a:ln>
-            <a:noFill/>
-          </a:ln>
-        </p:spPr>
-        <p:txBody>
-          <a:bodyPr spcFirstLastPara="1" wrap="square" lIns="68575" tIns="34275" rIns="68575" bIns="34275" anchor="ctr" anchorCtr="0">
-            <a:noAutofit/>
-          </a:bodyPr>
-          <a:lstStyle/>
-          <a:p>
-            <a:pPr marL="0" lvl="0" indent="0" algn="ctr" rtl="0">
-              <a:spcBef>
-                <a:spcPts val="0"/>
-              </a:spcBef>
-              <a:spcAft>
-                <a:spcPts val="0"/>
-              </a:spcAft>
-              <a:buNone/>
-            </a:pPr>
-            <a:fld id="{00000000-1234-1234-1234-123412341234}" type="slidenum">
-              <a:rPr lang="en-US" altLang="zh-TW" sz="1100"/>
-              <a:t>20</a:t>
+              <a:t>21</a:t>
             </a:fld>
             <a:endParaRPr sz="1100"/>
           </a:p>
@@ -30200,706 +31172,6 @@
     <p:extLst>
       <p:ext uri="{BB962C8B-B14F-4D97-AF65-F5344CB8AC3E}">
         <p14:creationId xmlns:p14="http://schemas.microsoft.com/office/powerpoint/2010/main" val="3860185481"/>
-      </p:ext>
-    </p:extLst>
-  </p:cSld>
-  <p:clrMapOvr>
-    <a:masterClrMapping/>
-  </p:clrMapOvr>
-  <p:transition spd="slow">
-    <p:push/>
-  </p:transition>
-</p:sld>
-</file>
-
-<file path=ppt/slides/slide21.xml><?xml version="1.0" encoding="utf-8"?>
-<p:sld xmlns:a="http://schemas.openxmlformats.org/drawingml/2006/main" xmlns:r="http://schemas.openxmlformats.org/officeDocument/2006/relationships" xmlns:p="http://schemas.openxmlformats.org/presentationml/2006/main">
-  <p:cSld>
-    <p:spTree>
-      <p:nvGrpSpPr>
-        <p:cNvPr id="1" name="Shape 139"/>
-        <p:cNvGrpSpPr/>
-        <p:nvPr/>
-      </p:nvGrpSpPr>
-      <p:grpSpPr>
-        <a:xfrm>
-          <a:off x="0" y="0"/>
-          <a:ext cx="0" cy="0"/>
-          <a:chOff x="0" y="0"/>
-          <a:chExt cx="0" cy="0"/>
-        </a:xfrm>
-      </p:grpSpPr>
-      <p:cxnSp>
-        <p:nvCxnSpPr>
-          <p:cNvPr id="140" name="Google Shape;140;p26"/>
-          <p:cNvCxnSpPr/>
-          <p:nvPr/>
-        </p:nvCxnSpPr>
-        <p:spPr>
-          <a:xfrm rot="10800000">
-            <a:off x="471906" y="672952"/>
-            <a:ext cx="8200200" cy="0"/>
-          </a:xfrm>
-          <a:prstGeom prst="straightConnector1">
-            <a:avLst/>
-          </a:prstGeom>
-          <a:noFill/>
-          <a:ln w="38100" cap="flat" cmpd="sng">
-            <a:solidFill>
-              <a:srgbClr val="08244A"/>
-            </a:solidFill>
-            <a:prstDash val="solid"/>
-            <a:miter lim="800000"/>
-            <a:headEnd type="none" w="sm" len="sm"/>
-            <a:tailEnd type="none" w="sm" len="sm"/>
-          </a:ln>
-        </p:spPr>
-      </p:cxnSp>
-      <p:sp>
-        <p:nvSpPr>
-          <p:cNvPr id="141" name="Google Shape;141;p26"/>
-          <p:cNvSpPr txBox="1"/>
-          <p:nvPr/>
-        </p:nvSpPr>
-        <p:spPr>
-          <a:xfrm>
-            <a:off x="4312990" y="4919588"/>
-            <a:ext cx="518100" cy="238500"/>
-          </a:xfrm>
-          <a:prstGeom prst="rect">
-            <a:avLst/>
-          </a:prstGeom>
-          <a:solidFill>
-            <a:srgbClr val="08244A"/>
-          </a:solidFill>
-          <a:ln>
-            <a:noFill/>
-          </a:ln>
-        </p:spPr>
-        <p:txBody>
-          <a:bodyPr spcFirstLastPara="1" wrap="square" lIns="68575" tIns="34275" rIns="68575" bIns="34275" anchor="t" anchorCtr="0">
-            <a:spAutoFit/>
-          </a:bodyPr>
-          <a:lstStyle/>
-          <a:p>
-            <a:pPr marL="0" marR="0" lvl="0" indent="0" algn="ctr" rtl="0">
-              <a:spcBef>
-                <a:spcPts val="0"/>
-              </a:spcBef>
-              <a:spcAft>
-                <a:spcPts val="0"/>
-              </a:spcAft>
-              <a:buNone/>
-            </a:pPr>
-            <a:endParaRPr sz="1100">
-              <a:solidFill>
-                <a:schemeClr val="lt1"/>
-              </a:solidFill>
-              <a:latin typeface="Arial"/>
-              <a:ea typeface="Arial"/>
-              <a:cs typeface="Arial"/>
-              <a:sym typeface="Arial"/>
-            </a:endParaRPr>
-          </a:p>
-        </p:txBody>
-      </p:sp>
-      <p:sp>
-        <p:nvSpPr>
-          <p:cNvPr id="143" name="Google Shape;143;p26"/>
-          <p:cNvSpPr txBox="1">
-            <a:spLocks noGrp="1"/>
-          </p:cNvSpPr>
-          <p:nvPr>
-            <p:ph type="sldNum" idx="12"/>
-          </p:nvPr>
-        </p:nvSpPr>
-        <p:spPr>
-          <a:xfrm>
-            <a:off x="3543300" y="4904660"/>
-            <a:ext cx="2057400" cy="273900"/>
-          </a:xfrm>
-          <a:prstGeom prst="rect">
-            <a:avLst/>
-          </a:prstGeom>
-          <a:noFill/>
-          <a:ln>
-            <a:noFill/>
-          </a:ln>
-        </p:spPr>
-        <p:txBody>
-          <a:bodyPr spcFirstLastPara="1" wrap="square" lIns="68575" tIns="34275" rIns="68575" bIns="34275" anchor="ctr" anchorCtr="0">
-            <a:noAutofit/>
-          </a:bodyPr>
-          <a:lstStyle/>
-          <a:p>
-            <a:pPr marL="0" lvl="0" indent="0" algn="ctr" rtl="0">
-              <a:spcBef>
-                <a:spcPts val="0"/>
-              </a:spcBef>
-              <a:spcAft>
-                <a:spcPts val="0"/>
-              </a:spcAft>
-              <a:buNone/>
-            </a:pPr>
-            <a:fld id="{00000000-1234-1234-1234-123412341234}" type="slidenum">
-              <a:rPr lang="en-US" altLang="zh-TW" sz="1100"/>
-              <a:t>21</a:t>
-            </a:fld>
-            <a:endParaRPr sz="1100"/>
-          </a:p>
-        </p:txBody>
-      </p:sp>
-      <p:sp>
-        <p:nvSpPr>
-          <p:cNvPr id="144" name="Google Shape;144;p26"/>
-          <p:cNvSpPr txBox="1"/>
-          <p:nvPr/>
-        </p:nvSpPr>
-        <p:spPr>
-          <a:xfrm>
-            <a:off x="192049" y="227204"/>
-            <a:ext cx="8759901" cy="376996"/>
-          </a:xfrm>
-          <a:prstGeom prst="rect">
-            <a:avLst/>
-          </a:prstGeom>
-          <a:noFill/>
-          <a:ln>
-            <a:noFill/>
-          </a:ln>
-        </p:spPr>
-        <p:txBody>
-          <a:bodyPr spcFirstLastPara="1" wrap="square" lIns="68575" tIns="34275" rIns="68575" bIns="34275" anchor="t" anchorCtr="0">
-            <a:spAutoFit/>
-          </a:bodyPr>
-          <a:lstStyle/>
-          <a:p>
-            <a:pPr marL="0" marR="0" lvl="0" indent="0" algn="l" rtl="0">
-              <a:spcBef>
-                <a:spcPts val="0"/>
-              </a:spcBef>
-              <a:spcAft>
-                <a:spcPts val="0"/>
-              </a:spcAft>
-              <a:buNone/>
-            </a:pPr>
-            <a:r>
-              <a:rPr lang="en-US" sz="2000" b="1" dirty="0">
-                <a:solidFill>
-                  <a:srgbClr val="08244A"/>
-                </a:solidFill>
-                <a:latin typeface="Microsoft JhengHei"/>
-                <a:ea typeface="Microsoft JhengHei"/>
-                <a:cs typeface="Microsoft JhengHei"/>
-                <a:sym typeface="Microsoft JhengHei"/>
-              </a:rPr>
-              <a:t>Results and Analysis</a:t>
-            </a:r>
-            <a:r>
-              <a:rPr lang="en-US" altLang="zh-TW" sz="2000" b="1" dirty="0">
-                <a:solidFill>
-                  <a:srgbClr val="08244A"/>
-                </a:solidFill>
-                <a:latin typeface="Microsoft JhengHei"/>
-                <a:ea typeface="Microsoft JhengHei"/>
-                <a:cs typeface="Microsoft JhengHei"/>
-                <a:sym typeface="Microsoft JhengHei"/>
-              </a:rPr>
-              <a:t>-Training Protocol and Model Selection </a:t>
-            </a:r>
-            <a:endParaRPr lang="en-US" sz="2000" b="1" dirty="0">
-              <a:solidFill>
-                <a:srgbClr val="08244A"/>
-              </a:solidFill>
-              <a:latin typeface="Microsoft JhengHei"/>
-              <a:ea typeface="Microsoft JhengHei"/>
-              <a:cs typeface="Microsoft JhengHei"/>
-              <a:sym typeface="Microsoft JhengHei"/>
-            </a:endParaRPr>
-          </a:p>
-        </p:txBody>
-      </p:sp>
-      <p:sp>
-        <p:nvSpPr>
-          <p:cNvPr id="145" name="Google Shape;145;p26"/>
-          <p:cNvSpPr txBox="1"/>
-          <p:nvPr/>
-        </p:nvSpPr>
-        <p:spPr>
-          <a:xfrm>
-            <a:off x="471900" y="736201"/>
-            <a:ext cx="7422300" cy="369300"/>
-          </a:xfrm>
-          <a:prstGeom prst="rect">
-            <a:avLst/>
-          </a:prstGeom>
-          <a:noFill/>
-          <a:ln>
-            <a:noFill/>
-          </a:ln>
-        </p:spPr>
-        <p:txBody>
-          <a:bodyPr spcFirstLastPara="1" wrap="square" lIns="91425" tIns="91425" rIns="91425" bIns="91425" anchor="t" anchorCtr="0">
-            <a:spAutoFit/>
-          </a:bodyPr>
-          <a:lstStyle/>
-          <a:p>
-            <a:pPr marL="0" lvl="0" indent="0" algn="l" rtl="0">
-              <a:spcBef>
-                <a:spcPts val="0"/>
-              </a:spcBef>
-              <a:spcAft>
-                <a:spcPts val="0"/>
-              </a:spcAft>
-              <a:buNone/>
-            </a:pPr>
-            <a:endParaRPr sz="1200" b="1">
-              <a:solidFill>
-                <a:schemeClr val="dk1"/>
-              </a:solidFill>
-              <a:latin typeface="Microsoft JhengHei"/>
-              <a:ea typeface="Microsoft JhengHei"/>
-              <a:cs typeface="Microsoft JhengHei"/>
-              <a:sym typeface="Microsoft JhengHei"/>
-            </a:endParaRPr>
-          </a:p>
-        </p:txBody>
-      </p:sp>
-      <p:sp>
-        <p:nvSpPr>
-          <p:cNvPr id="2" name="Google Shape;142;p26">
-            <a:extLst>
-              <a:ext uri="{FF2B5EF4-FFF2-40B4-BE49-F238E27FC236}">
-                <a16:creationId xmlns:a16="http://schemas.microsoft.com/office/drawing/2014/main" id="{BD2CA0F0-1185-B7F8-E484-D2CD6776F4DB}"/>
-              </a:ext>
-            </a:extLst>
-          </p:cNvPr>
-          <p:cNvSpPr txBox="1"/>
-          <p:nvPr/>
-        </p:nvSpPr>
-        <p:spPr>
-          <a:xfrm>
-            <a:off x="6709464" y="4919588"/>
-            <a:ext cx="2369472" cy="238497"/>
-          </a:xfrm>
-          <a:prstGeom prst="rect">
-            <a:avLst/>
-          </a:prstGeom>
-          <a:noFill/>
-          <a:ln>
-            <a:noFill/>
-          </a:ln>
-        </p:spPr>
-        <p:txBody>
-          <a:bodyPr spcFirstLastPara="1" wrap="square" lIns="68575" tIns="34275" rIns="68575" bIns="34275" anchor="t" anchorCtr="0">
-            <a:spAutoFit/>
-          </a:bodyPr>
-          <a:lstStyle/>
-          <a:p>
-            <a:pPr algn="r"/>
-            <a:r>
-              <a:rPr lang="en-US" altLang="zh-TW" sz="1100" dirty="0">
-                <a:solidFill>
-                  <a:srgbClr val="A5A5A5"/>
-                </a:solidFill>
-                <a:latin typeface="Consolas"/>
-                <a:ea typeface="Consolas"/>
-                <a:cs typeface="Consolas"/>
-                <a:sym typeface="Consolas"/>
-              </a:rPr>
-              <a:t>NTUST</a:t>
-            </a:r>
-            <a:r>
-              <a:rPr lang="zh-TW" altLang="en-US" sz="1100" dirty="0">
-                <a:solidFill>
-                  <a:srgbClr val="A5A5A5"/>
-                </a:solidFill>
-                <a:latin typeface="Consolas"/>
-                <a:ea typeface="Consolas"/>
-                <a:cs typeface="Consolas"/>
-                <a:sym typeface="Consolas"/>
-              </a:rPr>
-              <a:t>  </a:t>
-            </a:r>
-            <a:r>
-              <a:rPr lang="en-US" altLang="zh-TW" sz="1100" dirty="0" err="1">
-                <a:solidFill>
-                  <a:srgbClr val="A5A5A5"/>
-                </a:solidFill>
-                <a:latin typeface="Consolas"/>
-                <a:ea typeface="Consolas"/>
-                <a:cs typeface="Consolas"/>
-                <a:sym typeface="Consolas"/>
-              </a:rPr>
-              <a:t>GAMELab</a:t>
-            </a:r>
-            <a:r>
-              <a:rPr lang="en-US" altLang="zh-TW" sz="1100" dirty="0">
-                <a:solidFill>
-                  <a:srgbClr val="A5A5A5"/>
-                </a:solidFill>
-                <a:latin typeface="Consolas"/>
-                <a:ea typeface="Consolas"/>
-                <a:cs typeface="Consolas"/>
-                <a:sym typeface="Consolas"/>
-              </a:rPr>
-              <a:t> cs.CV cs.CL</a:t>
-            </a:r>
-          </a:p>
-        </p:txBody>
-      </p:sp>
-      <p:sp>
-        <p:nvSpPr>
-          <p:cNvPr id="5" name="Google Shape;146;p26">
-            <a:extLst>
-              <a:ext uri="{FF2B5EF4-FFF2-40B4-BE49-F238E27FC236}">
-                <a16:creationId xmlns:a16="http://schemas.microsoft.com/office/drawing/2014/main" id="{36C27F93-5C51-B613-7575-14C659EA0918}"/>
-              </a:ext>
-            </a:extLst>
-          </p:cNvPr>
-          <p:cNvSpPr txBox="1"/>
-          <p:nvPr/>
-        </p:nvSpPr>
-        <p:spPr>
-          <a:xfrm>
-            <a:off x="0" y="704577"/>
-            <a:ext cx="9078936" cy="4339619"/>
-          </a:xfrm>
-          <a:prstGeom prst="rect">
-            <a:avLst/>
-          </a:prstGeom>
-          <a:noFill/>
-          <a:ln>
-            <a:noFill/>
-          </a:ln>
-        </p:spPr>
-        <p:txBody>
-          <a:bodyPr spcFirstLastPara="1" wrap="square" lIns="91425" tIns="91425" rIns="91425" bIns="91425" anchor="t" anchorCtr="0">
-            <a:spAutoFit/>
-          </a:bodyPr>
-          <a:lstStyle/>
-          <a:p>
-            <a:pPr marL="596900" lvl="0" indent="-457200" algn="l" rtl="0">
-              <a:lnSpc>
-                <a:spcPct val="150000"/>
-              </a:lnSpc>
-              <a:spcBef>
-                <a:spcPts val="0"/>
-              </a:spcBef>
-              <a:spcAft>
-                <a:spcPts val="0"/>
-              </a:spcAft>
-              <a:buClr>
-                <a:schemeClr val="dk1"/>
-              </a:buClr>
-              <a:buSzPts val="1400"/>
-              <a:buFont typeface="+mj-lt"/>
-              <a:buAutoNum type="arabicPeriod"/>
-            </a:pPr>
-            <a:r>
-              <a:rPr lang="en-US" altLang="zh-TW" sz="1800" dirty="0">
-                <a:solidFill>
-                  <a:schemeClr val="tx1"/>
-                </a:solidFill>
-                <a:latin typeface="Microsoft JhengHei"/>
-                <a:ea typeface="Microsoft JhengHei"/>
-                <a:cs typeface="Microsoft JhengHei"/>
-                <a:sym typeface="Microsoft JhengHei"/>
-              </a:rPr>
-              <a:t>batch size of 384</a:t>
-            </a:r>
-          </a:p>
-          <a:p>
-            <a:pPr marL="596900" lvl="0" indent="-457200" algn="l" rtl="0">
-              <a:lnSpc>
-                <a:spcPct val="150000"/>
-              </a:lnSpc>
-              <a:spcBef>
-                <a:spcPts val="0"/>
-              </a:spcBef>
-              <a:spcAft>
-                <a:spcPts val="0"/>
-              </a:spcAft>
-              <a:buClr>
-                <a:schemeClr val="dk1"/>
-              </a:buClr>
-              <a:buSzPts val="1400"/>
-              <a:buFont typeface="+mj-lt"/>
-              <a:buAutoNum type="arabicPeriod"/>
-            </a:pPr>
-            <a:r>
-              <a:rPr lang="en-US" altLang="zh-TW" sz="1800" dirty="0">
-                <a:solidFill>
-                  <a:schemeClr val="tx1"/>
-                </a:solidFill>
-                <a:latin typeface="Microsoft JhengHei"/>
-                <a:ea typeface="Microsoft JhengHei"/>
-                <a:cs typeface="Microsoft JhengHei"/>
-                <a:sym typeface="Microsoft JhengHei"/>
-              </a:rPr>
-              <a:t>169,680 iterations</a:t>
-            </a:r>
-          </a:p>
-          <a:p>
-            <a:pPr marL="596900" indent="-457200">
-              <a:lnSpc>
-                <a:spcPct val="150000"/>
-              </a:lnSpc>
-              <a:buClr>
-                <a:schemeClr val="dk1"/>
-              </a:buClr>
-              <a:buSzPts val="1400"/>
-              <a:buFont typeface="+mj-lt"/>
-              <a:buAutoNum type="arabicPeriod"/>
-            </a:pPr>
-            <a:r>
-              <a:rPr lang="en-US" altLang="zh-TW" sz="1800" dirty="0">
-                <a:solidFill>
-                  <a:schemeClr val="tx1"/>
-                </a:solidFill>
-                <a:latin typeface="Microsoft JhengHei"/>
-                <a:ea typeface="Microsoft JhengHei"/>
-                <a:cs typeface="Microsoft JhengHei"/>
-                <a:sym typeface="Microsoft JhengHei"/>
-              </a:rPr>
-              <a:t>Adam with 1 cycle learning rate schedule</a:t>
-            </a:r>
-          </a:p>
-          <a:p>
-            <a:pPr marL="596900" lvl="0" indent="-457200" algn="l" rtl="0">
-              <a:lnSpc>
-                <a:spcPct val="150000"/>
-              </a:lnSpc>
-              <a:spcBef>
-                <a:spcPts val="0"/>
-              </a:spcBef>
-              <a:spcAft>
-                <a:spcPts val="0"/>
-              </a:spcAft>
-              <a:buClr>
-                <a:schemeClr val="dk1"/>
-              </a:buClr>
-              <a:buSzPts val="1400"/>
-              <a:buFont typeface="+mj-lt"/>
-              <a:buAutoNum type="arabicPeriod"/>
-            </a:pPr>
-            <a:r>
-              <a:rPr lang="en-US" altLang="zh-TW" sz="1800" dirty="0">
-                <a:solidFill>
-                  <a:schemeClr val="tx1"/>
-                </a:solidFill>
-                <a:latin typeface="Microsoft JhengHei"/>
-                <a:ea typeface="Microsoft JhengHei"/>
-                <a:cs typeface="Microsoft JhengHei"/>
-                <a:sym typeface="Microsoft JhengHei"/>
-              </a:rPr>
-              <a:t>At iteration 127,260 (75% of total) -&gt; Stochastic Weight Averaging</a:t>
-            </a:r>
-          </a:p>
-          <a:p>
-            <a:pPr marL="596900" lvl="0" indent="-457200" algn="l" rtl="0">
-              <a:lnSpc>
-                <a:spcPct val="150000"/>
-              </a:lnSpc>
-              <a:spcBef>
-                <a:spcPts val="0"/>
-              </a:spcBef>
-              <a:spcAft>
-                <a:spcPts val="0"/>
-              </a:spcAft>
-              <a:buClr>
-                <a:schemeClr val="dk1"/>
-              </a:buClr>
-              <a:buSzPts val="1400"/>
-              <a:buFont typeface="+mj-lt"/>
-              <a:buAutoNum type="arabicPeriod"/>
-            </a:pPr>
-            <a:r>
-              <a:rPr lang="en-US" altLang="zh-TW" sz="1800" dirty="0">
-                <a:solidFill>
-                  <a:schemeClr val="tx1"/>
-                </a:solidFill>
-                <a:latin typeface="Microsoft JhengHei"/>
-                <a:ea typeface="Microsoft JhengHei"/>
-                <a:cs typeface="Microsoft JhengHei"/>
-                <a:sym typeface="Microsoft JhengHei"/>
-              </a:rPr>
-              <a:t>K= 6 permutations</a:t>
-            </a:r>
-          </a:p>
-          <a:p>
-            <a:pPr marL="596900" lvl="0" indent="-457200" algn="l" rtl="0">
-              <a:lnSpc>
-                <a:spcPct val="150000"/>
-              </a:lnSpc>
-              <a:spcBef>
-                <a:spcPts val="0"/>
-              </a:spcBef>
-              <a:spcAft>
-                <a:spcPts val="0"/>
-              </a:spcAft>
-              <a:buClr>
-                <a:schemeClr val="dk1"/>
-              </a:buClr>
-              <a:buSzPts val="1400"/>
-              <a:buFont typeface="+mj-lt"/>
-              <a:buAutoNum type="arabicPeriod"/>
-            </a:pPr>
-            <a:r>
-              <a:rPr lang="en-US" altLang="zh-TW" sz="1800" dirty="0">
-                <a:solidFill>
-                  <a:schemeClr val="tx1"/>
-                </a:solidFill>
-                <a:latin typeface="Microsoft JhengHei"/>
-                <a:ea typeface="Microsoft JhengHei"/>
-                <a:cs typeface="Microsoft JhengHei"/>
-                <a:sym typeface="Microsoft JhengHei"/>
-              </a:rPr>
-              <a:t>patch size : 8×4</a:t>
-            </a:r>
-          </a:p>
-          <a:p>
-            <a:pPr marL="596900" lvl="0" indent="-457200" algn="l" rtl="0">
-              <a:lnSpc>
-                <a:spcPct val="150000"/>
-              </a:lnSpc>
-              <a:spcBef>
-                <a:spcPts val="0"/>
-              </a:spcBef>
-              <a:spcAft>
-                <a:spcPts val="0"/>
-              </a:spcAft>
-              <a:buClr>
-                <a:schemeClr val="dk1"/>
-              </a:buClr>
-              <a:buSzPts val="1400"/>
-              <a:buFont typeface="+mj-lt"/>
-              <a:buAutoNum type="arabicPeriod"/>
-            </a:pPr>
-            <a:r>
-              <a:rPr lang="en-US" altLang="zh-TW" sz="1800" dirty="0">
-                <a:solidFill>
-                  <a:schemeClr val="tx1"/>
-                </a:solidFill>
-                <a:latin typeface="Microsoft JhengHei"/>
-                <a:ea typeface="Microsoft JhengHei"/>
-                <a:cs typeface="Microsoft JhengHei"/>
-                <a:sym typeface="Microsoft JhengHei"/>
-              </a:rPr>
-              <a:t>label length T=  25</a:t>
-            </a:r>
-          </a:p>
-          <a:p>
-            <a:pPr marL="596900" lvl="0" indent="-457200" algn="l" rtl="0">
-              <a:lnSpc>
-                <a:spcPct val="150000"/>
-              </a:lnSpc>
-              <a:spcBef>
-                <a:spcPts val="0"/>
-              </a:spcBef>
-              <a:spcAft>
-                <a:spcPts val="0"/>
-              </a:spcAft>
-              <a:buClr>
-                <a:schemeClr val="dk1"/>
-              </a:buClr>
-              <a:buSzPts val="1400"/>
-              <a:buFont typeface="+mj-lt"/>
-              <a:buAutoNum type="arabicPeriod"/>
-            </a:pPr>
-            <a:r>
-              <a:rPr lang="en-US" altLang="zh-TW" sz="1800" dirty="0">
-                <a:solidFill>
-                  <a:schemeClr val="tx1"/>
-                </a:solidFill>
-                <a:latin typeface="Microsoft JhengHei"/>
-                <a:ea typeface="Microsoft JhengHei"/>
-                <a:cs typeface="Microsoft JhengHei"/>
-                <a:sym typeface="Microsoft JhengHei"/>
-              </a:rPr>
-              <a:t>charset size S=  94</a:t>
-            </a:r>
-          </a:p>
-          <a:p>
-            <a:pPr marL="596900" lvl="0" indent="-457200" algn="l" rtl="0">
-              <a:lnSpc>
-                <a:spcPct val="150000"/>
-              </a:lnSpc>
-              <a:spcBef>
-                <a:spcPts val="0"/>
-              </a:spcBef>
-              <a:spcAft>
-                <a:spcPts val="0"/>
-              </a:spcAft>
-              <a:buClr>
-                <a:schemeClr val="dk1"/>
-              </a:buClr>
-              <a:buSzPts val="1400"/>
-              <a:buFont typeface="+mj-lt"/>
-              <a:buAutoNum type="arabicPeriod"/>
-            </a:pPr>
-            <a:r>
-              <a:rPr lang="en-US" altLang="zh-TW" sz="1800" dirty="0" err="1">
-                <a:solidFill>
-                  <a:schemeClr val="tx1"/>
-                </a:solidFill>
-                <a:latin typeface="Microsoft JhengHei"/>
-                <a:ea typeface="Microsoft JhengHei"/>
-                <a:cs typeface="Microsoft JhengHei"/>
-                <a:sym typeface="Microsoft JhengHei"/>
-              </a:rPr>
-              <a:t>RandAugment</a:t>
-            </a:r>
-            <a:r>
-              <a:rPr lang="en-US" altLang="zh-TW" sz="1800" dirty="0">
-                <a:solidFill>
-                  <a:schemeClr val="tx1"/>
-                </a:solidFill>
-                <a:latin typeface="Microsoft JhengHei"/>
-                <a:ea typeface="Microsoft JhengHei"/>
-                <a:cs typeface="Microsoft JhengHei"/>
-                <a:sym typeface="Microsoft JhengHei"/>
-              </a:rPr>
-              <a:t> </a:t>
-            </a:r>
-          </a:p>
-          <a:p>
-            <a:pPr marL="596900" lvl="0" indent="-457200" algn="l" rtl="0">
-              <a:lnSpc>
-                <a:spcPct val="150000"/>
-              </a:lnSpc>
-              <a:spcBef>
-                <a:spcPts val="0"/>
-              </a:spcBef>
-              <a:spcAft>
-                <a:spcPts val="0"/>
-              </a:spcAft>
-              <a:buClr>
-                <a:schemeClr val="dk1"/>
-              </a:buClr>
-              <a:buSzPts val="1400"/>
-              <a:buFont typeface="+mj-lt"/>
-              <a:buAutoNum type="arabicPeriod"/>
-            </a:pPr>
-            <a:r>
-              <a:rPr lang="en-US" altLang="zh-TW" sz="1800" dirty="0">
-                <a:solidFill>
-                  <a:schemeClr val="tx1"/>
-                </a:solidFill>
-                <a:latin typeface="Microsoft JhengHei"/>
-                <a:ea typeface="Microsoft JhengHei"/>
-                <a:cs typeface="Microsoft JhengHei"/>
-                <a:sym typeface="Microsoft JhengHei"/>
-              </a:rPr>
-              <a:t>128×32 pixels</a:t>
-            </a:r>
-          </a:p>
-        </p:txBody>
-      </p:sp>
-    </p:spTree>
-    <p:extLst>
-      <p:ext uri="{BB962C8B-B14F-4D97-AF65-F5344CB8AC3E}">
-        <p14:creationId xmlns:p14="http://schemas.microsoft.com/office/powerpoint/2010/main" val="2253548662"/>
       </p:ext>
     </p:extLst>
   </p:cSld>
@@ -31057,8 +31329,8 @@
         </p:nvSpPr>
         <p:spPr>
           <a:xfrm>
-            <a:off x="384099" y="152134"/>
-            <a:ext cx="8759901" cy="438551"/>
+            <a:off x="192049" y="227204"/>
+            <a:ext cx="8759901" cy="376996"/>
           </a:xfrm>
           <a:prstGeom prst="rect">
             <a:avLst/>
@@ -31084,7 +31356,7 @@
               <a:buNone/>
             </a:pPr>
             <a:r>
-              <a:rPr lang="en-US" sz="2400" b="1" dirty="0">
+              <a:rPr lang="en-US" sz="2000" b="1" dirty="0">
                 <a:solidFill>
                   <a:srgbClr val="08244A"/>
                 </a:solidFill>
@@ -31096,7 +31368,7 @@
               <a:t>Results and Analysis</a:t>
             </a:r>
             <a:r>
-              <a:rPr lang="en-US" altLang="zh-TW" sz="2400" b="1" dirty="0">
+              <a:rPr lang="en-US" altLang="zh-TW" sz="2000" b="1" dirty="0">
                 <a:solidFill>
                   <a:srgbClr val="08244A"/>
                 </a:solidFill>
@@ -31105,9 +31377,9 @@
                 <a:cs typeface="Microsoft JhengHei"/>
                 <a:sym typeface="Microsoft JhengHei"/>
               </a:rPr>
-              <a:t>-Evaluation Protocol and Metrics </a:t>
-            </a:r>
-            <a:endParaRPr lang="en-US" sz="2400" b="1" dirty="0">
+              <a:t>-Training Protocol and Model Selection </a:t>
+            </a:r>
+            <a:endParaRPr lang="en-US" sz="2000" b="1" dirty="0">
               <a:solidFill>
                 <a:srgbClr val="08244A"/>
               </a:solidFill>
@@ -31262,8 +31534,8 @@
         </p:nvSpPr>
         <p:spPr>
           <a:xfrm>
-            <a:off x="0" y="687881"/>
-            <a:ext cx="9078936" cy="2031295"/>
+            <a:off x="0" y="704577"/>
+            <a:ext cx="9078936" cy="4339619"/>
           </a:xfrm>
           <a:prstGeom prst="rect">
             <a:avLst/>
@@ -31297,7 +31569,7 @@
               <a:buAutoNum type="arabicPeriod"/>
             </a:pPr>
             <a:r>
-              <a:rPr lang="pt-BR" altLang="zh-TW" sz="2000" dirty="0">
+              <a:rPr lang="en-US" altLang="zh-TW" sz="1800" dirty="0">
                 <a:solidFill>
                   <a:schemeClr val="tx1"/>
                 </a:solidFill>
@@ -31306,7 +31578,7 @@
                 <a:cs typeface="Microsoft JhengHei"/>
                 <a:sym typeface="Microsoft JhengHei"/>
               </a:rPr>
-              <a:t> NVIDIA Tesla A100 GPU system</a:t>
+              <a:t>batch size of 384</a:t>
             </a:r>
           </a:p>
           <a:p>
@@ -31328,7 +31600,7 @@
               <a:buAutoNum type="arabicPeriod"/>
             </a:pPr>
             <a:r>
-              <a:rPr lang="en-US" altLang="zh-TW" sz="2000" dirty="0" err="1">
+              <a:rPr lang="en-US" altLang="zh-TW" sz="1800" dirty="0">
                 <a:solidFill>
                   <a:schemeClr val="tx1"/>
                 </a:solidFill>
@@ -31337,10 +31609,23 @@
                 <a:cs typeface="Microsoft JhengHei"/>
                 <a:sym typeface="Microsoft JhengHei"/>
               </a:rPr>
-              <a:t>PARSeq</a:t>
-            </a:r>
-            <a:r>
-              <a:rPr lang="en-US" altLang="zh-TW" sz="2000" dirty="0">
+              <a:t>169,680 iterations</a:t>
+            </a:r>
+          </a:p>
+          <a:p>
+            <a:pPr marL="596900" indent="-457200">
+              <a:lnSpc>
+                <a:spcPct val="150000"/>
+              </a:lnSpc>
+              <a:buClr>
+                <a:schemeClr val="dk1"/>
+              </a:buClr>
+              <a:buSzPts val="1400"/>
+              <a:buFont typeface="+mj-lt"/>
+              <a:buAutoNum type="arabicPeriod"/>
+            </a:pPr>
+            <a:r>
+              <a:rPr lang="en-US" altLang="zh-TW" sz="1800" dirty="0">
                 <a:solidFill>
                   <a:schemeClr val="tx1"/>
                 </a:solidFill>
@@ -31349,10 +31634,29 @@
                 <a:cs typeface="Microsoft JhengHei"/>
                 <a:sym typeface="Microsoft JhengHei"/>
               </a:rPr>
-              <a:t> : using two different decoding schemes</a:t>
-            </a:r>
-            <a:br>
-              <a:rPr lang="en-US" altLang="zh-TW" sz="2000" dirty="0">
+              <a:t>Adam with 1 cycle learning rate schedule</a:t>
+            </a:r>
+          </a:p>
+          <a:p>
+            <a:pPr marL="596900" lvl="0" indent="-457200" algn="l" rtl="0">
+              <a:lnSpc>
+                <a:spcPct val="150000"/>
+              </a:lnSpc>
+              <a:spcBef>
+                <a:spcPts val="0"/>
+              </a:spcBef>
+              <a:spcAft>
+                <a:spcPts val="0"/>
+              </a:spcAft>
+              <a:buClr>
+                <a:schemeClr val="dk1"/>
+              </a:buClr>
+              <a:buSzPts val="1400"/>
+              <a:buFont typeface="+mj-lt"/>
+              <a:buAutoNum type="arabicPeriod"/>
+            </a:pPr>
+            <a:r>
+              <a:rPr lang="en-US" altLang="zh-TW" sz="1800" dirty="0">
                 <a:solidFill>
                   <a:schemeClr val="tx1"/>
                 </a:solidFill>
@@ -31361,9 +31665,29 @@
                 <a:cs typeface="Microsoft JhengHei"/>
                 <a:sym typeface="Microsoft JhengHei"/>
               </a:rPr>
-            </a:br>
-            <a:r>
-              <a:rPr lang="en-US" altLang="zh-TW" sz="2000" dirty="0" err="1">
+              <a:t>At iteration 127,260 (75% of total) -&gt; Stochastic Weight Averaging</a:t>
+            </a:r>
+          </a:p>
+          <a:p>
+            <a:pPr marL="596900" lvl="0" indent="-457200" algn="l" rtl="0">
+              <a:lnSpc>
+                <a:spcPct val="150000"/>
+              </a:lnSpc>
+              <a:spcBef>
+                <a:spcPts val="0"/>
+              </a:spcBef>
+              <a:spcAft>
+                <a:spcPts val="0"/>
+              </a:spcAft>
+              <a:buClr>
+                <a:schemeClr val="dk1"/>
+              </a:buClr>
+              <a:buSzPts val="1400"/>
+              <a:buFont typeface="+mj-lt"/>
+              <a:buAutoNum type="arabicPeriod"/>
+            </a:pPr>
+            <a:r>
+              <a:rPr lang="en-US" altLang="zh-TW" sz="1800" dirty="0">
                 <a:solidFill>
                   <a:schemeClr val="tx1"/>
                 </a:solidFill>
@@ -31372,10 +31696,29 @@
                 <a:cs typeface="Microsoft JhengHei"/>
                 <a:sym typeface="Microsoft JhengHei"/>
               </a:rPr>
-              <a:t>PARSeq</a:t>
-            </a:r>
-            <a:r>
-              <a:rPr lang="en-US" altLang="zh-TW" sz="1100" dirty="0" err="1">
+              <a:t>K= 6 permutations</a:t>
+            </a:r>
+          </a:p>
+          <a:p>
+            <a:pPr marL="596900" lvl="0" indent="-457200" algn="l" rtl="0">
+              <a:lnSpc>
+                <a:spcPct val="150000"/>
+              </a:lnSpc>
+              <a:spcBef>
+                <a:spcPts val="0"/>
+              </a:spcBef>
+              <a:spcAft>
+                <a:spcPts val="0"/>
+              </a:spcAft>
+              <a:buClr>
+                <a:schemeClr val="dk1"/>
+              </a:buClr>
+              <a:buSzPts val="1400"/>
+              <a:buFont typeface="+mj-lt"/>
+              <a:buAutoNum type="arabicPeriod"/>
+            </a:pPr>
+            <a:r>
+              <a:rPr lang="en-US" altLang="zh-TW" sz="1800" dirty="0">
                 <a:solidFill>
                   <a:schemeClr val="tx1"/>
                 </a:solidFill>
@@ -31384,10 +31727,29 @@
                 <a:cs typeface="Microsoft JhengHei"/>
                 <a:sym typeface="Microsoft JhengHei"/>
               </a:rPr>
-              <a:t>A</a:t>
-            </a:r>
-            <a:r>
-              <a:rPr lang="en-US" altLang="zh-TW" sz="2000" dirty="0">
+              <a:t>patch size : 8×4</a:t>
+            </a:r>
+          </a:p>
+          <a:p>
+            <a:pPr marL="596900" lvl="0" indent="-457200" algn="l" rtl="0">
+              <a:lnSpc>
+                <a:spcPct val="150000"/>
+              </a:lnSpc>
+              <a:spcBef>
+                <a:spcPts val="0"/>
+              </a:spcBef>
+              <a:spcAft>
+                <a:spcPts val="0"/>
+              </a:spcAft>
+              <a:buClr>
+                <a:schemeClr val="dk1"/>
+              </a:buClr>
+              <a:buSzPts val="1400"/>
+              <a:buFont typeface="+mj-lt"/>
+              <a:buAutoNum type="arabicPeriod"/>
+            </a:pPr>
+            <a:r>
+              <a:rPr lang="en-US" altLang="zh-TW" sz="1800" dirty="0">
                 <a:solidFill>
                   <a:schemeClr val="tx1"/>
                 </a:solidFill>
@@ -31396,10 +31758,29 @@
                 <a:cs typeface="Microsoft JhengHei"/>
                 <a:sym typeface="Microsoft JhengHei"/>
               </a:rPr>
-              <a:t> : denotes AR  decoding  with one refinement iteration</a:t>
-            </a:r>
-            <a:br>
-              <a:rPr lang="en-US" altLang="zh-TW" sz="2000" dirty="0">
+              <a:t>label length T=  25</a:t>
+            </a:r>
+          </a:p>
+          <a:p>
+            <a:pPr marL="596900" lvl="0" indent="-457200" algn="l" rtl="0">
+              <a:lnSpc>
+                <a:spcPct val="150000"/>
+              </a:lnSpc>
+              <a:spcBef>
+                <a:spcPts val="0"/>
+              </a:spcBef>
+              <a:spcAft>
+                <a:spcPts val="0"/>
+              </a:spcAft>
+              <a:buClr>
+                <a:schemeClr val="dk1"/>
+              </a:buClr>
+              <a:buSzPts val="1400"/>
+              <a:buFont typeface="+mj-lt"/>
+              <a:buAutoNum type="arabicPeriod"/>
+            </a:pPr>
+            <a:r>
+              <a:rPr lang="en-US" altLang="zh-TW" sz="1800" dirty="0">
                 <a:solidFill>
                   <a:schemeClr val="tx1"/>
                 </a:solidFill>
@@ -31408,9 +31789,29 @@
                 <a:cs typeface="Microsoft JhengHei"/>
                 <a:sym typeface="Microsoft JhengHei"/>
               </a:rPr>
-            </a:br>
-            <a:r>
-              <a:rPr lang="en-US" altLang="zh-TW" sz="2000" dirty="0" err="1">
+              <a:t>charset size S=  94</a:t>
+            </a:r>
+          </a:p>
+          <a:p>
+            <a:pPr marL="596900" lvl="0" indent="-457200" algn="l" rtl="0">
+              <a:lnSpc>
+                <a:spcPct val="150000"/>
+              </a:lnSpc>
+              <a:spcBef>
+                <a:spcPts val="0"/>
+              </a:spcBef>
+              <a:spcAft>
+                <a:spcPts val="0"/>
+              </a:spcAft>
+              <a:buClr>
+                <a:schemeClr val="dk1"/>
+              </a:buClr>
+              <a:buSzPts val="1400"/>
+              <a:buFont typeface="+mj-lt"/>
+              <a:buAutoNum type="arabicPeriod"/>
+            </a:pPr>
+            <a:r>
+              <a:rPr lang="en-US" altLang="zh-TW" sz="1800" dirty="0" err="1">
                 <a:solidFill>
                   <a:schemeClr val="tx1"/>
                 </a:solidFill>
@@ -31419,32 +31820,10 @@
                 <a:cs typeface="Microsoft JhengHei"/>
                 <a:sym typeface="Microsoft JhengHei"/>
               </a:rPr>
-              <a:t>PARSeq</a:t>
-            </a:r>
-            <a:r>
-              <a:rPr lang="en-US" altLang="zh-TW" sz="1100" dirty="0" err="1">
-                <a:solidFill>
-                  <a:schemeClr val="tx1"/>
-                </a:solidFill>
-                <a:latin typeface="Microsoft JhengHei"/>
-                <a:ea typeface="Microsoft JhengHei"/>
-                <a:sym typeface="Microsoft JhengHei"/>
-              </a:rPr>
-              <a:t>N</a:t>
-            </a:r>
-            <a:r>
-              <a:rPr lang="en-US" altLang="zh-TW" sz="1100" dirty="0">
-                <a:solidFill>
-                  <a:schemeClr val="tx1"/>
-                </a:solidFill>
-                <a:latin typeface="Microsoft JhengHei"/>
-                <a:ea typeface="Microsoft JhengHei"/>
-                <a:sym typeface="Microsoft JhengHei"/>
-              </a:rPr>
-              <a:t> </a:t>
-            </a:r>
-            <a:r>
-              <a:rPr lang="en-US" altLang="zh-TW" sz="2000" dirty="0">
+              <a:t>RandAugment</a:t>
+            </a:r>
+            <a:r>
+              <a:rPr lang="en-US" altLang="zh-TW" sz="1800" dirty="0">
                 <a:solidFill>
                   <a:schemeClr val="tx1"/>
                 </a:solidFill>
@@ -31453,45 +31832,46 @@
                 <a:cs typeface="Microsoft JhengHei"/>
                 <a:sym typeface="Microsoft JhengHei"/>
               </a:rPr>
-              <a:t>: denotes NAR decoding with two refinement iterations</a:t>
+              <a:t> </a:t>
+            </a:r>
+          </a:p>
+          <a:p>
+            <a:pPr marL="596900" lvl="0" indent="-457200" algn="l" rtl="0">
+              <a:lnSpc>
+                <a:spcPct val="150000"/>
+              </a:lnSpc>
+              <a:spcBef>
+                <a:spcPts val="0"/>
+              </a:spcBef>
+              <a:spcAft>
+                <a:spcPts val="0"/>
+              </a:spcAft>
+              <a:buClr>
+                <a:schemeClr val="dk1"/>
+              </a:buClr>
+              <a:buSzPts val="1400"/>
+              <a:buFont typeface="+mj-lt"/>
+              <a:buAutoNum type="arabicPeriod"/>
+            </a:pPr>
+            <a:r>
+              <a:rPr lang="en-US" altLang="zh-TW" sz="1800" dirty="0">
+                <a:solidFill>
+                  <a:schemeClr val="tx1"/>
+                </a:solidFill>
+                <a:latin typeface="Microsoft JhengHei"/>
+                <a:ea typeface="Microsoft JhengHei"/>
+                <a:cs typeface="Microsoft JhengHei"/>
+                <a:sym typeface="Microsoft JhengHei"/>
+              </a:rPr>
+              <a:t>128×32 pixels</a:t>
             </a:r>
           </a:p>
         </p:txBody>
       </p:sp>
-      <p:pic>
-        <p:nvPicPr>
-          <p:cNvPr id="4" name="圖片 3">
-            <a:extLst>
-              <a:ext uri="{FF2B5EF4-FFF2-40B4-BE49-F238E27FC236}">
-                <a16:creationId xmlns:a16="http://schemas.microsoft.com/office/drawing/2014/main" id="{3D56F1A0-4B07-1170-7B2C-9F7A6DB3D75D}"/>
-              </a:ext>
-            </a:extLst>
-          </p:cNvPr>
-          <p:cNvPicPr>
-            <a:picLocks noChangeAspect="1"/>
-          </p:cNvPicPr>
-          <p:nvPr/>
-        </p:nvPicPr>
-        <p:blipFill>
-          <a:blip r:embed="rId3"/>
-          <a:stretch>
-            <a:fillRect/>
-          </a:stretch>
-        </p:blipFill>
-        <p:spPr>
-          <a:xfrm>
-            <a:off x="5897104" y="3103451"/>
-            <a:ext cx="3006671" cy="1691091"/>
-          </a:xfrm>
-          <a:prstGeom prst="rect">
-            <a:avLst/>
-          </a:prstGeom>
-        </p:spPr>
-      </p:pic>
     </p:spTree>
     <p:extLst>
       <p:ext uri="{BB962C8B-B14F-4D97-AF65-F5344CB8AC3E}">
-        <p14:creationId xmlns:p14="http://schemas.microsoft.com/office/powerpoint/2010/main" val="192460981"/>
+        <p14:creationId xmlns:p14="http://schemas.microsoft.com/office/powerpoint/2010/main" val="2253548662"/>
       </p:ext>
     </p:extLst>
   </p:cSld>
@@ -31649,8 +32029,8 @@
         </p:nvSpPr>
         <p:spPr>
           <a:xfrm>
-            <a:off x="384099" y="209410"/>
-            <a:ext cx="8759901" cy="346218"/>
+            <a:off x="384099" y="152134"/>
+            <a:ext cx="8759901" cy="438551"/>
           </a:xfrm>
           <a:prstGeom prst="rect">
             <a:avLst/>
@@ -31676,7 +32056,7 @@
               <a:buNone/>
             </a:pPr>
             <a:r>
-              <a:rPr lang="en-US" sz="1800" b="1" dirty="0">
+              <a:rPr lang="en-US" sz="2400" b="1" dirty="0">
                 <a:solidFill>
                   <a:srgbClr val="08244A"/>
                 </a:solidFill>
@@ -31688,7 +32068,7 @@
               <a:t>Results and Analysis</a:t>
             </a:r>
             <a:r>
-              <a:rPr lang="en-US" altLang="zh-TW" sz="1800" b="1" dirty="0">
+              <a:rPr lang="en-US" altLang="zh-TW" sz="2400" b="1" dirty="0">
                 <a:solidFill>
                   <a:srgbClr val="08244A"/>
                 </a:solidFill>
@@ -31697,9 +32077,9 @@
                 <a:cs typeface="Microsoft JhengHei"/>
                 <a:sym typeface="Microsoft JhengHei"/>
               </a:rPr>
-              <a:t>-Ablation on training permutations vs test accuracy </a:t>
-            </a:r>
-            <a:endParaRPr lang="en-US" sz="1800" b="1" dirty="0">
+              <a:t>-Evaluation Protocol and Metrics </a:t>
+            </a:r>
+            <a:endParaRPr lang="en-US" sz="2400" b="1" dirty="0">
               <a:solidFill>
                 <a:srgbClr val="08244A"/>
               </a:solidFill>
@@ -31840,12 +32220,222 @@
           </a:p>
         </p:txBody>
       </p:sp>
+      <p:sp>
+        <p:nvSpPr>
+          <p:cNvPr id="5" name="Google Shape;146;p26">
+            <a:extLst>
+              <a:ext uri="{FF2B5EF4-FFF2-40B4-BE49-F238E27FC236}">
+                <a16:creationId xmlns:a16="http://schemas.microsoft.com/office/drawing/2014/main" id="{36C27F93-5C51-B613-7575-14C659EA0918}"/>
+              </a:ext>
+            </a:extLst>
+          </p:cNvPr>
+          <p:cNvSpPr txBox="1"/>
+          <p:nvPr/>
+        </p:nvSpPr>
+        <p:spPr>
+          <a:xfrm>
+            <a:off x="0" y="687881"/>
+            <a:ext cx="9078936" cy="2031295"/>
+          </a:xfrm>
+          <a:prstGeom prst="rect">
+            <a:avLst/>
+          </a:prstGeom>
+          <a:noFill/>
+          <a:ln>
+            <a:noFill/>
+          </a:ln>
+        </p:spPr>
+        <p:txBody>
+          <a:bodyPr spcFirstLastPara="1" wrap="square" lIns="91425" tIns="91425" rIns="91425" bIns="91425" anchor="t" anchorCtr="0">
+            <a:spAutoFit/>
+          </a:bodyPr>
+          <a:lstStyle/>
+          <a:p>
+            <a:pPr marL="596900" lvl="0" indent="-457200" algn="l" rtl="0">
+              <a:lnSpc>
+                <a:spcPct val="150000"/>
+              </a:lnSpc>
+              <a:spcBef>
+                <a:spcPts val="0"/>
+              </a:spcBef>
+              <a:spcAft>
+                <a:spcPts val="0"/>
+              </a:spcAft>
+              <a:buClr>
+                <a:schemeClr val="dk1"/>
+              </a:buClr>
+              <a:buSzPts val="1400"/>
+              <a:buFont typeface="+mj-lt"/>
+              <a:buAutoNum type="arabicPeriod"/>
+            </a:pPr>
+            <a:r>
+              <a:rPr lang="pt-BR" altLang="zh-TW" sz="2000" dirty="0">
+                <a:solidFill>
+                  <a:schemeClr val="tx1"/>
+                </a:solidFill>
+                <a:latin typeface="Microsoft JhengHei"/>
+                <a:ea typeface="Microsoft JhengHei"/>
+                <a:cs typeface="Microsoft JhengHei"/>
+                <a:sym typeface="Microsoft JhengHei"/>
+              </a:rPr>
+              <a:t> NVIDIA Tesla A100 GPU system</a:t>
+            </a:r>
+          </a:p>
+          <a:p>
+            <a:pPr marL="596900" lvl="0" indent="-457200" algn="l" rtl="0">
+              <a:lnSpc>
+                <a:spcPct val="150000"/>
+              </a:lnSpc>
+              <a:spcBef>
+                <a:spcPts val="0"/>
+              </a:spcBef>
+              <a:spcAft>
+                <a:spcPts val="0"/>
+              </a:spcAft>
+              <a:buClr>
+                <a:schemeClr val="dk1"/>
+              </a:buClr>
+              <a:buSzPts val="1400"/>
+              <a:buFont typeface="+mj-lt"/>
+              <a:buAutoNum type="arabicPeriod"/>
+            </a:pPr>
+            <a:r>
+              <a:rPr lang="en-US" altLang="zh-TW" sz="2000" dirty="0" err="1">
+                <a:solidFill>
+                  <a:schemeClr val="tx1"/>
+                </a:solidFill>
+                <a:latin typeface="Microsoft JhengHei"/>
+                <a:ea typeface="Microsoft JhengHei"/>
+                <a:cs typeface="Microsoft JhengHei"/>
+                <a:sym typeface="Microsoft JhengHei"/>
+              </a:rPr>
+              <a:t>PARSeq</a:t>
+            </a:r>
+            <a:r>
+              <a:rPr lang="en-US" altLang="zh-TW" sz="2000" dirty="0">
+                <a:solidFill>
+                  <a:schemeClr val="tx1"/>
+                </a:solidFill>
+                <a:latin typeface="Microsoft JhengHei"/>
+                <a:ea typeface="Microsoft JhengHei"/>
+                <a:cs typeface="Microsoft JhengHei"/>
+                <a:sym typeface="Microsoft JhengHei"/>
+              </a:rPr>
+              <a:t> : using two different decoding schemes</a:t>
+            </a:r>
+            <a:br>
+              <a:rPr lang="en-US" altLang="zh-TW" sz="2000" dirty="0">
+                <a:solidFill>
+                  <a:schemeClr val="tx1"/>
+                </a:solidFill>
+                <a:latin typeface="Microsoft JhengHei"/>
+                <a:ea typeface="Microsoft JhengHei"/>
+                <a:cs typeface="Microsoft JhengHei"/>
+                <a:sym typeface="Microsoft JhengHei"/>
+              </a:rPr>
+            </a:br>
+            <a:r>
+              <a:rPr lang="en-US" altLang="zh-TW" sz="2000" dirty="0" err="1">
+                <a:solidFill>
+                  <a:schemeClr val="tx1"/>
+                </a:solidFill>
+                <a:latin typeface="Microsoft JhengHei"/>
+                <a:ea typeface="Microsoft JhengHei"/>
+                <a:cs typeface="Microsoft JhengHei"/>
+                <a:sym typeface="Microsoft JhengHei"/>
+              </a:rPr>
+              <a:t>PARSeq</a:t>
+            </a:r>
+            <a:r>
+              <a:rPr lang="en-US" altLang="zh-TW" sz="1100" dirty="0" err="1">
+                <a:solidFill>
+                  <a:schemeClr val="tx1"/>
+                </a:solidFill>
+                <a:latin typeface="Microsoft JhengHei"/>
+                <a:ea typeface="Microsoft JhengHei"/>
+                <a:cs typeface="Microsoft JhengHei"/>
+                <a:sym typeface="Microsoft JhengHei"/>
+              </a:rPr>
+              <a:t>A</a:t>
+            </a:r>
+            <a:r>
+              <a:rPr lang="en-US" altLang="zh-TW" sz="2000" dirty="0">
+                <a:solidFill>
+                  <a:schemeClr val="tx1"/>
+                </a:solidFill>
+                <a:latin typeface="Microsoft JhengHei"/>
+                <a:ea typeface="Microsoft JhengHei"/>
+                <a:cs typeface="Microsoft JhengHei"/>
+                <a:sym typeface="Microsoft JhengHei"/>
+              </a:rPr>
+              <a:t> : denotes AR  decoding  with one refinement iteration</a:t>
+            </a:r>
+            <a:br>
+              <a:rPr lang="en-US" altLang="zh-TW" sz="2000" dirty="0">
+                <a:solidFill>
+                  <a:schemeClr val="tx1"/>
+                </a:solidFill>
+                <a:latin typeface="Microsoft JhengHei"/>
+                <a:ea typeface="Microsoft JhengHei"/>
+                <a:cs typeface="Microsoft JhengHei"/>
+                <a:sym typeface="Microsoft JhengHei"/>
+              </a:rPr>
+            </a:br>
+            <a:r>
+              <a:rPr lang="en-US" altLang="zh-TW" sz="2000" dirty="0" err="1">
+                <a:solidFill>
+                  <a:schemeClr val="tx1"/>
+                </a:solidFill>
+                <a:latin typeface="Microsoft JhengHei"/>
+                <a:ea typeface="Microsoft JhengHei"/>
+                <a:cs typeface="Microsoft JhengHei"/>
+                <a:sym typeface="Microsoft JhengHei"/>
+              </a:rPr>
+              <a:t>PARSeq</a:t>
+            </a:r>
+            <a:r>
+              <a:rPr lang="en-US" altLang="zh-TW" sz="1100" dirty="0" err="1">
+                <a:solidFill>
+                  <a:schemeClr val="tx1"/>
+                </a:solidFill>
+                <a:latin typeface="Microsoft JhengHei"/>
+                <a:ea typeface="Microsoft JhengHei"/>
+                <a:sym typeface="Microsoft JhengHei"/>
+              </a:rPr>
+              <a:t>N</a:t>
+            </a:r>
+            <a:r>
+              <a:rPr lang="en-US" altLang="zh-TW" sz="1100" dirty="0">
+                <a:solidFill>
+                  <a:schemeClr val="tx1"/>
+                </a:solidFill>
+                <a:latin typeface="Microsoft JhengHei"/>
+                <a:ea typeface="Microsoft JhengHei"/>
+                <a:sym typeface="Microsoft JhengHei"/>
+              </a:rPr>
+              <a:t> </a:t>
+            </a:r>
+            <a:r>
+              <a:rPr lang="en-US" altLang="zh-TW" sz="2000" dirty="0">
+                <a:solidFill>
+                  <a:schemeClr val="tx1"/>
+                </a:solidFill>
+                <a:latin typeface="Microsoft JhengHei"/>
+                <a:ea typeface="Microsoft JhengHei"/>
+                <a:cs typeface="Microsoft JhengHei"/>
+                <a:sym typeface="Microsoft JhengHei"/>
+              </a:rPr>
+              <a:t>: denotes NAR decoding with two refinement iterations</a:t>
+            </a:r>
+          </a:p>
+        </p:txBody>
+      </p:sp>
       <p:pic>
         <p:nvPicPr>
-          <p:cNvPr id="8" name="圖片 7">
+          <p:cNvPr id="4" name="圖片 3">
             <a:extLst>
               <a:ext uri="{FF2B5EF4-FFF2-40B4-BE49-F238E27FC236}">
-                <a16:creationId xmlns:a16="http://schemas.microsoft.com/office/drawing/2014/main" id="{E1646839-95B6-7288-ED51-9B2B9ECF32F4}"/>
+                <a16:creationId xmlns:a16="http://schemas.microsoft.com/office/drawing/2014/main" id="{3D56F1A0-4B07-1170-7B2C-9F7A6DB3D75D}"/>
               </a:ext>
             </a:extLst>
           </p:cNvPr>
@@ -31862,68 +32452,8 @@
         </p:blipFill>
         <p:spPr>
           <a:xfrm>
-            <a:off x="6199322" y="3324998"/>
-            <a:ext cx="2874936" cy="1579661"/>
-          </a:xfrm>
-          <a:prstGeom prst="rect">
-            <a:avLst/>
-          </a:prstGeom>
-        </p:spPr>
-      </p:pic>
-      <p:pic>
-        <p:nvPicPr>
-          <p:cNvPr id="4" name="圖片 3">
-            <a:extLst>
-              <a:ext uri="{FF2B5EF4-FFF2-40B4-BE49-F238E27FC236}">
-                <a16:creationId xmlns:a16="http://schemas.microsoft.com/office/drawing/2014/main" id="{A4347C43-F92D-52D6-43E2-7E2B1A8097B5}"/>
-              </a:ext>
-            </a:extLst>
-          </p:cNvPr>
-          <p:cNvPicPr>
-            <a:picLocks noChangeAspect="1"/>
-          </p:cNvPicPr>
-          <p:nvPr/>
-        </p:nvPicPr>
-        <p:blipFill>
-          <a:blip r:embed="rId4"/>
-          <a:stretch>
-            <a:fillRect/>
-          </a:stretch>
-        </p:blipFill>
-        <p:spPr>
-          <a:xfrm>
-            <a:off x="75554" y="951940"/>
-            <a:ext cx="6669110" cy="2373058"/>
-          </a:xfrm>
-          <a:prstGeom prst="rect">
-            <a:avLst/>
-          </a:prstGeom>
-        </p:spPr>
-      </p:pic>
-      <p:pic>
-        <p:nvPicPr>
-          <p:cNvPr id="9" name="圖片 8">
-            <a:extLst>
-              <a:ext uri="{FF2B5EF4-FFF2-40B4-BE49-F238E27FC236}">
-                <a16:creationId xmlns:a16="http://schemas.microsoft.com/office/drawing/2014/main" id="{70422153-72D2-3089-25F6-22A069CB8717}"/>
-              </a:ext>
-            </a:extLst>
-          </p:cNvPr>
-          <p:cNvPicPr>
-            <a:picLocks noChangeAspect="1"/>
-          </p:cNvPicPr>
-          <p:nvPr/>
-        </p:nvPicPr>
-        <p:blipFill>
-          <a:blip r:embed="rId5"/>
-          <a:stretch>
-            <a:fillRect/>
-          </a:stretch>
-        </p:blipFill>
-        <p:spPr>
-          <a:xfrm>
-            <a:off x="3425721" y="3421091"/>
-            <a:ext cx="2690033" cy="1512999"/>
+            <a:off x="5897104" y="3103451"/>
+            <a:ext cx="3006671" cy="1691091"/>
           </a:xfrm>
           <a:prstGeom prst="rect">
             <a:avLst/>
@@ -31933,7 +32463,7 @@
     </p:spTree>
     <p:extLst>
       <p:ext uri="{BB962C8B-B14F-4D97-AF65-F5344CB8AC3E}">
-        <p14:creationId xmlns:p14="http://schemas.microsoft.com/office/powerpoint/2010/main" val="2672905349"/>
+        <p14:creationId xmlns:p14="http://schemas.microsoft.com/office/powerpoint/2010/main" val="192460981"/>
       </p:ext>
     </p:extLst>
   </p:cSld>
@@ -32091,8 +32621,8 @@
         </p:nvSpPr>
         <p:spPr>
           <a:xfrm>
-            <a:off x="192049" y="8551"/>
-            <a:ext cx="8759901" cy="561662"/>
+            <a:off x="384099" y="209410"/>
+            <a:ext cx="8759901" cy="346218"/>
           </a:xfrm>
           <a:prstGeom prst="rect">
             <a:avLst/>
@@ -32118,7 +32648,7 @@
               <a:buNone/>
             </a:pPr>
             <a:r>
-              <a:rPr lang="en-US" sz="3200" b="1" dirty="0">
+              <a:rPr lang="en-US" sz="1800" b="1" dirty="0">
                 <a:solidFill>
                   <a:srgbClr val="08244A"/>
                 </a:solidFill>
@@ -32130,7 +32660,7 @@
               <a:t>Results and Analysis</a:t>
             </a:r>
             <a:r>
-              <a:rPr lang="zh-TW" altLang="en-US" sz="3200" b="1" dirty="0">
+              <a:rPr lang="en-US" altLang="zh-TW" sz="1800" b="1" dirty="0">
                 <a:solidFill>
                   <a:srgbClr val="08244A"/>
                 </a:solidFill>
@@ -32139,21 +32669,9 @@
                 <a:cs typeface="Microsoft JhengHei"/>
                 <a:sym typeface="Microsoft JhengHei"/>
               </a:rPr>
-              <a:t> </a:t>
-            </a:r>
-            <a:r>
-              <a:rPr lang="en-US" altLang="zh-TW" sz="3200" b="1" dirty="0">
-                <a:solidFill>
-                  <a:srgbClr val="08244A"/>
-                </a:solidFill>
-                <a:latin typeface="Microsoft JhengHei"/>
-                <a:ea typeface="Microsoft JhengHei"/>
-                <a:cs typeface="Microsoft JhengHei"/>
-                <a:sym typeface="Microsoft JhengHei"/>
-              </a:rPr>
-              <a:t>- Comparison to SOTA </a:t>
-            </a:r>
-            <a:endParaRPr lang="en-US" sz="3200" b="1" dirty="0">
+              <a:t>-Ablation on training permutations vs test accuracy </a:t>
+            </a:r>
+            <a:endParaRPr lang="en-US" sz="1800" b="1" dirty="0">
               <a:solidFill>
                 <a:srgbClr val="08244A"/>
               </a:solidFill>
@@ -32296,10 +32814,10 @@
       </p:sp>
       <p:pic>
         <p:nvPicPr>
-          <p:cNvPr id="4" name="圖片 3">
+          <p:cNvPr id="8" name="圖片 7">
             <a:extLst>
               <a:ext uri="{FF2B5EF4-FFF2-40B4-BE49-F238E27FC236}">
-                <a16:creationId xmlns:a16="http://schemas.microsoft.com/office/drawing/2014/main" id="{13E3CB55-B09F-44F0-DCDE-EDE22958D0CC}"/>
+                <a16:creationId xmlns:a16="http://schemas.microsoft.com/office/drawing/2014/main" id="{E1646839-95B6-7288-ED51-9B2B9ECF32F4}"/>
               </a:ext>
             </a:extLst>
           </p:cNvPr>
@@ -32316,209 +32834,78 @@
         </p:blipFill>
         <p:spPr>
           <a:xfrm>
-            <a:off x="3494219" y="881589"/>
-            <a:ext cx="5649781" cy="4037999"/>
+            <a:off x="6199322" y="3324998"/>
+            <a:ext cx="2874936" cy="1579661"/>
           </a:xfrm>
           <a:prstGeom prst="rect">
             <a:avLst/>
           </a:prstGeom>
         </p:spPr>
       </p:pic>
-      <p:sp>
-        <p:nvSpPr>
-          <p:cNvPr id="8" name="文字方塊 7">
+      <p:pic>
+        <p:nvPicPr>
+          <p:cNvPr id="4" name="圖片 3">
             <a:extLst>
               <a:ext uri="{FF2B5EF4-FFF2-40B4-BE49-F238E27FC236}">
-                <a16:creationId xmlns:a16="http://schemas.microsoft.com/office/drawing/2014/main" id="{1A09CAB4-1534-CE28-24A7-F488887FD629}"/>
+                <a16:creationId xmlns:a16="http://schemas.microsoft.com/office/drawing/2014/main" id="{A4347C43-F92D-52D6-43E2-7E2B1A8097B5}"/>
               </a:ext>
             </a:extLst>
           </p:cNvPr>
-          <p:cNvSpPr txBox="1"/>
+          <p:cNvPicPr>
+            <a:picLocks noChangeAspect="1"/>
+          </p:cNvPicPr>
           <p:nvPr/>
-        </p:nvSpPr>
-        <p:spPr>
-          <a:xfrm>
-            <a:off x="192049" y="1109100"/>
-            <a:ext cx="3202080" cy="2677656"/>
+        </p:nvPicPr>
+        <p:blipFill>
+          <a:blip r:embed="rId4"/>
+          <a:stretch>
+            <a:fillRect/>
+          </a:stretch>
+        </p:blipFill>
+        <p:spPr>
+          <a:xfrm>
+            <a:off x="75554" y="951940"/>
+            <a:ext cx="6669110" cy="2373058"/>
           </a:xfrm>
           <a:prstGeom prst="rect">
             <a:avLst/>
           </a:prstGeom>
-          <a:noFill/>
-        </p:spPr>
-        <p:txBody>
-          <a:bodyPr wrap="square">
-            <a:spAutoFit/>
-          </a:bodyPr>
-          <a:lstStyle/>
-          <a:p>
-            <a:r>
-              <a:rPr lang="en-US" altLang="zh-TW" b="0" i="0" dirty="0">
-                <a:effectLst/>
-                <a:latin typeface="Arial" panose="020B0604020202020204" pitchFamily="34" charset="0"/>
-              </a:rPr>
-              <a:t>Synthetic datasets (S) - MJ and ST</a:t>
-            </a:r>
-          </a:p>
-          <a:p>
-            <a:r>
-              <a:rPr lang="en-US" altLang="zh-TW" b="0" i="0" dirty="0">
-                <a:effectLst/>
-                <a:latin typeface="Arial" panose="020B0604020202020204" pitchFamily="34" charset="0"/>
-              </a:rPr>
-              <a:t>Benchmark datasets (B) - SVT, IIIT5k, IC13, and IC15 </a:t>
-            </a:r>
-          </a:p>
-          <a:p>
-            <a:r>
-              <a:rPr lang="en-US" altLang="zh-TW" b="0" i="0" dirty="0">
-                <a:effectLst/>
-                <a:latin typeface="Arial" panose="020B0604020202020204" pitchFamily="34" charset="0"/>
-              </a:rPr>
-              <a:t>Real datasets (R) - COCO, RCTW17, Uber, </a:t>
-            </a:r>
-            <a:r>
-              <a:rPr lang="en-US" altLang="zh-TW" b="0" i="0" dirty="0" err="1">
-                <a:effectLst/>
-                <a:latin typeface="Arial" panose="020B0604020202020204" pitchFamily="34" charset="0"/>
-              </a:rPr>
-              <a:t>ArT</a:t>
-            </a:r>
-            <a:r>
-              <a:rPr lang="en-US" altLang="zh-TW" b="0" i="0" dirty="0">
-                <a:effectLst/>
-                <a:latin typeface="Arial" panose="020B0604020202020204" pitchFamily="34" charset="0"/>
-              </a:rPr>
-              <a:t>, LSVT, MLT19, </a:t>
-            </a:r>
-            <a:r>
-              <a:rPr lang="en-US" altLang="zh-TW" b="0" i="0" dirty="0" err="1">
-                <a:effectLst/>
-                <a:latin typeface="Arial" panose="020B0604020202020204" pitchFamily="34" charset="0"/>
-              </a:rPr>
-              <a:t>ReCTS</a:t>
-            </a:r>
-            <a:r>
-              <a:rPr lang="en-US" altLang="zh-TW" b="0" i="0" dirty="0">
-                <a:effectLst/>
-                <a:latin typeface="Arial" panose="020B0604020202020204" pitchFamily="34" charset="0"/>
-              </a:rPr>
-              <a:t>, </a:t>
-            </a:r>
-            <a:r>
-              <a:rPr lang="en-US" altLang="zh-TW" b="0" i="0" dirty="0" err="1">
-                <a:effectLst/>
-                <a:latin typeface="Arial" panose="020B0604020202020204" pitchFamily="34" charset="0"/>
-              </a:rPr>
-              <a:t>TextOCR</a:t>
-            </a:r>
-            <a:r>
-              <a:rPr lang="en-US" altLang="zh-TW" b="0" i="0" dirty="0">
-                <a:effectLst/>
-                <a:latin typeface="Arial" panose="020B0604020202020204" pitchFamily="34" charset="0"/>
-              </a:rPr>
-              <a:t>, and </a:t>
-            </a:r>
-            <a:r>
-              <a:rPr lang="en-US" altLang="zh-TW" b="0" i="0" dirty="0" err="1">
-                <a:effectLst/>
-                <a:latin typeface="Arial" panose="020B0604020202020204" pitchFamily="34" charset="0"/>
-              </a:rPr>
-              <a:t>OpenVINO</a:t>
-            </a:r>
-            <a:endParaRPr lang="en-US" altLang="zh-TW" dirty="0">
-              <a:latin typeface="Arial" panose="020B0604020202020204" pitchFamily="34" charset="0"/>
-            </a:endParaRPr>
-          </a:p>
-          <a:p>
-            <a:r>
-              <a:rPr lang="en-US" altLang="zh-TW" dirty="0"/>
-              <a:t>”*” denotes usage of character-level labels</a:t>
-            </a:r>
-          </a:p>
-          <a:p>
-            <a:r>
-              <a:rPr lang="en-US" altLang="zh-TW" b="0" i="0" dirty="0">
-                <a:effectLst/>
-                <a:latin typeface="Arial" panose="020B0604020202020204" pitchFamily="34" charset="0"/>
-              </a:rPr>
-              <a:t>1</a:t>
-            </a:r>
-            <a:r>
-              <a:rPr lang="zh-TW" altLang="en-US" b="0" i="0" dirty="0">
-                <a:effectLst/>
-                <a:latin typeface="Arial" panose="020B0604020202020204" pitchFamily="34" charset="0"/>
-              </a:rPr>
-              <a:t> </a:t>
-            </a:r>
-            <a:r>
-              <a:rPr lang="en-US" altLang="zh-TW" b="0" i="0" dirty="0">
-                <a:effectLst/>
-                <a:latin typeface="Arial" panose="020B0604020202020204" pitchFamily="34" charset="0"/>
-              </a:rPr>
-              <a:t>Used with SCATTER </a:t>
-            </a:r>
-          </a:p>
-          <a:p>
-            <a:r>
-              <a:rPr lang="en-US" altLang="zh-TW" b="0" i="0" dirty="0">
-                <a:effectLst/>
-                <a:latin typeface="Arial" panose="020B0604020202020204" pitchFamily="34" charset="0"/>
-              </a:rPr>
-              <a:t>2</a:t>
-            </a:r>
-            <a:r>
-              <a:rPr lang="zh-TW" altLang="en-US" b="0" i="0" dirty="0">
-                <a:effectLst/>
-                <a:latin typeface="Arial" panose="020B0604020202020204" pitchFamily="34" charset="0"/>
-              </a:rPr>
-              <a:t> </a:t>
-            </a:r>
-            <a:r>
-              <a:rPr lang="en-US" altLang="zh-TW" b="0" i="0" dirty="0" err="1">
-                <a:effectLst/>
-                <a:latin typeface="Arial" panose="020B0604020202020204" pitchFamily="34" charset="0"/>
-              </a:rPr>
-              <a:t>SynthText</a:t>
-            </a:r>
-            <a:r>
-              <a:rPr lang="en-US" altLang="zh-TW" b="0" i="0" dirty="0">
-                <a:effectLst/>
-                <a:latin typeface="Arial" panose="020B0604020202020204" pitchFamily="34" charset="0"/>
-              </a:rPr>
-              <a:t> without special characters (5.5M samples).</a:t>
-            </a:r>
-          </a:p>
-          <a:p>
-            <a:r>
-              <a:rPr lang="en-US" altLang="zh-TW" b="0" i="0" dirty="0">
-                <a:effectLst/>
-                <a:latin typeface="Arial" panose="020B0604020202020204" pitchFamily="34" charset="0"/>
-              </a:rPr>
-              <a:t>3</a:t>
-            </a:r>
-            <a:r>
-              <a:rPr lang="zh-TW" altLang="en-US" b="0" i="0" dirty="0">
-                <a:effectLst/>
-                <a:latin typeface="Arial" panose="020B0604020202020204" pitchFamily="34" charset="0"/>
-              </a:rPr>
-              <a:t> </a:t>
-            </a:r>
-            <a:r>
-              <a:rPr lang="en-US" altLang="zh-TW" b="0" i="0" dirty="0">
-                <a:effectLst/>
-                <a:latin typeface="Arial" panose="020B0604020202020204" pitchFamily="34" charset="0"/>
-              </a:rPr>
-              <a:t>LM pretrained on WikiText-103</a:t>
-            </a:r>
-            <a:endParaRPr lang="zh-TW" altLang="en-US" dirty="0"/>
-          </a:p>
-        </p:txBody>
-      </p:sp>
+        </p:spPr>
+      </p:pic>
+      <p:pic>
+        <p:nvPicPr>
+          <p:cNvPr id="9" name="圖片 8">
+            <a:extLst>
+              <a:ext uri="{FF2B5EF4-FFF2-40B4-BE49-F238E27FC236}">
+                <a16:creationId xmlns:a16="http://schemas.microsoft.com/office/drawing/2014/main" id="{70422153-72D2-3089-25F6-22A069CB8717}"/>
+              </a:ext>
+            </a:extLst>
+          </p:cNvPr>
+          <p:cNvPicPr>
+            <a:picLocks noChangeAspect="1"/>
+          </p:cNvPicPr>
+          <p:nvPr/>
+        </p:nvPicPr>
+        <p:blipFill>
+          <a:blip r:embed="rId5"/>
+          <a:stretch>
+            <a:fillRect/>
+          </a:stretch>
+        </p:blipFill>
+        <p:spPr>
+          <a:xfrm>
+            <a:off x="3425721" y="3421091"/>
+            <a:ext cx="2690033" cy="1512999"/>
+          </a:xfrm>
+          <a:prstGeom prst="rect">
+            <a:avLst/>
+          </a:prstGeom>
+        </p:spPr>
+      </p:pic>
     </p:spTree>
     <p:extLst>
       <p:ext uri="{BB962C8B-B14F-4D97-AF65-F5344CB8AC3E}">
-        <p14:creationId xmlns:p14="http://schemas.microsoft.com/office/powerpoint/2010/main" val="1252108427"/>
+        <p14:creationId xmlns:p14="http://schemas.microsoft.com/office/powerpoint/2010/main" val="2672905349"/>
       </p:ext>
     </p:extLst>
   </p:cSld>
@@ -32881,10 +33268,10 @@
       </p:sp>
       <p:pic>
         <p:nvPicPr>
-          <p:cNvPr id="5" name="圖片 4">
+          <p:cNvPr id="4" name="圖片 3">
             <a:extLst>
               <a:ext uri="{FF2B5EF4-FFF2-40B4-BE49-F238E27FC236}">
-                <a16:creationId xmlns:a16="http://schemas.microsoft.com/office/drawing/2014/main" id="{219EFACE-ABAF-0A16-4498-3395F78E3926}"/>
+                <a16:creationId xmlns:a16="http://schemas.microsoft.com/office/drawing/2014/main" id="{13E3CB55-B09F-44F0-DCDE-EDE22958D0CC}"/>
               </a:ext>
             </a:extLst>
           </p:cNvPr>
@@ -32901,48 +33288,209 @@
         </p:blipFill>
         <p:spPr>
           <a:xfrm>
-            <a:off x="0" y="1732433"/>
-            <a:ext cx="4512993" cy="2123146"/>
+            <a:off x="3494219" y="881589"/>
+            <a:ext cx="5649781" cy="4037999"/>
           </a:xfrm>
           <a:prstGeom prst="rect">
             <a:avLst/>
           </a:prstGeom>
         </p:spPr>
       </p:pic>
-      <p:pic>
-        <p:nvPicPr>
-          <p:cNvPr id="7" name="圖片 6">
+      <p:sp>
+        <p:nvSpPr>
+          <p:cNvPr id="8" name="文字方塊 7">
             <a:extLst>
               <a:ext uri="{FF2B5EF4-FFF2-40B4-BE49-F238E27FC236}">
-                <a16:creationId xmlns:a16="http://schemas.microsoft.com/office/drawing/2014/main" id="{368C44C4-9F4F-714B-382A-3957507D51C5}"/>
+                <a16:creationId xmlns:a16="http://schemas.microsoft.com/office/drawing/2014/main" id="{1A09CAB4-1534-CE28-24A7-F488887FD629}"/>
               </a:ext>
             </a:extLst>
           </p:cNvPr>
-          <p:cNvPicPr>
-            <a:picLocks noChangeAspect="1"/>
-          </p:cNvPicPr>
+          <p:cNvSpPr txBox="1"/>
           <p:nvPr/>
-        </p:nvPicPr>
-        <p:blipFill>
-          <a:blip r:embed="rId4"/>
-          <a:stretch>
-            <a:fillRect/>
-          </a:stretch>
-        </p:blipFill>
-        <p:spPr>
-          <a:xfrm>
-            <a:off x="4671899" y="1665109"/>
-            <a:ext cx="4224967" cy="2327013"/>
+        </p:nvSpPr>
+        <p:spPr>
+          <a:xfrm>
+            <a:off x="192049" y="1109100"/>
+            <a:ext cx="3202080" cy="2677656"/>
           </a:xfrm>
           <a:prstGeom prst="rect">
             <a:avLst/>
           </a:prstGeom>
-        </p:spPr>
-      </p:pic>
+          <a:noFill/>
+        </p:spPr>
+        <p:txBody>
+          <a:bodyPr wrap="square">
+            <a:spAutoFit/>
+          </a:bodyPr>
+          <a:lstStyle/>
+          <a:p>
+            <a:r>
+              <a:rPr lang="en-US" altLang="zh-TW" b="0" i="0" dirty="0">
+                <a:effectLst/>
+                <a:latin typeface="Arial" panose="020B0604020202020204" pitchFamily="34" charset="0"/>
+              </a:rPr>
+              <a:t>Synthetic datasets (S) - MJ and ST</a:t>
+            </a:r>
+          </a:p>
+          <a:p>
+            <a:r>
+              <a:rPr lang="en-US" altLang="zh-TW" b="0" i="0" dirty="0">
+                <a:effectLst/>
+                <a:latin typeface="Arial" panose="020B0604020202020204" pitchFamily="34" charset="0"/>
+              </a:rPr>
+              <a:t>Benchmark datasets (B) - SVT, IIIT5k, IC13, and IC15 </a:t>
+            </a:r>
+          </a:p>
+          <a:p>
+            <a:r>
+              <a:rPr lang="en-US" altLang="zh-TW" b="0" i="0" dirty="0">
+                <a:effectLst/>
+                <a:latin typeface="Arial" panose="020B0604020202020204" pitchFamily="34" charset="0"/>
+              </a:rPr>
+              <a:t>Real datasets (R) - COCO, RCTW17, Uber, </a:t>
+            </a:r>
+            <a:r>
+              <a:rPr lang="en-US" altLang="zh-TW" b="0" i="0" dirty="0" err="1">
+                <a:effectLst/>
+                <a:latin typeface="Arial" panose="020B0604020202020204" pitchFamily="34" charset="0"/>
+              </a:rPr>
+              <a:t>ArT</a:t>
+            </a:r>
+            <a:r>
+              <a:rPr lang="en-US" altLang="zh-TW" b="0" i="0" dirty="0">
+                <a:effectLst/>
+                <a:latin typeface="Arial" panose="020B0604020202020204" pitchFamily="34" charset="0"/>
+              </a:rPr>
+              <a:t>, LSVT, MLT19, </a:t>
+            </a:r>
+            <a:r>
+              <a:rPr lang="en-US" altLang="zh-TW" b="0" i="0" dirty="0" err="1">
+                <a:effectLst/>
+                <a:latin typeface="Arial" panose="020B0604020202020204" pitchFamily="34" charset="0"/>
+              </a:rPr>
+              <a:t>ReCTS</a:t>
+            </a:r>
+            <a:r>
+              <a:rPr lang="en-US" altLang="zh-TW" b="0" i="0" dirty="0">
+                <a:effectLst/>
+                <a:latin typeface="Arial" panose="020B0604020202020204" pitchFamily="34" charset="0"/>
+              </a:rPr>
+              <a:t>, </a:t>
+            </a:r>
+            <a:r>
+              <a:rPr lang="en-US" altLang="zh-TW" b="0" i="0" dirty="0" err="1">
+                <a:effectLst/>
+                <a:latin typeface="Arial" panose="020B0604020202020204" pitchFamily="34" charset="0"/>
+              </a:rPr>
+              <a:t>TextOCR</a:t>
+            </a:r>
+            <a:r>
+              <a:rPr lang="en-US" altLang="zh-TW" b="0" i="0" dirty="0">
+                <a:effectLst/>
+                <a:latin typeface="Arial" panose="020B0604020202020204" pitchFamily="34" charset="0"/>
+              </a:rPr>
+              <a:t>, and </a:t>
+            </a:r>
+            <a:r>
+              <a:rPr lang="en-US" altLang="zh-TW" b="0" i="0" dirty="0" err="1">
+                <a:effectLst/>
+                <a:latin typeface="Arial" panose="020B0604020202020204" pitchFamily="34" charset="0"/>
+              </a:rPr>
+              <a:t>OpenVINO</a:t>
+            </a:r>
+            <a:endParaRPr lang="en-US" altLang="zh-TW" dirty="0">
+              <a:latin typeface="Arial" panose="020B0604020202020204" pitchFamily="34" charset="0"/>
+            </a:endParaRPr>
+          </a:p>
+          <a:p>
+            <a:r>
+              <a:rPr lang="en-US" altLang="zh-TW" dirty="0"/>
+              <a:t>”*” denotes usage of character-level labels</a:t>
+            </a:r>
+          </a:p>
+          <a:p>
+            <a:r>
+              <a:rPr lang="en-US" altLang="zh-TW" b="0" i="0" dirty="0">
+                <a:effectLst/>
+                <a:latin typeface="Arial" panose="020B0604020202020204" pitchFamily="34" charset="0"/>
+              </a:rPr>
+              <a:t>1</a:t>
+            </a:r>
+            <a:r>
+              <a:rPr lang="zh-TW" altLang="en-US" b="0" i="0" dirty="0">
+                <a:effectLst/>
+                <a:latin typeface="Arial" panose="020B0604020202020204" pitchFamily="34" charset="0"/>
+              </a:rPr>
+              <a:t> </a:t>
+            </a:r>
+            <a:r>
+              <a:rPr lang="en-US" altLang="zh-TW" b="0" i="0" dirty="0">
+                <a:effectLst/>
+                <a:latin typeface="Arial" panose="020B0604020202020204" pitchFamily="34" charset="0"/>
+              </a:rPr>
+              <a:t>Used with SCATTER </a:t>
+            </a:r>
+          </a:p>
+          <a:p>
+            <a:r>
+              <a:rPr lang="en-US" altLang="zh-TW" b="0" i="0" dirty="0">
+                <a:effectLst/>
+                <a:latin typeface="Arial" panose="020B0604020202020204" pitchFamily="34" charset="0"/>
+              </a:rPr>
+              <a:t>2</a:t>
+            </a:r>
+            <a:r>
+              <a:rPr lang="zh-TW" altLang="en-US" b="0" i="0" dirty="0">
+                <a:effectLst/>
+                <a:latin typeface="Arial" panose="020B0604020202020204" pitchFamily="34" charset="0"/>
+              </a:rPr>
+              <a:t> </a:t>
+            </a:r>
+            <a:r>
+              <a:rPr lang="en-US" altLang="zh-TW" b="0" i="0" dirty="0" err="1">
+                <a:effectLst/>
+                <a:latin typeface="Arial" panose="020B0604020202020204" pitchFamily="34" charset="0"/>
+              </a:rPr>
+              <a:t>SynthText</a:t>
+            </a:r>
+            <a:r>
+              <a:rPr lang="en-US" altLang="zh-TW" b="0" i="0" dirty="0">
+                <a:effectLst/>
+                <a:latin typeface="Arial" panose="020B0604020202020204" pitchFamily="34" charset="0"/>
+              </a:rPr>
+              <a:t> without special characters (5.5M samples).</a:t>
+            </a:r>
+          </a:p>
+          <a:p>
+            <a:r>
+              <a:rPr lang="en-US" altLang="zh-TW" b="0" i="0" dirty="0">
+                <a:effectLst/>
+                <a:latin typeface="Arial" panose="020B0604020202020204" pitchFamily="34" charset="0"/>
+              </a:rPr>
+              <a:t>3</a:t>
+            </a:r>
+            <a:r>
+              <a:rPr lang="zh-TW" altLang="en-US" b="0" i="0" dirty="0">
+                <a:effectLst/>
+                <a:latin typeface="Arial" panose="020B0604020202020204" pitchFamily="34" charset="0"/>
+              </a:rPr>
+              <a:t> </a:t>
+            </a:r>
+            <a:r>
+              <a:rPr lang="en-US" altLang="zh-TW" b="0" i="0" dirty="0">
+                <a:effectLst/>
+                <a:latin typeface="Arial" panose="020B0604020202020204" pitchFamily="34" charset="0"/>
+              </a:rPr>
+              <a:t>LM pretrained on WikiText-103</a:t>
+            </a:r>
+            <a:endParaRPr lang="zh-TW" altLang="en-US" dirty="0"/>
+          </a:p>
+        </p:txBody>
+      </p:sp>
     </p:spTree>
     <p:extLst>
       <p:ext uri="{BB962C8B-B14F-4D97-AF65-F5344CB8AC3E}">
-        <p14:creationId xmlns:p14="http://schemas.microsoft.com/office/powerpoint/2010/main" val="134887579"/>
+        <p14:creationId xmlns:p14="http://schemas.microsoft.com/office/powerpoint/2010/main" val="1252108427"/>
       </p:ext>
     </p:extLst>
   </p:cSld>
@@ -33305,6 +33853,430 @@
       </p:sp>
       <p:pic>
         <p:nvPicPr>
+          <p:cNvPr id="5" name="圖片 4">
+            <a:extLst>
+              <a:ext uri="{FF2B5EF4-FFF2-40B4-BE49-F238E27FC236}">
+                <a16:creationId xmlns:a16="http://schemas.microsoft.com/office/drawing/2014/main" id="{219EFACE-ABAF-0A16-4498-3395F78E3926}"/>
+              </a:ext>
+            </a:extLst>
+          </p:cNvPr>
+          <p:cNvPicPr>
+            <a:picLocks noChangeAspect="1"/>
+          </p:cNvPicPr>
+          <p:nvPr/>
+        </p:nvPicPr>
+        <p:blipFill>
+          <a:blip r:embed="rId3"/>
+          <a:stretch>
+            <a:fillRect/>
+          </a:stretch>
+        </p:blipFill>
+        <p:spPr>
+          <a:xfrm>
+            <a:off x="0" y="1665109"/>
+            <a:ext cx="4656098" cy="2190470"/>
+          </a:xfrm>
+          <a:prstGeom prst="rect">
+            <a:avLst/>
+          </a:prstGeom>
+        </p:spPr>
+      </p:pic>
+      <p:pic>
+        <p:nvPicPr>
+          <p:cNvPr id="7" name="圖片 6">
+            <a:extLst>
+              <a:ext uri="{FF2B5EF4-FFF2-40B4-BE49-F238E27FC236}">
+                <a16:creationId xmlns:a16="http://schemas.microsoft.com/office/drawing/2014/main" id="{368C44C4-9F4F-714B-382A-3957507D51C5}"/>
+              </a:ext>
+            </a:extLst>
+          </p:cNvPr>
+          <p:cNvPicPr>
+            <a:picLocks noChangeAspect="1"/>
+          </p:cNvPicPr>
+          <p:nvPr/>
+        </p:nvPicPr>
+        <p:blipFill>
+          <a:blip r:embed="rId4"/>
+          <a:stretch>
+            <a:fillRect/>
+          </a:stretch>
+        </p:blipFill>
+        <p:spPr>
+          <a:xfrm>
+            <a:off x="4768148" y="1617843"/>
+            <a:ext cx="4310788" cy="2374281"/>
+          </a:xfrm>
+          <a:prstGeom prst="rect">
+            <a:avLst/>
+          </a:prstGeom>
+        </p:spPr>
+      </p:pic>
+    </p:spTree>
+    <p:extLst>
+      <p:ext uri="{BB962C8B-B14F-4D97-AF65-F5344CB8AC3E}">
+        <p14:creationId xmlns:p14="http://schemas.microsoft.com/office/powerpoint/2010/main" val="134887579"/>
+      </p:ext>
+    </p:extLst>
+  </p:cSld>
+  <p:clrMapOvr>
+    <a:masterClrMapping/>
+  </p:clrMapOvr>
+  <p:transition spd="slow">
+    <p:push/>
+  </p:transition>
+</p:sld>
+</file>
+
+<file path=ppt/slides/slide27.xml><?xml version="1.0" encoding="utf-8"?>
+<p:sld xmlns:a="http://schemas.openxmlformats.org/drawingml/2006/main" xmlns:r="http://schemas.openxmlformats.org/officeDocument/2006/relationships" xmlns:p="http://schemas.openxmlformats.org/presentationml/2006/main">
+  <p:cSld>
+    <p:spTree>
+      <p:nvGrpSpPr>
+        <p:cNvPr id="1" name="Shape 139"/>
+        <p:cNvGrpSpPr/>
+        <p:nvPr/>
+      </p:nvGrpSpPr>
+      <p:grpSpPr>
+        <a:xfrm>
+          <a:off x="0" y="0"/>
+          <a:ext cx="0" cy="0"/>
+          <a:chOff x="0" y="0"/>
+          <a:chExt cx="0" cy="0"/>
+        </a:xfrm>
+      </p:grpSpPr>
+      <p:cxnSp>
+        <p:nvCxnSpPr>
+          <p:cNvPr id="140" name="Google Shape;140;p26"/>
+          <p:cNvCxnSpPr/>
+          <p:nvPr/>
+        </p:nvCxnSpPr>
+        <p:spPr>
+          <a:xfrm rot="10800000">
+            <a:off x="471906" y="672952"/>
+            <a:ext cx="8200200" cy="0"/>
+          </a:xfrm>
+          <a:prstGeom prst="straightConnector1">
+            <a:avLst/>
+          </a:prstGeom>
+          <a:noFill/>
+          <a:ln w="38100" cap="flat" cmpd="sng">
+            <a:solidFill>
+              <a:srgbClr val="08244A"/>
+            </a:solidFill>
+            <a:prstDash val="solid"/>
+            <a:miter lim="800000"/>
+            <a:headEnd type="none" w="sm" len="sm"/>
+            <a:tailEnd type="none" w="sm" len="sm"/>
+          </a:ln>
+        </p:spPr>
+      </p:cxnSp>
+      <p:sp>
+        <p:nvSpPr>
+          <p:cNvPr id="141" name="Google Shape;141;p26"/>
+          <p:cNvSpPr txBox="1"/>
+          <p:nvPr/>
+        </p:nvSpPr>
+        <p:spPr>
+          <a:xfrm>
+            <a:off x="4312990" y="4919588"/>
+            <a:ext cx="518100" cy="238500"/>
+          </a:xfrm>
+          <a:prstGeom prst="rect">
+            <a:avLst/>
+          </a:prstGeom>
+          <a:solidFill>
+            <a:srgbClr val="08244A"/>
+          </a:solidFill>
+          <a:ln>
+            <a:noFill/>
+          </a:ln>
+        </p:spPr>
+        <p:txBody>
+          <a:bodyPr spcFirstLastPara="1" wrap="square" lIns="68575" tIns="34275" rIns="68575" bIns="34275" anchor="t" anchorCtr="0">
+            <a:spAutoFit/>
+          </a:bodyPr>
+          <a:lstStyle/>
+          <a:p>
+            <a:pPr marL="0" marR="0" lvl="0" indent="0" algn="ctr" rtl="0">
+              <a:spcBef>
+                <a:spcPts val="0"/>
+              </a:spcBef>
+              <a:spcAft>
+                <a:spcPts val="0"/>
+              </a:spcAft>
+              <a:buNone/>
+            </a:pPr>
+            <a:endParaRPr sz="1100">
+              <a:solidFill>
+                <a:schemeClr val="lt1"/>
+              </a:solidFill>
+              <a:latin typeface="Arial"/>
+              <a:ea typeface="Arial"/>
+              <a:cs typeface="Arial"/>
+              <a:sym typeface="Arial"/>
+            </a:endParaRPr>
+          </a:p>
+        </p:txBody>
+      </p:sp>
+      <p:sp>
+        <p:nvSpPr>
+          <p:cNvPr id="143" name="Google Shape;143;p26"/>
+          <p:cNvSpPr txBox="1">
+            <a:spLocks noGrp="1"/>
+          </p:cNvSpPr>
+          <p:nvPr>
+            <p:ph type="sldNum" idx="12"/>
+          </p:nvPr>
+        </p:nvSpPr>
+        <p:spPr>
+          <a:xfrm>
+            <a:off x="3543300" y="4904660"/>
+            <a:ext cx="2057400" cy="273900"/>
+          </a:xfrm>
+          <a:prstGeom prst="rect">
+            <a:avLst/>
+          </a:prstGeom>
+          <a:noFill/>
+          <a:ln>
+            <a:noFill/>
+          </a:ln>
+        </p:spPr>
+        <p:txBody>
+          <a:bodyPr spcFirstLastPara="1" wrap="square" lIns="68575" tIns="34275" rIns="68575" bIns="34275" anchor="ctr" anchorCtr="0">
+            <a:noAutofit/>
+          </a:bodyPr>
+          <a:lstStyle/>
+          <a:p>
+            <a:pPr marL="0" lvl="0" indent="0" algn="ctr" rtl="0">
+              <a:spcBef>
+                <a:spcPts val="0"/>
+              </a:spcBef>
+              <a:spcAft>
+                <a:spcPts val="0"/>
+              </a:spcAft>
+              <a:buNone/>
+            </a:pPr>
+            <a:fld id="{00000000-1234-1234-1234-123412341234}" type="slidenum">
+              <a:rPr lang="en-US" altLang="zh-TW" sz="1100"/>
+              <a:t>27</a:t>
+            </a:fld>
+            <a:endParaRPr sz="1100"/>
+          </a:p>
+        </p:txBody>
+      </p:sp>
+      <p:sp>
+        <p:nvSpPr>
+          <p:cNvPr id="144" name="Google Shape;144;p26"/>
+          <p:cNvSpPr txBox="1"/>
+          <p:nvPr/>
+        </p:nvSpPr>
+        <p:spPr>
+          <a:xfrm>
+            <a:off x="192049" y="8551"/>
+            <a:ext cx="8759901" cy="561662"/>
+          </a:xfrm>
+          <a:prstGeom prst="rect">
+            <a:avLst/>
+          </a:prstGeom>
+          <a:noFill/>
+          <a:ln>
+            <a:noFill/>
+          </a:ln>
+        </p:spPr>
+        <p:txBody>
+          <a:bodyPr spcFirstLastPara="1" wrap="square" lIns="68575" tIns="34275" rIns="68575" bIns="34275" anchor="t" anchorCtr="0">
+            <a:spAutoFit/>
+          </a:bodyPr>
+          <a:lstStyle/>
+          <a:p>
+            <a:pPr marL="0" marR="0" lvl="0" indent="0" algn="l" rtl="0">
+              <a:spcBef>
+                <a:spcPts val="0"/>
+              </a:spcBef>
+              <a:spcAft>
+                <a:spcPts val="0"/>
+              </a:spcAft>
+              <a:buNone/>
+            </a:pPr>
+            <a:r>
+              <a:rPr lang="en-US" sz="3200" b="1" dirty="0">
+                <a:solidFill>
+                  <a:srgbClr val="08244A"/>
+                </a:solidFill>
+                <a:latin typeface="Microsoft JhengHei"/>
+                <a:ea typeface="Microsoft JhengHei"/>
+                <a:cs typeface="Microsoft JhengHei"/>
+                <a:sym typeface="Microsoft JhengHei"/>
+              </a:rPr>
+              <a:t>Results and Analysis</a:t>
+            </a:r>
+            <a:r>
+              <a:rPr lang="zh-TW" altLang="en-US" sz="3200" b="1" dirty="0">
+                <a:solidFill>
+                  <a:srgbClr val="08244A"/>
+                </a:solidFill>
+                <a:latin typeface="Microsoft JhengHei"/>
+                <a:ea typeface="Microsoft JhengHei"/>
+                <a:cs typeface="Microsoft JhengHei"/>
+                <a:sym typeface="Microsoft JhengHei"/>
+              </a:rPr>
+              <a:t> </a:t>
+            </a:r>
+            <a:r>
+              <a:rPr lang="en-US" altLang="zh-TW" sz="3200" b="1" dirty="0">
+                <a:solidFill>
+                  <a:srgbClr val="08244A"/>
+                </a:solidFill>
+                <a:latin typeface="Microsoft JhengHei"/>
+                <a:ea typeface="Microsoft JhengHei"/>
+                <a:cs typeface="Microsoft JhengHei"/>
+                <a:sym typeface="Microsoft JhengHei"/>
+              </a:rPr>
+              <a:t>- Comparison to SOTA </a:t>
+            </a:r>
+            <a:endParaRPr lang="en-US" sz="3200" b="1" dirty="0">
+              <a:solidFill>
+                <a:srgbClr val="08244A"/>
+              </a:solidFill>
+              <a:latin typeface="Microsoft JhengHei"/>
+              <a:ea typeface="Microsoft JhengHei"/>
+              <a:cs typeface="Microsoft JhengHei"/>
+              <a:sym typeface="Microsoft JhengHei"/>
+            </a:endParaRPr>
+          </a:p>
+        </p:txBody>
+      </p:sp>
+      <p:sp>
+        <p:nvSpPr>
+          <p:cNvPr id="145" name="Google Shape;145;p26"/>
+          <p:cNvSpPr txBox="1"/>
+          <p:nvPr/>
+        </p:nvSpPr>
+        <p:spPr>
+          <a:xfrm>
+            <a:off x="471900" y="736201"/>
+            <a:ext cx="7422300" cy="369300"/>
+          </a:xfrm>
+          <a:prstGeom prst="rect">
+            <a:avLst/>
+          </a:prstGeom>
+          <a:noFill/>
+          <a:ln>
+            <a:noFill/>
+          </a:ln>
+        </p:spPr>
+        <p:txBody>
+          <a:bodyPr spcFirstLastPara="1" wrap="square" lIns="91425" tIns="91425" rIns="91425" bIns="91425" anchor="t" anchorCtr="0">
+            <a:spAutoFit/>
+          </a:bodyPr>
+          <a:lstStyle/>
+          <a:p>
+            <a:pPr marL="0" lvl="0" indent="0" algn="l" rtl="0">
+              <a:spcBef>
+                <a:spcPts val="0"/>
+              </a:spcBef>
+              <a:spcAft>
+                <a:spcPts val="0"/>
+              </a:spcAft>
+              <a:buNone/>
+            </a:pPr>
+            <a:endParaRPr sz="1200" b="1">
+              <a:solidFill>
+                <a:schemeClr val="dk1"/>
+              </a:solidFill>
+              <a:latin typeface="Microsoft JhengHei"/>
+              <a:ea typeface="Microsoft JhengHei"/>
+              <a:cs typeface="Microsoft JhengHei"/>
+              <a:sym typeface="Microsoft JhengHei"/>
+            </a:endParaRPr>
+          </a:p>
+        </p:txBody>
+      </p:sp>
+      <p:sp>
+        <p:nvSpPr>
+          <p:cNvPr id="2" name="Google Shape;142;p26">
+            <a:extLst>
+              <a:ext uri="{FF2B5EF4-FFF2-40B4-BE49-F238E27FC236}">
+                <a16:creationId xmlns:a16="http://schemas.microsoft.com/office/drawing/2014/main" id="{BD2CA0F0-1185-B7F8-E484-D2CD6776F4DB}"/>
+              </a:ext>
+            </a:extLst>
+          </p:cNvPr>
+          <p:cNvSpPr txBox="1"/>
+          <p:nvPr/>
+        </p:nvSpPr>
+        <p:spPr>
+          <a:xfrm>
+            <a:off x="6709464" y="4919588"/>
+            <a:ext cx="2369472" cy="238497"/>
+          </a:xfrm>
+          <a:prstGeom prst="rect">
+            <a:avLst/>
+          </a:prstGeom>
+          <a:noFill/>
+          <a:ln>
+            <a:noFill/>
+          </a:ln>
+        </p:spPr>
+        <p:txBody>
+          <a:bodyPr spcFirstLastPara="1" wrap="square" lIns="68575" tIns="34275" rIns="68575" bIns="34275" anchor="t" anchorCtr="0">
+            <a:spAutoFit/>
+          </a:bodyPr>
+          <a:lstStyle/>
+          <a:p>
+            <a:pPr algn="r"/>
+            <a:r>
+              <a:rPr lang="en-US" altLang="zh-TW" sz="1100" dirty="0">
+                <a:solidFill>
+                  <a:srgbClr val="A5A5A5"/>
+                </a:solidFill>
+                <a:latin typeface="Consolas"/>
+                <a:ea typeface="Consolas"/>
+                <a:cs typeface="Consolas"/>
+                <a:sym typeface="Consolas"/>
+              </a:rPr>
+              <a:t>NTUST</a:t>
+            </a:r>
+            <a:r>
+              <a:rPr lang="zh-TW" altLang="en-US" sz="1100" dirty="0">
+                <a:solidFill>
+                  <a:srgbClr val="A5A5A5"/>
+                </a:solidFill>
+                <a:latin typeface="Consolas"/>
+                <a:ea typeface="Consolas"/>
+                <a:cs typeface="Consolas"/>
+                <a:sym typeface="Consolas"/>
+              </a:rPr>
+              <a:t>  </a:t>
+            </a:r>
+            <a:r>
+              <a:rPr lang="en-US" altLang="zh-TW" sz="1100" dirty="0" err="1">
+                <a:solidFill>
+                  <a:srgbClr val="A5A5A5"/>
+                </a:solidFill>
+                <a:latin typeface="Consolas"/>
+                <a:ea typeface="Consolas"/>
+                <a:cs typeface="Consolas"/>
+                <a:sym typeface="Consolas"/>
+              </a:rPr>
+              <a:t>GAMELab</a:t>
+            </a:r>
+            <a:r>
+              <a:rPr lang="en-US" altLang="zh-TW" sz="1100" dirty="0">
+                <a:solidFill>
+                  <a:srgbClr val="A5A5A5"/>
+                </a:solidFill>
+                <a:latin typeface="Consolas"/>
+                <a:ea typeface="Consolas"/>
+                <a:cs typeface="Consolas"/>
+                <a:sym typeface="Consolas"/>
+              </a:rPr>
+              <a:t> cs.CV cs.CL</a:t>
+            </a:r>
+          </a:p>
+        </p:txBody>
+      </p:sp>
+      <p:pic>
+        <p:nvPicPr>
           <p:cNvPr id="4" name="圖片 3">
             <a:extLst>
               <a:ext uri="{FF2B5EF4-FFF2-40B4-BE49-F238E27FC236}">
@@ -33349,7 +34321,7 @@
 </p:sld>
 </file>
 
-<file path=ppt/slides/slide27.xml><?xml version="1.0" encoding="utf-8"?>
+<file path=ppt/slides/slide28.xml><?xml version="1.0" encoding="utf-8"?>
 <p:sld xmlns:a="http://schemas.openxmlformats.org/drawingml/2006/main" xmlns:r="http://schemas.openxmlformats.org/officeDocument/2006/relationships" xmlns:p="http://schemas.openxmlformats.org/presentationml/2006/main">
   <p:cSld>
     <p:spTree>
@@ -33659,7 +34631,7 @@
                 <a:cs typeface="Arial"/>
                 <a:sym typeface="Arial"/>
               </a:rPr>
-              <a:t>27</a:t>
+              <a:t>28</a:t>
             </a:fld>
             <a:endParaRPr sz="1100" dirty="0">
               <a:solidFill>
@@ -33686,7 +34658,7 @@
 </p:sld>
 </file>
 
-<file path=ppt/slides/slide28.xml><?xml version="1.0" encoding="utf-8"?>
+<file path=ppt/slides/slide29.xml><?xml version="1.0" encoding="utf-8"?>
 <p:sld xmlns:a="http://schemas.openxmlformats.org/drawingml/2006/main" xmlns:r="http://schemas.openxmlformats.org/officeDocument/2006/relationships" xmlns:p="http://schemas.openxmlformats.org/presentationml/2006/main">
   <p:cSld>
     <p:spTree>
@@ -33817,7 +34789,7 @@
             </a:pPr>
             <a:fld id="{00000000-1234-1234-1234-123412341234}" type="slidenum">
               <a:rPr lang="en-US" altLang="zh-TW" sz="1100"/>
-              <a:t>28</a:t>
+              <a:t>29</a:t>
             </a:fld>
             <a:endParaRPr sz="1100"/>
           </a:p>
@@ -34205,366 +35177,6 @@
   <p:transition spd="slow">
     <p:push/>
   </p:transition>
-</p:sld>
-</file>
-
-<file path=ppt/slides/slide29.xml><?xml version="1.0" encoding="utf-8"?>
-<p:sld xmlns:a="http://schemas.openxmlformats.org/drawingml/2006/main" xmlns:r="http://schemas.openxmlformats.org/officeDocument/2006/relationships" xmlns:p="http://schemas.openxmlformats.org/presentationml/2006/main">
-  <p:cSld>
-    <p:spTree>
-      <p:nvGrpSpPr>
-        <p:cNvPr id="1" name="Shape 674"/>
-        <p:cNvGrpSpPr/>
-        <p:nvPr/>
-      </p:nvGrpSpPr>
-      <p:grpSpPr>
-        <a:xfrm>
-          <a:off x="0" y="0"/>
-          <a:ext cx="0" cy="0"/>
-          <a:chOff x="0" y="0"/>
-          <a:chExt cx="0" cy="0"/>
-        </a:xfrm>
-      </p:grpSpPr>
-      <p:sp>
-        <p:nvSpPr>
-          <p:cNvPr id="675" name="Google Shape;675;p61"/>
-          <p:cNvSpPr txBox="1"/>
-          <p:nvPr/>
-        </p:nvSpPr>
-        <p:spPr>
-          <a:xfrm>
-            <a:off x="4312990" y="4919588"/>
-            <a:ext cx="518100" cy="238500"/>
-          </a:xfrm>
-          <a:prstGeom prst="rect">
-            <a:avLst/>
-          </a:prstGeom>
-          <a:solidFill>
-            <a:srgbClr val="08244A"/>
-          </a:solidFill>
-          <a:ln>
-            <a:noFill/>
-          </a:ln>
-        </p:spPr>
-        <p:txBody>
-          <a:bodyPr spcFirstLastPara="1" wrap="square" lIns="68575" tIns="34275" rIns="68575" bIns="34275" anchor="t" anchorCtr="0">
-            <a:spAutoFit/>
-          </a:bodyPr>
-          <a:lstStyle/>
-          <a:p>
-            <a:pPr marL="0" marR="0" lvl="0" indent="0" algn="ctr" rtl="0">
-              <a:spcBef>
-                <a:spcPts val="0"/>
-              </a:spcBef>
-              <a:spcAft>
-                <a:spcPts val="0"/>
-              </a:spcAft>
-              <a:buNone/>
-            </a:pPr>
-            <a:endParaRPr sz="1100">
-              <a:solidFill>
-                <a:schemeClr val="lt1"/>
-              </a:solidFill>
-              <a:latin typeface="Arial"/>
-              <a:ea typeface="Arial"/>
-              <a:cs typeface="Arial"/>
-              <a:sym typeface="Arial"/>
-            </a:endParaRPr>
-          </a:p>
-        </p:txBody>
-      </p:sp>
-      <p:sp>
-        <p:nvSpPr>
-          <p:cNvPr id="676" name="Google Shape;676;p61"/>
-          <p:cNvSpPr txBox="1"/>
-          <p:nvPr/>
-        </p:nvSpPr>
-        <p:spPr>
-          <a:xfrm>
-            <a:off x="446017" y="295050"/>
-            <a:ext cx="8048100" cy="838800"/>
-          </a:xfrm>
-          <a:prstGeom prst="rect">
-            <a:avLst/>
-          </a:prstGeom>
-          <a:noFill/>
-          <a:ln>
-            <a:noFill/>
-          </a:ln>
-        </p:spPr>
-        <p:txBody>
-          <a:bodyPr spcFirstLastPara="1" wrap="square" lIns="68575" tIns="34275" rIns="68575" bIns="34275" anchor="t" anchorCtr="0">
-            <a:spAutoFit/>
-          </a:bodyPr>
-          <a:lstStyle/>
-          <a:p>
-            <a:pPr marL="0" marR="0" lvl="0" indent="0" algn="l" rtl="0">
-              <a:spcBef>
-                <a:spcPts val="0"/>
-              </a:spcBef>
-              <a:spcAft>
-                <a:spcPts val="0"/>
-              </a:spcAft>
-              <a:buNone/>
-            </a:pPr>
-            <a:r>
-              <a:rPr lang="zh-TW" sz="5000" b="1">
-                <a:solidFill>
-                  <a:srgbClr val="08244A"/>
-                </a:solidFill>
-                <a:latin typeface="Microsoft JhengHei"/>
-                <a:ea typeface="Microsoft JhengHei"/>
-                <a:cs typeface="Microsoft JhengHei"/>
-                <a:sym typeface="Microsoft JhengHei"/>
-              </a:rPr>
-              <a:t>報告完畢 </a:t>
-            </a:r>
-            <a:r>
-              <a:rPr lang="zh-TW" sz="2700" b="1">
-                <a:solidFill>
-                  <a:srgbClr val="08244A"/>
-                </a:solidFill>
-                <a:latin typeface="Microsoft JhengHei"/>
-                <a:ea typeface="Microsoft JhengHei"/>
-                <a:cs typeface="Microsoft JhengHei"/>
-                <a:sym typeface="Microsoft JhengHei"/>
-              </a:rPr>
-              <a:t>THE END</a:t>
-            </a:r>
-            <a:endParaRPr sz="2700" b="1">
-              <a:solidFill>
-                <a:srgbClr val="08244A"/>
-              </a:solidFill>
-              <a:latin typeface="Microsoft JhengHei"/>
-              <a:ea typeface="Microsoft JhengHei"/>
-              <a:cs typeface="Microsoft JhengHei"/>
-              <a:sym typeface="Microsoft JhengHei"/>
-            </a:endParaRPr>
-          </a:p>
-        </p:txBody>
-      </p:sp>
-      <p:cxnSp>
-        <p:nvCxnSpPr>
-          <p:cNvPr id="677" name="Google Shape;677;p61"/>
-          <p:cNvCxnSpPr/>
-          <p:nvPr/>
-        </p:nvCxnSpPr>
-        <p:spPr>
-          <a:xfrm>
-            <a:off x="539036" y="1182847"/>
-            <a:ext cx="4586400" cy="0"/>
-          </a:xfrm>
-          <a:prstGeom prst="straightConnector1">
-            <a:avLst/>
-          </a:prstGeom>
-          <a:noFill/>
-          <a:ln w="38100" cap="flat" cmpd="sng">
-            <a:solidFill>
-              <a:srgbClr val="08244A"/>
-            </a:solidFill>
-            <a:prstDash val="solid"/>
-            <a:miter lim="800000"/>
-            <a:headEnd type="none" w="sm" len="sm"/>
-            <a:tailEnd type="none" w="sm" len="sm"/>
-          </a:ln>
-        </p:spPr>
-      </p:cxnSp>
-      <p:sp>
-        <p:nvSpPr>
-          <p:cNvPr id="678" name="Google Shape;678;p61"/>
-          <p:cNvSpPr txBox="1">
-            <a:spLocks noGrp="1"/>
-          </p:cNvSpPr>
-          <p:nvPr>
-            <p:ph type="sldNum" idx="12"/>
-          </p:nvPr>
-        </p:nvSpPr>
-        <p:spPr>
-          <a:xfrm>
-            <a:off x="3543300" y="4904660"/>
-            <a:ext cx="2057400" cy="273900"/>
-          </a:xfrm>
-          <a:prstGeom prst="rect">
-            <a:avLst/>
-          </a:prstGeom>
-          <a:noFill/>
-          <a:ln>
-            <a:noFill/>
-          </a:ln>
-        </p:spPr>
-        <p:txBody>
-          <a:bodyPr spcFirstLastPara="1" wrap="square" lIns="68575" tIns="34275" rIns="68575" bIns="34275" anchor="ctr" anchorCtr="0">
-            <a:noAutofit/>
-          </a:bodyPr>
-          <a:lstStyle/>
-          <a:p>
-            <a:pPr marL="0" lvl="0" indent="0" algn="ctr" rtl="0">
-              <a:spcBef>
-                <a:spcPts val="0"/>
-              </a:spcBef>
-              <a:spcAft>
-                <a:spcPts val="0"/>
-              </a:spcAft>
-              <a:buClr>
-                <a:srgbClr val="000000"/>
-              </a:buClr>
-              <a:buFont typeface="Arial"/>
-              <a:buNone/>
-            </a:pPr>
-            <a:fld id="{00000000-1234-1234-1234-123412341234}" type="slidenum">
-              <a:rPr lang="en-US" altLang="zh-TW"/>
-              <a:t>29</a:t>
-            </a:fld>
-            <a:endParaRPr/>
-          </a:p>
-        </p:txBody>
-      </p:sp>
-      <p:sp>
-        <p:nvSpPr>
-          <p:cNvPr id="679" name="Google Shape;679;p61"/>
-          <p:cNvSpPr txBox="1"/>
-          <p:nvPr/>
-        </p:nvSpPr>
-        <p:spPr>
-          <a:xfrm>
-            <a:off x="1527902" y="2437175"/>
-            <a:ext cx="6088200" cy="838800"/>
-          </a:xfrm>
-          <a:prstGeom prst="rect">
-            <a:avLst/>
-          </a:prstGeom>
-          <a:noFill/>
-          <a:ln>
-            <a:noFill/>
-          </a:ln>
-        </p:spPr>
-        <p:txBody>
-          <a:bodyPr spcFirstLastPara="1" wrap="square" lIns="68575" tIns="34275" rIns="68575" bIns="34275" anchor="t" anchorCtr="0">
-            <a:spAutoFit/>
-          </a:bodyPr>
-          <a:lstStyle/>
-          <a:p>
-            <a:pPr marL="0" marR="0" lvl="0" indent="0" algn="ctr" rtl="0">
-              <a:spcBef>
-                <a:spcPts val="0"/>
-              </a:spcBef>
-              <a:spcAft>
-                <a:spcPts val="0"/>
-              </a:spcAft>
-              <a:buNone/>
-            </a:pPr>
-            <a:r>
-              <a:rPr lang="zh-TW" sz="5000" b="1">
-                <a:solidFill>
-                  <a:srgbClr val="08244A"/>
-                </a:solidFill>
-                <a:latin typeface="Microsoft JhengHei"/>
-                <a:ea typeface="Microsoft JhengHei"/>
-                <a:cs typeface="Microsoft JhengHei"/>
-                <a:sym typeface="Microsoft JhengHei"/>
-              </a:rPr>
-              <a:t>謝謝 Thank You</a:t>
-            </a:r>
-            <a:endParaRPr sz="2700" b="1">
-              <a:solidFill>
-                <a:srgbClr val="08244A"/>
-              </a:solidFill>
-              <a:latin typeface="Microsoft JhengHei"/>
-              <a:ea typeface="Microsoft JhengHei"/>
-              <a:cs typeface="Microsoft JhengHei"/>
-              <a:sym typeface="Microsoft JhengHei"/>
-            </a:endParaRPr>
-          </a:p>
-        </p:txBody>
-      </p:sp>
-      <p:sp>
-        <p:nvSpPr>
-          <p:cNvPr id="2" name="Google Shape;142;p26">
-            <a:extLst>
-              <a:ext uri="{FF2B5EF4-FFF2-40B4-BE49-F238E27FC236}">
-                <a16:creationId xmlns:a16="http://schemas.microsoft.com/office/drawing/2014/main" id="{3CA95A7D-0A65-83E2-A135-F32A67FB5BBB}"/>
-              </a:ext>
-            </a:extLst>
-          </p:cNvPr>
-          <p:cNvSpPr txBox="1"/>
-          <p:nvPr/>
-        </p:nvSpPr>
-        <p:spPr>
-          <a:xfrm>
-            <a:off x="6709464" y="4919588"/>
-            <a:ext cx="2369472" cy="238497"/>
-          </a:xfrm>
-          <a:prstGeom prst="rect">
-            <a:avLst/>
-          </a:prstGeom>
-          <a:noFill/>
-          <a:ln>
-            <a:noFill/>
-          </a:ln>
-        </p:spPr>
-        <p:txBody>
-          <a:bodyPr spcFirstLastPara="1" wrap="square" lIns="68575" tIns="34275" rIns="68575" bIns="34275" anchor="t" anchorCtr="0">
-            <a:spAutoFit/>
-          </a:bodyPr>
-          <a:lstStyle/>
-          <a:p>
-            <a:pPr algn="r"/>
-            <a:r>
-              <a:rPr lang="en-US" altLang="zh-TW" sz="1100" dirty="0">
-                <a:solidFill>
-                  <a:srgbClr val="A5A5A5"/>
-                </a:solidFill>
-                <a:latin typeface="Consolas"/>
-                <a:ea typeface="Consolas"/>
-                <a:cs typeface="Consolas"/>
-                <a:sym typeface="Consolas"/>
-              </a:rPr>
-              <a:t>NTUST</a:t>
-            </a:r>
-            <a:r>
-              <a:rPr lang="zh-TW" altLang="en-US" sz="1100" dirty="0">
-                <a:solidFill>
-                  <a:srgbClr val="A5A5A5"/>
-                </a:solidFill>
-                <a:latin typeface="Consolas"/>
-                <a:ea typeface="Consolas"/>
-                <a:cs typeface="Consolas"/>
-                <a:sym typeface="Consolas"/>
-              </a:rPr>
-              <a:t>  </a:t>
-            </a:r>
-            <a:r>
-              <a:rPr lang="en-US" altLang="zh-TW" sz="1100" dirty="0" err="1">
-                <a:solidFill>
-                  <a:srgbClr val="A5A5A5"/>
-                </a:solidFill>
-                <a:latin typeface="Consolas"/>
-                <a:ea typeface="Consolas"/>
-                <a:cs typeface="Consolas"/>
-                <a:sym typeface="Consolas"/>
-              </a:rPr>
-              <a:t>GAMELab</a:t>
-            </a:r>
-            <a:r>
-              <a:rPr lang="en-US" altLang="zh-TW" sz="1100" dirty="0">
-                <a:solidFill>
-                  <a:srgbClr val="A5A5A5"/>
-                </a:solidFill>
-                <a:latin typeface="Consolas"/>
-                <a:ea typeface="Consolas"/>
-                <a:cs typeface="Consolas"/>
-                <a:sym typeface="Consolas"/>
-              </a:rPr>
-              <a:t> cs.CV cs.CL</a:t>
-            </a:r>
-          </a:p>
-        </p:txBody>
-      </p:sp>
-    </p:spTree>
-  </p:cSld>
-  <p:clrMapOvr>
-    <a:masterClrMapping/>
-  </p:clrMapOvr>
 </p:sld>
 </file>
 
@@ -34910,6 +35522,366 @@
   <p:cSld>
     <p:spTree>
       <p:nvGrpSpPr>
+        <p:cNvPr id="1" name="Shape 674"/>
+        <p:cNvGrpSpPr/>
+        <p:nvPr/>
+      </p:nvGrpSpPr>
+      <p:grpSpPr>
+        <a:xfrm>
+          <a:off x="0" y="0"/>
+          <a:ext cx="0" cy="0"/>
+          <a:chOff x="0" y="0"/>
+          <a:chExt cx="0" cy="0"/>
+        </a:xfrm>
+      </p:grpSpPr>
+      <p:sp>
+        <p:nvSpPr>
+          <p:cNvPr id="675" name="Google Shape;675;p61"/>
+          <p:cNvSpPr txBox="1"/>
+          <p:nvPr/>
+        </p:nvSpPr>
+        <p:spPr>
+          <a:xfrm>
+            <a:off x="4312990" y="4919588"/>
+            <a:ext cx="518100" cy="238500"/>
+          </a:xfrm>
+          <a:prstGeom prst="rect">
+            <a:avLst/>
+          </a:prstGeom>
+          <a:solidFill>
+            <a:srgbClr val="08244A"/>
+          </a:solidFill>
+          <a:ln>
+            <a:noFill/>
+          </a:ln>
+        </p:spPr>
+        <p:txBody>
+          <a:bodyPr spcFirstLastPara="1" wrap="square" lIns="68575" tIns="34275" rIns="68575" bIns="34275" anchor="t" anchorCtr="0">
+            <a:spAutoFit/>
+          </a:bodyPr>
+          <a:lstStyle/>
+          <a:p>
+            <a:pPr marL="0" marR="0" lvl="0" indent="0" algn="ctr" rtl="0">
+              <a:spcBef>
+                <a:spcPts val="0"/>
+              </a:spcBef>
+              <a:spcAft>
+                <a:spcPts val="0"/>
+              </a:spcAft>
+              <a:buNone/>
+            </a:pPr>
+            <a:endParaRPr sz="1100">
+              <a:solidFill>
+                <a:schemeClr val="lt1"/>
+              </a:solidFill>
+              <a:latin typeface="Arial"/>
+              <a:ea typeface="Arial"/>
+              <a:cs typeface="Arial"/>
+              <a:sym typeface="Arial"/>
+            </a:endParaRPr>
+          </a:p>
+        </p:txBody>
+      </p:sp>
+      <p:sp>
+        <p:nvSpPr>
+          <p:cNvPr id="676" name="Google Shape;676;p61"/>
+          <p:cNvSpPr txBox="1"/>
+          <p:nvPr/>
+        </p:nvSpPr>
+        <p:spPr>
+          <a:xfrm>
+            <a:off x="446017" y="295050"/>
+            <a:ext cx="8048100" cy="838800"/>
+          </a:xfrm>
+          <a:prstGeom prst="rect">
+            <a:avLst/>
+          </a:prstGeom>
+          <a:noFill/>
+          <a:ln>
+            <a:noFill/>
+          </a:ln>
+        </p:spPr>
+        <p:txBody>
+          <a:bodyPr spcFirstLastPara="1" wrap="square" lIns="68575" tIns="34275" rIns="68575" bIns="34275" anchor="t" anchorCtr="0">
+            <a:spAutoFit/>
+          </a:bodyPr>
+          <a:lstStyle/>
+          <a:p>
+            <a:pPr marL="0" marR="0" lvl="0" indent="0" algn="l" rtl="0">
+              <a:spcBef>
+                <a:spcPts val="0"/>
+              </a:spcBef>
+              <a:spcAft>
+                <a:spcPts val="0"/>
+              </a:spcAft>
+              <a:buNone/>
+            </a:pPr>
+            <a:r>
+              <a:rPr lang="zh-TW" sz="5000" b="1">
+                <a:solidFill>
+                  <a:srgbClr val="08244A"/>
+                </a:solidFill>
+                <a:latin typeface="Microsoft JhengHei"/>
+                <a:ea typeface="Microsoft JhengHei"/>
+                <a:cs typeface="Microsoft JhengHei"/>
+                <a:sym typeface="Microsoft JhengHei"/>
+              </a:rPr>
+              <a:t>報告完畢 </a:t>
+            </a:r>
+            <a:r>
+              <a:rPr lang="zh-TW" sz="2700" b="1">
+                <a:solidFill>
+                  <a:srgbClr val="08244A"/>
+                </a:solidFill>
+                <a:latin typeface="Microsoft JhengHei"/>
+                <a:ea typeface="Microsoft JhengHei"/>
+                <a:cs typeface="Microsoft JhengHei"/>
+                <a:sym typeface="Microsoft JhengHei"/>
+              </a:rPr>
+              <a:t>THE END</a:t>
+            </a:r>
+            <a:endParaRPr sz="2700" b="1">
+              <a:solidFill>
+                <a:srgbClr val="08244A"/>
+              </a:solidFill>
+              <a:latin typeface="Microsoft JhengHei"/>
+              <a:ea typeface="Microsoft JhengHei"/>
+              <a:cs typeface="Microsoft JhengHei"/>
+              <a:sym typeface="Microsoft JhengHei"/>
+            </a:endParaRPr>
+          </a:p>
+        </p:txBody>
+      </p:sp>
+      <p:cxnSp>
+        <p:nvCxnSpPr>
+          <p:cNvPr id="677" name="Google Shape;677;p61"/>
+          <p:cNvCxnSpPr/>
+          <p:nvPr/>
+        </p:nvCxnSpPr>
+        <p:spPr>
+          <a:xfrm>
+            <a:off x="539036" y="1182847"/>
+            <a:ext cx="4586400" cy="0"/>
+          </a:xfrm>
+          <a:prstGeom prst="straightConnector1">
+            <a:avLst/>
+          </a:prstGeom>
+          <a:noFill/>
+          <a:ln w="38100" cap="flat" cmpd="sng">
+            <a:solidFill>
+              <a:srgbClr val="08244A"/>
+            </a:solidFill>
+            <a:prstDash val="solid"/>
+            <a:miter lim="800000"/>
+            <a:headEnd type="none" w="sm" len="sm"/>
+            <a:tailEnd type="none" w="sm" len="sm"/>
+          </a:ln>
+        </p:spPr>
+      </p:cxnSp>
+      <p:sp>
+        <p:nvSpPr>
+          <p:cNvPr id="678" name="Google Shape;678;p61"/>
+          <p:cNvSpPr txBox="1">
+            <a:spLocks noGrp="1"/>
+          </p:cNvSpPr>
+          <p:nvPr>
+            <p:ph type="sldNum" idx="12"/>
+          </p:nvPr>
+        </p:nvSpPr>
+        <p:spPr>
+          <a:xfrm>
+            <a:off x="3543300" y="4904660"/>
+            <a:ext cx="2057400" cy="273900"/>
+          </a:xfrm>
+          <a:prstGeom prst="rect">
+            <a:avLst/>
+          </a:prstGeom>
+          <a:noFill/>
+          <a:ln>
+            <a:noFill/>
+          </a:ln>
+        </p:spPr>
+        <p:txBody>
+          <a:bodyPr spcFirstLastPara="1" wrap="square" lIns="68575" tIns="34275" rIns="68575" bIns="34275" anchor="ctr" anchorCtr="0">
+            <a:noAutofit/>
+          </a:bodyPr>
+          <a:lstStyle/>
+          <a:p>
+            <a:pPr marL="0" lvl="0" indent="0" algn="ctr" rtl="0">
+              <a:spcBef>
+                <a:spcPts val="0"/>
+              </a:spcBef>
+              <a:spcAft>
+                <a:spcPts val="0"/>
+              </a:spcAft>
+              <a:buClr>
+                <a:srgbClr val="000000"/>
+              </a:buClr>
+              <a:buFont typeface="Arial"/>
+              <a:buNone/>
+            </a:pPr>
+            <a:fld id="{00000000-1234-1234-1234-123412341234}" type="slidenum">
+              <a:rPr lang="en-US" altLang="zh-TW"/>
+              <a:t>30</a:t>
+            </a:fld>
+            <a:endParaRPr/>
+          </a:p>
+        </p:txBody>
+      </p:sp>
+      <p:sp>
+        <p:nvSpPr>
+          <p:cNvPr id="679" name="Google Shape;679;p61"/>
+          <p:cNvSpPr txBox="1"/>
+          <p:nvPr/>
+        </p:nvSpPr>
+        <p:spPr>
+          <a:xfrm>
+            <a:off x="1527902" y="2437175"/>
+            <a:ext cx="6088200" cy="838800"/>
+          </a:xfrm>
+          <a:prstGeom prst="rect">
+            <a:avLst/>
+          </a:prstGeom>
+          <a:noFill/>
+          <a:ln>
+            <a:noFill/>
+          </a:ln>
+        </p:spPr>
+        <p:txBody>
+          <a:bodyPr spcFirstLastPara="1" wrap="square" lIns="68575" tIns="34275" rIns="68575" bIns="34275" anchor="t" anchorCtr="0">
+            <a:spAutoFit/>
+          </a:bodyPr>
+          <a:lstStyle/>
+          <a:p>
+            <a:pPr marL="0" marR="0" lvl="0" indent="0" algn="ctr" rtl="0">
+              <a:spcBef>
+                <a:spcPts val="0"/>
+              </a:spcBef>
+              <a:spcAft>
+                <a:spcPts val="0"/>
+              </a:spcAft>
+              <a:buNone/>
+            </a:pPr>
+            <a:r>
+              <a:rPr lang="zh-TW" sz="5000" b="1">
+                <a:solidFill>
+                  <a:srgbClr val="08244A"/>
+                </a:solidFill>
+                <a:latin typeface="Microsoft JhengHei"/>
+                <a:ea typeface="Microsoft JhengHei"/>
+                <a:cs typeface="Microsoft JhengHei"/>
+                <a:sym typeface="Microsoft JhengHei"/>
+              </a:rPr>
+              <a:t>謝謝 Thank You</a:t>
+            </a:r>
+            <a:endParaRPr sz="2700" b="1">
+              <a:solidFill>
+                <a:srgbClr val="08244A"/>
+              </a:solidFill>
+              <a:latin typeface="Microsoft JhengHei"/>
+              <a:ea typeface="Microsoft JhengHei"/>
+              <a:cs typeface="Microsoft JhengHei"/>
+              <a:sym typeface="Microsoft JhengHei"/>
+            </a:endParaRPr>
+          </a:p>
+        </p:txBody>
+      </p:sp>
+      <p:sp>
+        <p:nvSpPr>
+          <p:cNvPr id="2" name="Google Shape;142;p26">
+            <a:extLst>
+              <a:ext uri="{FF2B5EF4-FFF2-40B4-BE49-F238E27FC236}">
+                <a16:creationId xmlns:a16="http://schemas.microsoft.com/office/drawing/2014/main" id="{3CA95A7D-0A65-83E2-A135-F32A67FB5BBB}"/>
+              </a:ext>
+            </a:extLst>
+          </p:cNvPr>
+          <p:cNvSpPr txBox="1"/>
+          <p:nvPr/>
+        </p:nvSpPr>
+        <p:spPr>
+          <a:xfrm>
+            <a:off x="6709464" y="4919588"/>
+            <a:ext cx="2369472" cy="238497"/>
+          </a:xfrm>
+          <a:prstGeom prst="rect">
+            <a:avLst/>
+          </a:prstGeom>
+          <a:noFill/>
+          <a:ln>
+            <a:noFill/>
+          </a:ln>
+        </p:spPr>
+        <p:txBody>
+          <a:bodyPr spcFirstLastPara="1" wrap="square" lIns="68575" tIns="34275" rIns="68575" bIns="34275" anchor="t" anchorCtr="0">
+            <a:spAutoFit/>
+          </a:bodyPr>
+          <a:lstStyle/>
+          <a:p>
+            <a:pPr algn="r"/>
+            <a:r>
+              <a:rPr lang="en-US" altLang="zh-TW" sz="1100" dirty="0">
+                <a:solidFill>
+                  <a:srgbClr val="A5A5A5"/>
+                </a:solidFill>
+                <a:latin typeface="Consolas"/>
+                <a:ea typeface="Consolas"/>
+                <a:cs typeface="Consolas"/>
+                <a:sym typeface="Consolas"/>
+              </a:rPr>
+              <a:t>NTUST</a:t>
+            </a:r>
+            <a:r>
+              <a:rPr lang="zh-TW" altLang="en-US" sz="1100" dirty="0">
+                <a:solidFill>
+                  <a:srgbClr val="A5A5A5"/>
+                </a:solidFill>
+                <a:latin typeface="Consolas"/>
+                <a:ea typeface="Consolas"/>
+                <a:cs typeface="Consolas"/>
+                <a:sym typeface="Consolas"/>
+              </a:rPr>
+              <a:t>  </a:t>
+            </a:r>
+            <a:r>
+              <a:rPr lang="en-US" altLang="zh-TW" sz="1100" dirty="0" err="1">
+                <a:solidFill>
+                  <a:srgbClr val="A5A5A5"/>
+                </a:solidFill>
+                <a:latin typeface="Consolas"/>
+                <a:ea typeface="Consolas"/>
+                <a:cs typeface="Consolas"/>
+                <a:sym typeface="Consolas"/>
+              </a:rPr>
+              <a:t>GAMELab</a:t>
+            </a:r>
+            <a:r>
+              <a:rPr lang="en-US" altLang="zh-TW" sz="1100" dirty="0">
+                <a:solidFill>
+                  <a:srgbClr val="A5A5A5"/>
+                </a:solidFill>
+                <a:latin typeface="Consolas"/>
+                <a:ea typeface="Consolas"/>
+                <a:cs typeface="Consolas"/>
+                <a:sym typeface="Consolas"/>
+              </a:rPr>
+              <a:t> cs.CV cs.CL</a:t>
+            </a:r>
+          </a:p>
+        </p:txBody>
+      </p:sp>
+    </p:spTree>
+  </p:cSld>
+  <p:clrMapOvr>
+    <a:masterClrMapping/>
+  </p:clrMapOvr>
+</p:sld>
+</file>
+
+<file path=ppt/slides/slide31.xml><?xml version="1.0" encoding="utf-8"?>
+<p:sld xmlns:a="http://schemas.openxmlformats.org/drawingml/2006/main" xmlns:r="http://schemas.openxmlformats.org/officeDocument/2006/relationships" xmlns:p="http://schemas.openxmlformats.org/presentationml/2006/main">
+  <p:cSld>
+    <p:spTree>
+      <p:nvGrpSpPr>
         <p:cNvPr id="1" name="Shape 139"/>
         <p:cNvGrpSpPr/>
         <p:nvPr/>
@@ -35113,7 +36085,7 @@
             </a:pPr>
             <a:fld id="{00000000-1234-1234-1234-123412341234}" type="slidenum">
               <a:rPr lang="en-US" altLang="zh-TW" sz="1100"/>
-              <a:t>30</a:t>
+              <a:t>31</a:t>
             </a:fld>
             <a:endParaRPr sz="1100"/>
           </a:p>
@@ -35264,7 +36236,7 @@
 </p:sld>
 </file>
 
-<file path=ppt/slides/slide31.xml><?xml version="1.0" encoding="utf-8"?>
+<file path=ppt/slides/slide32.xml><?xml version="1.0" encoding="utf-8"?>
 <p:sld xmlns:a="http://schemas.openxmlformats.org/drawingml/2006/main" xmlns:r="http://schemas.openxmlformats.org/officeDocument/2006/relationships" xmlns:p="http://schemas.openxmlformats.org/presentationml/2006/main">
   <p:cSld>
     <p:spTree>
@@ -35472,7 +36444,7 @@
             </a:pPr>
             <a:fld id="{00000000-1234-1234-1234-123412341234}" type="slidenum">
               <a:rPr lang="en-US" altLang="zh-TW" sz="1100"/>
-              <a:t>31</a:t>
+              <a:t>32</a:t>
             </a:fld>
             <a:endParaRPr sz="1100"/>
           </a:p>
@@ -35623,7 +36595,7 @@
 </p:sld>
 </file>
 
-<file path=ppt/slides/slide32.xml><?xml version="1.0" encoding="utf-8"?>
+<file path=ppt/slides/slide33.xml><?xml version="1.0" encoding="utf-8"?>
 <p:sld xmlns:a="http://schemas.openxmlformats.org/drawingml/2006/main" xmlns:r="http://schemas.openxmlformats.org/officeDocument/2006/relationships" xmlns:p="http://schemas.openxmlformats.org/presentationml/2006/main">
   <p:cSld>
     <p:spTree>
@@ -35831,7 +36803,7 @@
             </a:pPr>
             <a:fld id="{00000000-1234-1234-1234-123412341234}" type="slidenum">
               <a:rPr lang="en-US" altLang="zh-TW" sz="1100"/>
-              <a:t>32</a:t>
+              <a:t>33</a:t>
             </a:fld>
             <a:endParaRPr sz="1100"/>
           </a:p>
@@ -36076,7 +37048,492 @@
 </p:sld>
 </file>
 
-<file path=ppt/slides/slide33.xml><?xml version="1.0" encoding="utf-8"?>
+<file path=ppt/slides/slide34.xml><?xml version="1.0" encoding="utf-8"?>
+<p:sld xmlns:a="http://schemas.openxmlformats.org/drawingml/2006/main" xmlns:r="http://schemas.openxmlformats.org/officeDocument/2006/relationships" xmlns:p="http://schemas.openxmlformats.org/presentationml/2006/main">
+  <p:cSld>
+    <p:spTree>
+      <p:nvGrpSpPr>
+        <p:cNvPr id="1" name=""/>
+        <p:cNvGrpSpPr/>
+        <p:nvPr/>
+      </p:nvGrpSpPr>
+      <p:grpSpPr>
+        <a:xfrm>
+          <a:off x="0" y="0"/>
+          <a:ext cx="0" cy="0"/>
+          <a:chOff x="0" y="0"/>
+          <a:chExt cx="0" cy="0"/>
+        </a:xfrm>
+      </p:grpSpPr>
+      <p:pic>
+        <p:nvPicPr>
+          <p:cNvPr id="5122" name="Picture 2" descr="Vision Transformer Explained | Papers With Code">
+            <a:extLst>
+              <a:ext uri="{FF2B5EF4-FFF2-40B4-BE49-F238E27FC236}">
+                <a16:creationId xmlns:a16="http://schemas.microsoft.com/office/drawing/2014/main" id="{F713E5C6-E3E1-8CF0-9E45-32DC4EA22E1F}"/>
+              </a:ext>
+            </a:extLst>
+          </p:cNvPr>
+          <p:cNvPicPr>
+            <a:picLocks noChangeAspect="1" noChangeArrowheads="1"/>
+          </p:cNvPicPr>
+          <p:nvPr/>
+        </p:nvPicPr>
+        <p:blipFill>
+          <a:blip r:embed="rId2">
+            <a:extLst>
+              <a:ext uri="{28A0092B-C50C-407E-A947-70E740481C1C}">
+                <a14:useLocalDpi xmlns:a14="http://schemas.microsoft.com/office/drawing/2010/main" val="0"/>
+              </a:ext>
+            </a:extLst>
+          </a:blip>
+          <a:srcRect/>
+          <a:stretch>
+            <a:fillRect/>
+          </a:stretch>
+        </p:blipFill>
+        <p:spPr bwMode="auto">
+          <a:xfrm>
+            <a:off x="175532" y="906234"/>
+            <a:ext cx="5169867" cy="3929743"/>
+          </a:xfrm>
+          <a:prstGeom prst="rect">
+            <a:avLst/>
+          </a:prstGeom>
+          <a:noFill/>
+          <a:extLst>
+            <a:ext uri="{909E8E84-426E-40DD-AFC4-6F175D3DCCD1}">
+              <a14:hiddenFill xmlns:a14="http://schemas.microsoft.com/office/drawing/2010/main">
+                <a:solidFill>
+                  <a:srgbClr val="FFFFFF"/>
+                </a:solidFill>
+              </a14:hiddenFill>
+            </a:ext>
+          </a:extLst>
+        </p:spPr>
+      </p:pic>
+      <p:cxnSp>
+        <p:nvCxnSpPr>
+          <p:cNvPr id="6" name="直線單箭頭接點 5">
+            <a:extLst>
+              <a:ext uri="{FF2B5EF4-FFF2-40B4-BE49-F238E27FC236}">
+                <a16:creationId xmlns:a16="http://schemas.microsoft.com/office/drawing/2014/main" id="{FCF3064B-3E91-90A7-0AF0-4ADEA3A61458}"/>
+              </a:ext>
+            </a:extLst>
+          </p:cNvPr>
+          <p:cNvCxnSpPr/>
+          <p:nvPr/>
+        </p:nvCxnSpPr>
+        <p:spPr>
+          <a:xfrm flipV="1">
+            <a:off x="2237014" y="1436914"/>
+            <a:ext cx="0" cy="1036864"/>
+          </a:xfrm>
+          <a:prstGeom prst="straightConnector1">
+            <a:avLst/>
+          </a:prstGeom>
+          <a:ln>
+            <a:solidFill>
+              <a:srgbClr val="FF0000"/>
+            </a:solidFill>
+            <a:tailEnd type="triangle"/>
+          </a:ln>
+        </p:spPr>
+        <p:style>
+          <a:lnRef idx="1">
+            <a:schemeClr val="accent1"/>
+          </a:lnRef>
+          <a:fillRef idx="0">
+            <a:schemeClr val="accent1"/>
+          </a:fillRef>
+          <a:effectRef idx="0">
+            <a:schemeClr val="accent1"/>
+          </a:effectRef>
+          <a:fontRef idx="minor">
+            <a:schemeClr val="tx1"/>
+          </a:fontRef>
+        </p:style>
+      </p:cxnSp>
+      <p:cxnSp>
+        <p:nvCxnSpPr>
+          <p:cNvPr id="7" name="直線單箭頭接點 6">
+            <a:extLst>
+              <a:ext uri="{FF2B5EF4-FFF2-40B4-BE49-F238E27FC236}">
+                <a16:creationId xmlns:a16="http://schemas.microsoft.com/office/drawing/2014/main" id="{7EE4121C-A6D8-6A18-D993-D73BC3CCDF5D}"/>
+              </a:ext>
+            </a:extLst>
+          </p:cNvPr>
+          <p:cNvCxnSpPr/>
+          <p:nvPr/>
+        </p:nvCxnSpPr>
+        <p:spPr>
+          <a:xfrm flipV="1">
+            <a:off x="2552699" y="1436914"/>
+            <a:ext cx="0" cy="1036864"/>
+          </a:xfrm>
+          <a:prstGeom prst="straightConnector1">
+            <a:avLst/>
+          </a:prstGeom>
+          <a:ln>
+            <a:solidFill>
+              <a:srgbClr val="FF0000"/>
+            </a:solidFill>
+            <a:tailEnd type="triangle"/>
+          </a:ln>
+        </p:spPr>
+        <p:style>
+          <a:lnRef idx="1">
+            <a:schemeClr val="accent1"/>
+          </a:lnRef>
+          <a:fillRef idx="0">
+            <a:schemeClr val="accent1"/>
+          </a:fillRef>
+          <a:effectRef idx="0">
+            <a:schemeClr val="accent1"/>
+          </a:effectRef>
+          <a:fontRef idx="minor">
+            <a:schemeClr val="tx1"/>
+          </a:fontRef>
+        </p:style>
+      </p:cxnSp>
+      <p:cxnSp>
+        <p:nvCxnSpPr>
+          <p:cNvPr id="8" name="直線單箭頭接點 7">
+            <a:extLst>
+              <a:ext uri="{FF2B5EF4-FFF2-40B4-BE49-F238E27FC236}">
+                <a16:creationId xmlns:a16="http://schemas.microsoft.com/office/drawing/2014/main" id="{8152E00B-9760-5CBD-30BA-6CB0EBE2B492}"/>
+              </a:ext>
+            </a:extLst>
+          </p:cNvPr>
+          <p:cNvCxnSpPr/>
+          <p:nvPr/>
+        </p:nvCxnSpPr>
+        <p:spPr>
+          <a:xfrm flipV="1">
+            <a:off x="2892878" y="1436914"/>
+            <a:ext cx="0" cy="1036864"/>
+          </a:xfrm>
+          <a:prstGeom prst="straightConnector1">
+            <a:avLst/>
+          </a:prstGeom>
+          <a:ln>
+            <a:solidFill>
+              <a:srgbClr val="FF0000"/>
+            </a:solidFill>
+            <a:tailEnd type="triangle"/>
+          </a:ln>
+        </p:spPr>
+        <p:style>
+          <a:lnRef idx="1">
+            <a:schemeClr val="accent1"/>
+          </a:lnRef>
+          <a:fillRef idx="0">
+            <a:schemeClr val="accent1"/>
+          </a:fillRef>
+          <a:effectRef idx="0">
+            <a:schemeClr val="accent1"/>
+          </a:effectRef>
+          <a:fontRef idx="minor">
+            <a:schemeClr val="tx1"/>
+          </a:fontRef>
+        </p:style>
+      </p:cxnSp>
+      <p:cxnSp>
+        <p:nvCxnSpPr>
+          <p:cNvPr id="9" name="直線單箭頭接點 8">
+            <a:extLst>
+              <a:ext uri="{FF2B5EF4-FFF2-40B4-BE49-F238E27FC236}">
+                <a16:creationId xmlns:a16="http://schemas.microsoft.com/office/drawing/2014/main" id="{2AF045E6-818A-F8ED-3C16-E14CF7D6CCF4}"/>
+              </a:ext>
+            </a:extLst>
+          </p:cNvPr>
+          <p:cNvCxnSpPr/>
+          <p:nvPr/>
+        </p:nvCxnSpPr>
+        <p:spPr>
+          <a:xfrm flipV="1">
+            <a:off x="3249385" y="1436914"/>
+            <a:ext cx="0" cy="1036864"/>
+          </a:xfrm>
+          <a:prstGeom prst="straightConnector1">
+            <a:avLst/>
+          </a:prstGeom>
+          <a:ln>
+            <a:solidFill>
+              <a:srgbClr val="FF0000"/>
+            </a:solidFill>
+            <a:tailEnd type="triangle"/>
+          </a:ln>
+        </p:spPr>
+        <p:style>
+          <a:lnRef idx="1">
+            <a:schemeClr val="accent1"/>
+          </a:lnRef>
+          <a:fillRef idx="0">
+            <a:schemeClr val="accent1"/>
+          </a:fillRef>
+          <a:effectRef idx="0">
+            <a:schemeClr val="accent1"/>
+          </a:effectRef>
+          <a:fontRef idx="minor">
+            <a:schemeClr val="tx1"/>
+          </a:fontRef>
+        </p:style>
+      </p:cxnSp>
+      <p:cxnSp>
+        <p:nvCxnSpPr>
+          <p:cNvPr id="10" name="直線單箭頭接點 9">
+            <a:extLst>
+              <a:ext uri="{FF2B5EF4-FFF2-40B4-BE49-F238E27FC236}">
+                <a16:creationId xmlns:a16="http://schemas.microsoft.com/office/drawing/2014/main" id="{87C8F3BA-0500-CE58-407D-02DCDB02D5D8}"/>
+              </a:ext>
+            </a:extLst>
+          </p:cNvPr>
+          <p:cNvCxnSpPr/>
+          <p:nvPr/>
+        </p:nvCxnSpPr>
+        <p:spPr>
+          <a:xfrm flipV="1">
+            <a:off x="3532414" y="1436914"/>
+            <a:ext cx="0" cy="1036864"/>
+          </a:xfrm>
+          <a:prstGeom prst="straightConnector1">
+            <a:avLst/>
+          </a:prstGeom>
+          <a:ln>
+            <a:solidFill>
+              <a:srgbClr val="FF0000"/>
+            </a:solidFill>
+            <a:tailEnd type="triangle"/>
+          </a:ln>
+        </p:spPr>
+        <p:style>
+          <a:lnRef idx="1">
+            <a:schemeClr val="accent1"/>
+          </a:lnRef>
+          <a:fillRef idx="0">
+            <a:schemeClr val="accent1"/>
+          </a:fillRef>
+          <a:effectRef idx="0">
+            <a:schemeClr val="accent1"/>
+          </a:effectRef>
+          <a:fontRef idx="minor">
+            <a:schemeClr val="tx1"/>
+          </a:fontRef>
+        </p:style>
+      </p:cxnSp>
+      <p:cxnSp>
+        <p:nvCxnSpPr>
+          <p:cNvPr id="11" name="直線單箭頭接點 10">
+            <a:extLst>
+              <a:ext uri="{FF2B5EF4-FFF2-40B4-BE49-F238E27FC236}">
+                <a16:creationId xmlns:a16="http://schemas.microsoft.com/office/drawing/2014/main" id="{AC124F57-CBF1-9479-1B2C-0F248413542A}"/>
+              </a:ext>
+            </a:extLst>
+          </p:cNvPr>
+          <p:cNvCxnSpPr/>
+          <p:nvPr/>
+        </p:nvCxnSpPr>
+        <p:spPr>
+          <a:xfrm flipV="1">
+            <a:off x="3848099" y="1436914"/>
+            <a:ext cx="0" cy="1036864"/>
+          </a:xfrm>
+          <a:prstGeom prst="straightConnector1">
+            <a:avLst/>
+          </a:prstGeom>
+          <a:ln>
+            <a:solidFill>
+              <a:srgbClr val="FF0000"/>
+            </a:solidFill>
+            <a:tailEnd type="triangle"/>
+          </a:ln>
+        </p:spPr>
+        <p:style>
+          <a:lnRef idx="1">
+            <a:schemeClr val="accent1"/>
+          </a:lnRef>
+          <a:fillRef idx="0">
+            <a:schemeClr val="accent1"/>
+          </a:fillRef>
+          <a:effectRef idx="0">
+            <a:schemeClr val="accent1"/>
+          </a:effectRef>
+          <a:fontRef idx="minor">
+            <a:schemeClr val="tx1"/>
+          </a:fontRef>
+        </p:style>
+      </p:cxnSp>
+      <p:cxnSp>
+        <p:nvCxnSpPr>
+          <p:cNvPr id="12" name="直線單箭頭接點 11">
+            <a:extLst>
+              <a:ext uri="{FF2B5EF4-FFF2-40B4-BE49-F238E27FC236}">
+                <a16:creationId xmlns:a16="http://schemas.microsoft.com/office/drawing/2014/main" id="{A21DAF36-6520-97EF-53F1-9A3A4038E28A}"/>
+              </a:ext>
+            </a:extLst>
+          </p:cNvPr>
+          <p:cNvCxnSpPr/>
+          <p:nvPr/>
+        </p:nvCxnSpPr>
+        <p:spPr>
+          <a:xfrm flipV="1">
+            <a:off x="4188278" y="1436914"/>
+            <a:ext cx="0" cy="1036864"/>
+          </a:xfrm>
+          <a:prstGeom prst="straightConnector1">
+            <a:avLst/>
+          </a:prstGeom>
+          <a:ln>
+            <a:solidFill>
+              <a:srgbClr val="FF0000"/>
+            </a:solidFill>
+            <a:tailEnd type="triangle"/>
+          </a:ln>
+        </p:spPr>
+        <p:style>
+          <a:lnRef idx="1">
+            <a:schemeClr val="accent1"/>
+          </a:lnRef>
+          <a:fillRef idx="0">
+            <a:schemeClr val="accent1"/>
+          </a:fillRef>
+          <a:effectRef idx="0">
+            <a:schemeClr val="accent1"/>
+          </a:effectRef>
+          <a:fontRef idx="minor">
+            <a:schemeClr val="tx1"/>
+          </a:fontRef>
+        </p:style>
+      </p:cxnSp>
+      <p:cxnSp>
+        <p:nvCxnSpPr>
+          <p:cNvPr id="13" name="直線單箭頭接點 12">
+            <a:extLst>
+              <a:ext uri="{FF2B5EF4-FFF2-40B4-BE49-F238E27FC236}">
+                <a16:creationId xmlns:a16="http://schemas.microsoft.com/office/drawing/2014/main" id="{2B58655D-F94B-C30A-93BD-CF63F3DB3DB7}"/>
+              </a:ext>
+            </a:extLst>
+          </p:cNvPr>
+          <p:cNvCxnSpPr/>
+          <p:nvPr/>
+        </p:nvCxnSpPr>
+        <p:spPr>
+          <a:xfrm flipV="1">
+            <a:off x="4544785" y="1436914"/>
+            <a:ext cx="0" cy="1036864"/>
+          </a:xfrm>
+          <a:prstGeom prst="straightConnector1">
+            <a:avLst/>
+          </a:prstGeom>
+          <a:ln>
+            <a:solidFill>
+              <a:srgbClr val="FF0000"/>
+            </a:solidFill>
+            <a:tailEnd type="triangle"/>
+          </a:ln>
+        </p:spPr>
+        <p:style>
+          <a:lnRef idx="1">
+            <a:schemeClr val="accent1"/>
+          </a:lnRef>
+          <a:fillRef idx="0">
+            <a:schemeClr val="accent1"/>
+          </a:fillRef>
+          <a:effectRef idx="0">
+            <a:schemeClr val="accent1"/>
+          </a:effectRef>
+          <a:fontRef idx="minor">
+            <a:schemeClr val="tx1"/>
+          </a:fontRef>
+        </p:style>
+      </p:cxnSp>
+      <p:cxnSp>
+        <p:nvCxnSpPr>
+          <p:cNvPr id="14" name="直線單箭頭接點 13">
+            <a:extLst>
+              <a:ext uri="{FF2B5EF4-FFF2-40B4-BE49-F238E27FC236}">
+                <a16:creationId xmlns:a16="http://schemas.microsoft.com/office/drawing/2014/main" id="{82CBAB5E-5693-49B3-59F9-17206DF91B95}"/>
+              </a:ext>
+            </a:extLst>
+          </p:cNvPr>
+          <p:cNvCxnSpPr/>
+          <p:nvPr/>
+        </p:nvCxnSpPr>
+        <p:spPr>
+          <a:xfrm flipV="1">
+            <a:off x="4917621" y="1436914"/>
+            <a:ext cx="0" cy="1036864"/>
+          </a:xfrm>
+          <a:prstGeom prst="straightConnector1">
+            <a:avLst/>
+          </a:prstGeom>
+          <a:ln>
+            <a:solidFill>
+              <a:srgbClr val="FF0000"/>
+            </a:solidFill>
+            <a:tailEnd type="triangle"/>
+          </a:ln>
+        </p:spPr>
+        <p:style>
+          <a:lnRef idx="1">
+            <a:schemeClr val="accent1"/>
+          </a:lnRef>
+          <a:fillRef idx="0">
+            <a:schemeClr val="accent1"/>
+          </a:fillRef>
+          <a:effectRef idx="0">
+            <a:schemeClr val="accent1"/>
+          </a:effectRef>
+          <a:fontRef idx="minor">
+            <a:schemeClr val="tx1"/>
+          </a:fontRef>
+        </p:style>
+      </p:cxnSp>
+      <p:pic>
+        <p:nvPicPr>
+          <p:cNvPr id="16" name="圖片 15">
+            <a:extLst>
+              <a:ext uri="{FF2B5EF4-FFF2-40B4-BE49-F238E27FC236}">
+                <a16:creationId xmlns:a16="http://schemas.microsoft.com/office/drawing/2014/main" id="{40B616CF-277D-B901-9DE4-951E8DE78444}"/>
+              </a:ext>
+            </a:extLst>
+          </p:cNvPr>
+          <p:cNvPicPr>
+            <a:picLocks noChangeAspect="1"/>
+          </p:cNvPicPr>
+          <p:nvPr/>
+        </p:nvPicPr>
+        <p:blipFill>
+          <a:blip r:embed="rId3"/>
+          <a:stretch>
+            <a:fillRect/>
+          </a:stretch>
+        </p:blipFill>
+        <p:spPr>
+          <a:xfrm>
+            <a:off x="6098721" y="374109"/>
+            <a:ext cx="2394178" cy="4395282"/>
+          </a:xfrm>
+          <a:prstGeom prst="rect">
+            <a:avLst/>
+          </a:prstGeom>
+        </p:spPr>
+      </p:pic>
+    </p:spTree>
+    <p:extLst>
+      <p:ext uri="{BB962C8B-B14F-4D97-AF65-F5344CB8AC3E}">
+        <p14:creationId xmlns:p14="http://schemas.microsoft.com/office/powerpoint/2010/main" val="2037670605"/>
+      </p:ext>
+    </p:extLst>
+  </p:cSld>
+  <p:clrMapOvr>
+    <a:masterClrMapping/>
+  </p:clrMapOvr>
+</p:sld>
+</file>
+
+<file path=ppt/slides/slide35.xml><?xml version="1.0" encoding="utf-8"?>
 <p:sld xmlns:a="http://schemas.openxmlformats.org/drawingml/2006/main" xmlns:r="http://schemas.openxmlformats.org/officeDocument/2006/relationships" xmlns:p="http://schemas.openxmlformats.org/presentationml/2006/main">
   <p:cSld>
     <p:spTree>
@@ -38540,7 +39997,7 @@
 </p:sld>
 </file>
 
-<file path=ppt/slides/slide34.xml><?xml version="1.0" encoding="utf-8"?>
+<file path=ppt/slides/slide36.xml><?xml version="1.0" encoding="utf-8"?>
 <p:sld xmlns:a="http://schemas.openxmlformats.org/drawingml/2006/main" xmlns:r="http://schemas.openxmlformats.org/officeDocument/2006/relationships" xmlns:p="http://schemas.openxmlformats.org/presentationml/2006/main">
   <p:cSld>
     <p:spTree>
@@ -40068,6 +41525,36 @@
           <a:xfrm>
             <a:off x="5240455" y="854623"/>
             <a:ext cx="4016712" cy="3679645"/>
+          </a:xfrm>
+          <a:prstGeom prst="rect">
+            <a:avLst/>
+          </a:prstGeom>
+        </p:spPr>
+      </p:pic>
+      <p:pic>
+        <p:nvPicPr>
+          <p:cNvPr id="5" name="圖片 4">
+            <a:extLst>
+              <a:ext uri="{FF2B5EF4-FFF2-40B4-BE49-F238E27FC236}">
+                <a16:creationId xmlns:a16="http://schemas.microsoft.com/office/drawing/2014/main" id="{9F1DBA1E-4A13-966E-13E4-ED43B83195CB}"/>
+              </a:ext>
+            </a:extLst>
+          </p:cNvPr>
+          <p:cNvPicPr>
+            <a:picLocks noChangeAspect="1"/>
+          </p:cNvPicPr>
+          <p:nvPr/>
+        </p:nvPicPr>
+        <p:blipFill>
+          <a:blip r:embed="rId4"/>
+          <a:stretch>
+            <a:fillRect/>
+          </a:stretch>
+        </p:blipFill>
+        <p:spPr>
+          <a:xfrm>
+            <a:off x="259602" y="4245778"/>
+            <a:ext cx="3576228" cy="576979"/>
           </a:xfrm>
           <a:prstGeom prst="rect">
             <a:avLst/>
